--- a/Shared/[패스트캠퍼스] 4강의자료_김경원박사.pptx
+++ b/Shared/[패스트캠퍼스] 4강의자료_김경원박사.pptx
@@ -5,63 +5,58 @@
     <p:sldMasterId id="2147483648" r:id="rId1"/>
   </p:sldMasterIdLst>
   <p:notesMasterIdLst>
-    <p:notesMasterId r:id="rId45"/>
+    <p:notesMasterId r:id="rId40"/>
   </p:notesMasterIdLst>
   <p:handoutMasterIdLst>
-    <p:handoutMasterId r:id="rId46"/>
+    <p:handoutMasterId r:id="rId41"/>
   </p:handoutMasterIdLst>
   <p:sldIdLst>
     <p:sldId id="1063" r:id="rId2"/>
-    <p:sldId id="1103" r:id="rId3"/>
-    <p:sldId id="1104" r:id="rId4"/>
-    <p:sldId id="1142" r:id="rId5"/>
-    <p:sldId id="1110" r:id="rId6"/>
-    <p:sldId id="1111" r:id="rId7"/>
-    <p:sldId id="1112" r:id="rId8"/>
-    <p:sldId id="1113" r:id="rId9"/>
-    <p:sldId id="1114" r:id="rId10"/>
-    <p:sldId id="1116" r:id="rId11"/>
-    <p:sldId id="1117" r:id="rId12"/>
-    <p:sldId id="1118" r:id="rId13"/>
-    <p:sldId id="1119" r:id="rId14"/>
-    <p:sldId id="1120" r:id="rId15"/>
-    <p:sldId id="1121" r:id="rId16"/>
-    <p:sldId id="1122" r:id="rId17"/>
-    <p:sldId id="1123" r:id="rId18"/>
-    <p:sldId id="1124" r:id="rId19"/>
-    <p:sldId id="1125" r:id="rId20"/>
-    <p:sldId id="1126" r:id="rId21"/>
-    <p:sldId id="1127" r:id="rId22"/>
-    <p:sldId id="1128" r:id="rId23"/>
-    <p:sldId id="1136" r:id="rId24"/>
-    <p:sldId id="1129" r:id="rId25"/>
-    <p:sldId id="1130" r:id="rId26"/>
-    <p:sldId id="1131" r:id="rId27"/>
-    <p:sldId id="1132" r:id="rId28"/>
-    <p:sldId id="1133" r:id="rId29"/>
-    <p:sldId id="1137" r:id="rId30"/>
-    <p:sldId id="1141" r:id="rId31"/>
-    <p:sldId id="1138" r:id="rId32"/>
-    <p:sldId id="1143" r:id="rId33"/>
-    <p:sldId id="1148" r:id="rId34"/>
-    <p:sldId id="1144" r:id="rId35"/>
-    <p:sldId id="1145" r:id="rId36"/>
-    <p:sldId id="1146" r:id="rId37"/>
-    <p:sldId id="1147" r:id="rId38"/>
-    <p:sldId id="1149" r:id="rId39"/>
-    <p:sldId id="1150" r:id="rId40"/>
-    <p:sldId id="1151" r:id="rId41"/>
-    <p:sldId id="1152" r:id="rId42"/>
-    <p:sldId id="1153" r:id="rId43"/>
-    <p:sldId id="1062" r:id="rId44"/>
+    <p:sldId id="1104" r:id="rId3"/>
+    <p:sldId id="1134" r:id="rId4"/>
+    <p:sldId id="1095" r:id="rId5"/>
+    <p:sldId id="1154" r:id="rId6"/>
+    <p:sldId id="1155" r:id="rId7"/>
+    <p:sldId id="1156" r:id="rId8"/>
+    <p:sldId id="1157" r:id="rId9"/>
+    <p:sldId id="1158" r:id="rId10"/>
+    <p:sldId id="1165" r:id="rId11"/>
+    <p:sldId id="1139" r:id="rId12"/>
+    <p:sldId id="1140" r:id="rId13"/>
+    <p:sldId id="1166" r:id="rId14"/>
+    <p:sldId id="1142" r:id="rId15"/>
+    <p:sldId id="1167" r:id="rId16"/>
+    <p:sldId id="1168" r:id="rId17"/>
+    <p:sldId id="1169" r:id="rId18"/>
+    <p:sldId id="1170" r:id="rId19"/>
+    <p:sldId id="1171" r:id="rId20"/>
+    <p:sldId id="1172" r:id="rId21"/>
+    <p:sldId id="1173" r:id="rId22"/>
+    <p:sldId id="1174" r:id="rId23"/>
+    <p:sldId id="1175" r:id="rId24"/>
+    <p:sldId id="1176" r:id="rId25"/>
+    <p:sldId id="1177" r:id="rId26"/>
+    <p:sldId id="1178" r:id="rId27"/>
+    <p:sldId id="1179" r:id="rId28"/>
+    <p:sldId id="1180" r:id="rId29"/>
+    <p:sldId id="1181" r:id="rId30"/>
+    <p:sldId id="1182" r:id="rId31"/>
+    <p:sldId id="1183" r:id="rId32"/>
+    <p:sldId id="1184" r:id="rId33"/>
+    <p:sldId id="1185" r:id="rId34"/>
+    <p:sldId id="1186" r:id="rId35"/>
+    <p:sldId id="1187" r:id="rId36"/>
+    <p:sldId id="1188" r:id="rId37"/>
+    <p:sldId id="1189" r:id="rId38"/>
+    <p:sldId id="1062" r:id="rId39"/>
   </p:sldIdLst>
   <p:sldSz cx="12160250" cy="6840538"/>
   <p:notesSz cx="9874250" cy="6797675"/>
   <p:embeddedFontLst>
     <p:embeddedFont>
       <p:font typeface="맑은 고딕" panose="020B0503020000020004" pitchFamily="50" charset="-127"/>
-      <p:regular r:id="rId47"/>
-      <p:bold r:id="rId48"/>
+      <p:regular r:id="rId42"/>
+      <p:bold r:id="rId43"/>
     </p:embeddedFont>
   </p:embeddedFontLst>
   <p:defaultTextStyle>
@@ -274,7 +269,7 @@
           <a:p>
             <a:fld id="{FC718EE8-BF93-4A17-BED5-FC99EECA5FC7}" type="datetimeFigureOut">
               <a:rPr lang="ko-KR" altLang="en-US" smtClean="0"/>
-              <a:t>2019-03-14</a:t>
+              <a:t>2019-07-15</a:t>
             </a:fld>
             <a:endParaRPr lang="ko-KR" altLang="en-US"/>
           </a:p>
@@ -439,7 +434,7 @@
           <a:p>
             <a:fld id="{6101F873-BA02-446B-9127-C4DE4310B943}" type="datetimeFigureOut">
               <a:rPr lang="ko-KR" altLang="en-US" smtClean="0"/>
-              <a:t>2019-03-14</a:t>
+              <a:t>2019-07-15</a:t>
             </a:fld>
             <a:endParaRPr lang="ko-KR" altLang="en-US"/>
           </a:p>
@@ -771,7 +766,7 @@
           <a:p>
             <a:fld id="{C191BC67-C438-4515-9D3F-F10D40F1354A}" type="slidenum">
               <a:rPr lang="ko-KR" altLang="en-US" smtClean="0"/>
-              <a:t>3</a:t>
+              <a:t>2</a:t>
             </a:fld>
             <a:endParaRPr lang="ko-KR" altLang="en-US"/>
           </a:p>
@@ -781,90 +776,6 @@
     <p:extLst>
       <p:ext uri="{BB962C8B-B14F-4D97-AF65-F5344CB8AC3E}">
         <p14:creationId xmlns:p14="http://schemas.microsoft.com/office/powerpoint/2010/main" val="2993664163"/>
-      </p:ext>
-    </p:extLst>
-  </p:cSld>
-  <p:clrMapOvr>
-    <a:masterClrMapping/>
-  </p:clrMapOvr>
-</p:notes>
-</file>
-
-<file path=ppt/notesSlides/notesSlide2.xml><?xml version="1.0" encoding="utf-8"?>
-<p:notes xmlns:a="http://schemas.openxmlformats.org/drawingml/2006/main" xmlns:r="http://schemas.openxmlformats.org/officeDocument/2006/relationships" xmlns:p="http://schemas.openxmlformats.org/presentationml/2006/main">
-  <p:cSld>
-    <p:spTree>
-      <p:nvGrpSpPr>
-        <p:cNvPr id="1" name=""/>
-        <p:cNvGrpSpPr/>
-        <p:nvPr/>
-      </p:nvGrpSpPr>
-      <p:grpSpPr>
-        <a:xfrm>
-          <a:off x="0" y="0"/>
-          <a:ext cx="0" cy="0"/>
-          <a:chOff x="0" y="0"/>
-          <a:chExt cx="0" cy="0"/>
-        </a:xfrm>
-      </p:grpSpPr>
-      <p:sp>
-        <p:nvSpPr>
-          <p:cNvPr id="2" name="슬라이드 이미지 개체 틀 1"/>
-          <p:cNvSpPr>
-            <a:spLocks noGrp="1" noRot="1" noChangeAspect="1"/>
-          </p:cNvSpPr>
-          <p:nvPr>
-            <p:ph type="sldImg"/>
-          </p:nvPr>
-        </p:nvSpPr>
-        <p:spPr/>
-      </p:sp>
-      <p:sp>
-        <p:nvSpPr>
-          <p:cNvPr id="3" name="슬라이드 노트 개체 틀 2"/>
-          <p:cNvSpPr>
-            <a:spLocks noGrp="1"/>
-          </p:cNvSpPr>
-          <p:nvPr>
-            <p:ph type="body" idx="1"/>
-          </p:nvPr>
-        </p:nvSpPr>
-        <p:spPr/>
-        <p:txBody>
-          <a:bodyPr/>
-          <a:lstStyle/>
-          <a:p>
-            <a:endParaRPr lang="ko-KR" altLang="en-US" dirty="0"/>
-          </a:p>
-        </p:txBody>
-      </p:sp>
-      <p:sp>
-        <p:nvSpPr>
-          <p:cNvPr id="4" name="슬라이드 번호 개체 틀 3"/>
-          <p:cNvSpPr>
-            <a:spLocks noGrp="1"/>
-          </p:cNvSpPr>
-          <p:nvPr>
-            <p:ph type="sldNum" sz="quarter" idx="10"/>
-          </p:nvPr>
-        </p:nvSpPr>
-        <p:spPr/>
-        <p:txBody>
-          <a:bodyPr/>
-          <a:lstStyle/>
-          <a:p>
-            <a:fld id="{C191BC67-C438-4515-9D3F-F10D40F1354A}" type="slidenum">
-              <a:rPr lang="ko-KR" altLang="en-US" smtClean="0"/>
-              <a:t>4</a:t>
-            </a:fld>
-            <a:endParaRPr lang="ko-KR" altLang="en-US"/>
-          </a:p>
-        </p:txBody>
-      </p:sp>
-    </p:spTree>
-    <p:extLst>
-      <p:ext uri="{BB962C8B-B14F-4D97-AF65-F5344CB8AC3E}">
-        <p14:creationId xmlns:p14="http://schemas.microsoft.com/office/powerpoint/2010/main" val="3775101291"/>
       </p:ext>
     </p:extLst>
   </p:cSld>
@@ -1053,7 +964,7 @@
           <a:p>
             <a:fld id="{89B5E594-86C5-4F1D-8812-38DF40064943}" type="datetime1">
               <a:rPr lang="ko-KR" altLang="en-US" smtClean="0"/>
-              <a:t>2019-03-14</a:t>
+              <a:t>2019-07-15</a:t>
             </a:fld>
             <a:endParaRPr lang="ko-KR" altLang="en-US"/>
           </a:p>
@@ -1261,7 +1172,7 @@
           <a:p>
             <a:fld id="{05C0B17C-522D-4CD8-8139-01EDEBAB2AF6}" type="datetime1">
               <a:rPr lang="ko-KR" altLang="en-US" smtClean="0"/>
-              <a:t>2019-03-14</a:t>
+              <a:t>2019-07-15</a:t>
             </a:fld>
             <a:endParaRPr lang="ko-KR" altLang="en-US"/>
           </a:p>
@@ -1439,7 +1350,7 @@
           <a:p>
             <a:fld id="{7345261C-38F3-40E7-AAA6-CE27B727AA65}" type="datetime1">
               <a:rPr lang="ko-KR" altLang="en-US" smtClean="0"/>
-              <a:t>2019-03-14</a:t>
+              <a:t>2019-07-15</a:t>
             </a:fld>
             <a:endParaRPr lang="ko-KR" altLang="en-US"/>
           </a:p>
@@ -1607,7 +1518,7 @@
           <a:p>
             <a:fld id="{A8472951-AD8C-47B8-8787-30E2F4BFA1EA}" type="datetime1">
               <a:rPr lang="ko-KR" altLang="en-US" smtClean="0"/>
-              <a:t>2019-03-14</a:t>
+              <a:t>2019-07-15</a:t>
             </a:fld>
             <a:endParaRPr lang="ko-KR" altLang="en-US"/>
           </a:p>
@@ -1862,7 +1773,7 @@
           <a:p>
             <a:fld id="{8BCB1BBF-13D1-46E6-8B8B-C9F26A0BAD91}" type="datetime1">
               <a:rPr lang="ko-KR" altLang="en-US" smtClean="0"/>
-              <a:t>2019-03-14</a:t>
+              <a:t>2019-07-15</a:t>
             </a:fld>
             <a:endParaRPr lang="ko-KR" altLang="en-US"/>
           </a:p>
@@ -2147,7 +2058,7 @@
           <a:p>
             <a:fld id="{B16FDC3D-FD6A-49DF-B101-11717D57279F}" type="datetime1">
               <a:rPr lang="ko-KR" altLang="en-US" smtClean="0"/>
-              <a:t>2019-03-14</a:t>
+              <a:t>2019-07-15</a:t>
             </a:fld>
             <a:endParaRPr lang="ko-KR" altLang="en-US"/>
           </a:p>
@@ -2566,7 +2477,7 @@
           <a:p>
             <a:fld id="{42D411A2-FD90-4A19-98A8-25197A66BC26}" type="datetime1">
               <a:rPr lang="ko-KR" altLang="en-US" smtClean="0"/>
-              <a:t>2019-03-14</a:t>
+              <a:t>2019-07-15</a:t>
             </a:fld>
             <a:endParaRPr lang="ko-KR" altLang="en-US"/>
           </a:p>
@@ -2683,7 +2594,7 @@
           <a:p>
             <a:fld id="{F6E6B532-6471-449A-9A2F-4428556C2F98}" type="datetime1">
               <a:rPr lang="ko-KR" altLang="en-US" smtClean="0"/>
-              <a:t>2019-03-14</a:t>
+              <a:t>2019-07-15</a:t>
             </a:fld>
             <a:endParaRPr lang="ko-KR" altLang="en-US"/>
           </a:p>
@@ -2778,7 +2689,7 @@
           <a:p>
             <a:fld id="{45A9E13B-856D-4562-A86D-A2B6F7BF810F}" type="datetime1">
               <a:rPr lang="ko-KR" altLang="en-US" smtClean="0"/>
-              <a:t>2019-03-14</a:t>
+              <a:t>2019-07-15</a:t>
             </a:fld>
             <a:endParaRPr lang="ko-KR" altLang="en-US"/>
           </a:p>
@@ -3053,7 +2964,7 @@
           <a:p>
             <a:fld id="{A672FB3A-7E9E-4380-9381-6FCA87FBB41A}" type="datetime1">
               <a:rPr lang="ko-KR" altLang="en-US" smtClean="0"/>
-              <a:t>2019-03-14</a:t>
+              <a:t>2019-07-15</a:t>
             </a:fld>
             <a:endParaRPr lang="ko-KR" altLang="en-US"/>
           </a:p>
@@ -3305,7 +3216,7 @@
           <a:p>
             <a:fld id="{3948CCBA-1514-4E9E-888A-807450F810B0}" type="datetime1">
               <a:rPr lang="ko-KR" altLang="en-US" smtClean="0"/>
-              <a:t>2019-03-14</a:t>
+              <a:t>2019-07-15</a:t>
             </a:fld>
             <a:endParaRPr lang="ko-KR" altLang="en-US"/>
           </a:p>
@@ -3518,7 +3429,7 @@
           <a:p>
             <a:fld id="{170EDEE7-370E-499F-B978-ABF387098974}" type="datetime1">
               <a:rPr lang="ko-KR" altLang="en-US" smtClean="0"/>
-              <a:t>2019-03-14</a:t>
+              <a:t>2019-07-15</a:t>
             </a:fld>
             <a:endParaRPr lang="ko-KR" altLang="en-US" dirty="0"/>
           </a:p>
@@ -3934,14 +3845,20 @@
       </p:grpSpPr>
       <p:sp>
         <p:nvSpPr>
-          <p:cNvPr id="4" name="TextBox 3"/>
+          <p:cNvPr id="5" name="TextBox 4">
+            <a:extLst>
+              <a:ext uri="{FF2B5EF4-FFF2-40B4-BE49-F238E27FC236}">
+                <a16:creationId xmlns:a16="http://schemas.microsoft.com/office/drawing/2014/main" id="{DAF57EBE-2090-43DA-9C4A-11C05ACF18A6}"/>
+              </a:ext>
+            </a:extLst>
+          </p:cNvPr>
           <p:cNvSpPr txBox="1"/>
           <p:nvPr/>
         </p:nvSpPr>
         <p:spPr>
           <a:xfrm>
-            <a:off x="895549" y="1835358"/>
-            <a:ext cx="10131075" cy="1404523"/>
+            <a:off x="643521" y="1620069"/>
+            <a:ext cx="10873208" cy="2327853"/>
           </a:xfrm>
           <a:prstGeom prst="rect">
             <a:avLst/>
@@ -3954,183 +3871,95 @@
           </a:bodyPr>
           <a:lstStyle/>
           <a:p>
-            <a:r>
-              <a:rPr lang="en-US" altLang="ko-KR" sz="2800" dirty="0">
+            <a:pPr algn="ctr"/>
+            <a:r>
+              <a:rPr lang="en-US" altLang="ko-KR" sz="3600" dirty="0">
                 <a:latin typeface="Noto Sans CJK KR Black" pitchFamily="34" charset="-127"/>
                 <a:ea typeface="Noto Sans CJK KR Black" pitchFamily="34" charset="-127"/>
               </a:rPr>
-              <a:t>Part1. </a:t>
-            </a:r>
-            <a:r>
-              <a:rPr lang="ko-KR" altLang="en-US" sz="2800" dirty="0">
+              <a:t>Chapter 2.</a:t>
+            </a:r>
+          </a:p>
+          <a:p>
+            <a:pPr algn="ctr"/>
+            <a:r>
+              <a:rPr lang="en-US" altLang="ko-KR" sz="3600" dirty="0">
                 <a:latin typeface="Noto Sans CJK KR Black" pitchFamily="34" charset="-127"/>
                 <a:ea typeface="Noto Sans CJK KR Black" pitchFamily="34" charset="-127"/>
               </a:rPr>
-              <a:t>데이터 분석 흐름 이해 및 시계열 데이터 분석 준비하기</a:t>
-            </a:r>
-            <a:endParaRPr lang="en-US" altLang="ko-KR" sz="2800" dirty="0">
+              <a:t> </a:t>
+            </a:r>
+          </a:p>
+          <a:p>
+            <a:pPr algn="ctr"/>
+            <a:r>
+              <a:rPr lang="ko-KR" altLang="en-US" sz="3600" dirty="0">
+                <a:latin typeface="Noto Sans CJK KR Black" pitchFamily="34" charset="-127"/>
+                <a:ea typeface="Noto Sans CJK KR Black" pitchFamily="34" charset="-127"/>
+              </a:rPr>
+              <a:t>시계열 데이터패턴 추출이해 및 적용하기 </a:t>
+            </a:r>
+            <a:endParaRPr lang="en-US" altLang="ko-KR" sz="3600" dirty="0">
               <a:latin typeface="Noto Sans CJK KR Black" pitchFamily="34" charset="-127"/>
               <a:ea typeface="Noto Sans CJK KR Black" pitchFamily="34" charset="-127"/>
             </a:endParaRPr>
           </a:p>
           <a:p>
-            <a:pPr marL="685800" indent="-685800">
-              <a:buFontTx/>
-              <a:buChar char="-"/>
-            </a:pPr>
-            <a:r>
-              <a:rPr lang="en-US" altLang="ko-KR" sz="2800" dirty="0">
+            <a:pPr algn="ctr"/>
+            <a:r>
+              <a:rPr lang="en-US" altLang="ko-KR" sz="3600" dirty="0">
                 <a:latin typeface="Noto Sans CJK KR Black" pitchFamily="34" charset="-127"/>
                 <a:ea typeface="Noto Sans CJK KR Black" pitchFamily="34" charset="-127"/>
               </a:rPr>
-              <a:t>1</a:t>
-            </a:r>
-            <a:r>
-              <a:rPr lang="ko-KR" altLang="en-US" sz="2800" dirty="0">
+              <a:t>(</a:t>
+            </a:r>
+            <a:r>
+              <a:rPr lang="ko-KR" altLang="en-US" sz="3600" dirty="0">
                 <a:latin typeface="Noto Sans CJK KR Black" pitchFamily="34" charset="-127"/>
                 <a:ea typeface="Noto Sans CJK KR Black" pitchFamily="34" charset="-127"/>
               </a:rPr>
-              <a:t>회차</a:t>
-            </a:r>
-            <a:r>
-              <a:rPr lang="en-US" altLang="ko-KR" sz="2800" dirty="0">
+              <a:t>총</a:t>
+            </a:r>
+            <a:r>
+              <a:rPr lang="en-US" altLang="ko-KR" sz="3600" dirty="0">
                 <a:latin typeface="Noto Sans CJK KR Black" pitchFamily="34" charset="-127"/>
                 <a:ea typeface="Noto Sans CJK KR Black" pitchFamily="34" charset="-127"/>
               </a:rPr>
-              <a:t>: </a:t>
-            </a:r>
-            <a:r>
-              <a:rPr lang="ko-KR" altLang="en-US" sz="2800" dirty="0">
+              <a:t>3</a:t>
+            </a:r>
+            <a:r>
+              <a:rPr lang="ko-KR" altLang="en-US" sz="3600" dirty="0">
                 <a:latin typeface="Noto Sans CJK KR Black" pitchFamily="34" charset="-127"/>
                 <a:ea typeface="Noto Sans CJK KR Black" pitchFamily="34" charset="-127"/>
               </a:rPr>
-              <a:t>분석 </a:t>
-            </a:r>
-            <a:r>
-              <a:rPr lang="ko-KR" altLang="en-US" sz="2800" dirty="0" err="1">
+              <a:t>주</a:t>
+            </a:r>
+            <a:r>
+              <a:rPr lang="en-US" altLang="ko-KR" sz="3600" dirty="0">
                 <a:latin typeface="Noto Sans CJK KR Black" pitchFamily="34" charset="-127"/>
                 <a:ea typeface="Noto Sans CJK KR Black" pitchFamily="34" charset="-127"/>
               </a:rPr>
-              <a:t>싸이클</a:t>
-            </a:r>
-            <a:r>
-              <a:rPr lang="ko-KR" altLang="en-US" sz="2800" dirty="0">
-                <a:latin typeface="Noto Sans CJK KR Black" pitchFamily="34" charset="-127"/>
-                <a:ea typeface="Noto Sans CJK KR Black" pitchFamily="34" charset="-127"/>
-              </a:rPr>
-              <a:t> 이해 및 수학</a:t>
-            </a:r>
-            <a:r>
-              <a:rPr lang="en-US" altLang="ko-KR" sz="2800" dirty="0">
-                <a:latin typeface="Noto Sans CJK KR Black" pitchFamily="34" charset="-127"/>
-                <a:ea typeface="Noto Sans CJK KR Black" pitchFamily="34" charset="-127"/>
-              </a:rPr>
-              <a:t>/</a:t>
-            </a:r>
-            <a:r>
-              <a:rPr lang="ko-KR" altLang="en-US" sz="2800" dirty="0">
-                <a:latin typeface="Noto Sans CJK KR Black" pitchFamily="34" charset="-127"/>
-                <a:ea typeface="Noto Sans CJK KR Black" pitchFamily="34" charset="-127"/>
-              </a:rPr>
-              <a:t>통계</a:t>
-            </a:r>
-            <a:r>
-              <a:rPr lang="en-US" altLang="ko-KR" sz="2800" dirty="0">
-                <a:latin typeface="Noto Sans CJK KR Black" pitchFamily="34" charset="-127"/>
-                <a:ea typeface="Noto Sans CJK KR Black" pitchFamily="34" charset="-127"/>
-              </a:rPr>
-              <a:t>/Python</a:t>
-            </a:r>
-            <a:r>
-              <a:rPr lang="ko-KR" altLang="en-US" sz="2800" dirty="0">
-                <a:latin typeface="Noto Sans CJK KR Black" pitchFamily="34" charset="-127"/>
-                <a:ea typeface="Noto Sans CJK KR Black" pitchFamily="34" charset="-127"/>
-              </a:rPr>
-              <a:t> 언어 이해하기</a:t>
-            </a:r>
-            <a:endParaRPr lang="en-US" altLang="ko-KR" sz="2800" dirty="0">
-              <a:latin typeface="Noto Sans CJK KR Black" pitchFamily="34" charset="-127"/>
-              <a:ea typeface="Noto Sans CJK KR Black" pitchFamily="34" charset="-127"/>
-            </a:endParaRPr>
-          </a:p>
-          <a:p>
-            <a:pPr marL="685800" indent="-685800">
-              <a:buFontTx/>
-              <a:buChar char="-"/>
-            </a:pPr>
-            <a:r>
-              <a:rPr lang="en-US" altLang="ko-KR" sz="2800" dirty="0">
-                <a:latin typeface="Noto Sans CJK KR Black" pitchFamily="34" charset="-127"/>
-                <a:ea typeface="Noto Sans CJK KR Black" pitchFamily="34" charset="-127"/>
-              </a:rPr>
-              <a:t>2</a:t>
-            </a:r>
-            <a:r>
-              <a:rPr lang="ko-KR" altLang="en-US" sz="2800" dirty="0">
-                <a:latin typeface="Noto Sans CJK KR Black" pitchFamily="34" charset="-127"/>
-                <a:ea typeface="Noto Sans CJK KR Black" pitchFamily="34" charset="-127"/>
-              </a:rPr>
-              <a:t>회차</a:t>
-            </a:r>
-            <a:r>
-              <a:rPr lang="en-US" altLang="ko-KR" sz="2800" dirty="0">
-                <a:latin typeface="Noto Sans CJK KR Black" pitchFamily="34" charset="-127"/>
-                <a:ea typeface="Noto Sans CJK KR Black" pitchFamily="34" charset="-127"/>
-              </a:rPr>
-              <a:t>: </a:t>
-            </a:r>
-            <a:r>
-              <a:rPr lang="ko-KR" altLang="en-US" sz="2800" dirty="0">
-                <a:latin typeface="Noto Sans CJK KR Black" pitchFamily="34" charset="-127"/>
-                <a:ea typeface="Noto Sans CJK KR Black" pitchFamily="34" charset="-127"/>
-              </a:rPr>
-              <a:t>시계열 데이터 접근방법 리뷰 및 </a:t>
-            </a:r>
-            <a:r>
-              <a:rPr lang="en-US" altLang="ko-KR" sz="2800" dirty="0">
-                <a:latin typeface="Noto Sans CJK KR Black" pitchFamily="34" charset="-127"/>
-                <a:ea typeface="Noto Sans CJK KR Black" pitchFamily="34" charset="-127"/>
-              </a:rPr>
-              <a:t>“</a:t>
-            </a:r>
-            <a:r>
-              <a:rPr lang="ko-KR" altLang="en-US" sz="2800" dirty="0">
-                <a:latin typeface="Noto Sans CJK KR Black" pitchFamily="34" charset="-127"/>
-                <a:ea typeface="Noto Sans CJK KR Black" pitchFamily="34" charset="-127"/>
-              </a:rPr>
-              <a:t>분석초안</a:t>
-            </a:r>
-            <a:r>
-              <a:rPr lang="en-US" altLang="ko-KR" sz="2800" dirty="0">
-                <a:latin typeface="Noto Sans CJK KR Black" pitchFamily="34" charset="-127"/>
-                <a:ea typeface="Noto Sans CJK KR Black" pitchFamily="34" charset="-127"/>
-              </a:rPr>
-              <a:t>”</a:t>
-            </a:r>
-            <a:r>
-              <a:rPr lang="ko-KR" altLang="en-US" sz="2800" dirty="0">
-                <a:latin typeface="Noto Sans CJK KR Black" pitchFamily="34" charset="-127"/>
-                <a:ea typeface="Noto Sans CJK KR Black" pitchFamily="34" charset="-127"/>
-              </a:rPr>
-              <a:t> 실습 완성</a:t>
-            </a:r>
-            <a:endParaRPr lang="en-US" altLang="ko-KR" sz="2800" dirty="0">
-              <a:latin typeface="Noto Sans CJK KR Black" pitchFamily="34" charset="-127"/>
-              <a:ea typeface="Noto Sans CJK KR Black" pitchFamily="34" charset="-127"/>
-            </a:endParaRPr>
-          </a:p>
-        </p:txBody>
-      </p:sp>
-      <p:sp>
-        <p:nvSpPr>
-          <p:cNvPr id="7" name="TextBox 6"/>
+              <a:t>)</a:t>
+            </a:r>
+          </a:p>
+        </p:txBody>
+      </p:sp>
+      <p:sp>
+        <p:nvSpPr>
+          <p:cNvPr id="6" name="TextBox 5">
+            <a:extLst>
+              <a:ext uri="{FF2B5EF4-FFF2-40B4-BE49-F238E27FC236}">
+                <a16:creationId xmlns:a16="http://schemas.microsoft.com/office/drawing/2014/main" id="{A51CD895-DBF3-4635-9F3A-9BD6DB643F8C}"/>
+              </a:ext>
+            </a:extLst>
+          </p:cNvPr>
           <p:cNvSpPr txBox="1"/>
           <p:nvPr/>
         </p:nvSpPr>
         <p:spPr>
           <a:xfrm>
-            <a:off x="1047949" y="4081911"/>
-            <a:ext cx="10131075" cy="850526"/>
+            <a:off x="1047949" y="4883291"/>
+            <a:ext cx="10131075" cy="481194"/>
           </a:xfrm>
           <a:prstGeom prst="rect">
             <a:avLst/>
@@ -4142,16 +3971,6 @@
             <a:spAutoFit/>
           </a:bodyPr>
           <a:lstStyle/>
-          <a:p>
-            <a:pPr algn="r"/>
-            <a:r>
-              <a:rPr lang="en-US" altLang="ko-KR" sz="2400" dirty="0">
-                <a:latin typeface="Noto Sans CJK KR Medium" pitchFamily="34" charset="-127"/>
-                <a:ea typeface="Noto Sans CJK KR Medium" pitchFamily="34" charset="-127"/>
-              </a:rPr>
-              <a:t>2019.03.02.</a:t>
-            </a:r>
-          </a:p>
           <a:p>
             <a:pPr algn="r"/>
             <a:r>
@@ -4213,7 +4032,7 @@
         </p:nvSpPr>
         <p:spPr>
           <a:xfrm>
-            <a:off x="608016" y="551987"/>
+            <a:off x="608010" y="395933"/>
             <a:ext cx="10944225" cy="1140090"/>
           </a:xfrm>
         </p:spPr>
@@ -4238,7 +4057,7 @@
               <a:t>4. </a:t>
             </a:r>
             <a:r>
-              <a:rPr lang="ko-KR" altLang="en-US" sz="4400" dirty="0" err="1">
+              <a:rPr lang="ko-KR" altLang="en-US" sz="4400" dirty="0">
                 <a:solidFill>
                   <a:schemeClr val="tx1">
                     <a:lumMod val="75000"/>
@@ -4248,20 +4067,7 @@
                 <a:latin typeface="Noto Sans CJK KR Black" pitchFamily="34" charset="-127"/>
                 <a:ea typeface="Noto Sans CJK KR Black" pitchFamily="34" charset="-127"/>
               </a:rPr>
-              <a:t>전처리</a:t>
-            </a:r>
-            <a:r>
-              <a:rPr lang="ko-KR" altLang="en-US" sz="4400" dirty="0">
-                <a:solidFill>
-                  <a:schemeClr val="tx1">
-                    <a:lumMod val="75000"/>
-                    <a:lumOff val="25000"/>
-                  </a:schemeClr>
-                </a:solidFill>
-                <a:latin typeface="Noto Sans CJK KR Black" pitchFamily="34" charset="-127"/>
-                <a:ea typeface="Noto Sans CJK KR Black" pitchFamily="34" charset="-127"/>
-              </a:rPr>
-              <a:t> 방향</a:t>
+              <a:t>시계열 분석</a:t>
             </a:r>
             <a:endParaRPr lang="ko-KR" altLang="en-US" sz="4400" dirty="0">
               <a:solidFill>
@@ -4300,10 +4106,10 @@
       </p:sp>
       <p:pic>
         <p:nvPicPr>
-          <p:cNvPr id="6" name="그림 5">
+          <p:cNvPr id="2" name="그림 1">
             <a:extLst>
               <a:ext uri="{FF2B5EF4-FFF2-40B4-BE49-F238E27FC236}">
-                <a16:creationId xmlns:a16="http://schemas.microsoft.com/office/drawing/2014/main" id="{FAFF13B4-0E15-417A-8F56-900EF0739D81}"/>
+                <a16:creationId xmlns:a16="http://schemas.microsoft.com/office/drawing/2014/main" id="{77FEFA4D-188C-40B4-8E76-160945BFBC5B}"/>
               </a:ext>
             </a:extLst>
           </p:cNvPr>
@@ -4320,8 +4126,8 @@
         </p:blipFill>
         <p:spPr>
           <a:xfrm>
-            <a:off x="2136860" y="2268141"/>
-            <a:ext cx="7886529" cy="3076550"/>
+            <a:off x="1379536" y="1277938"/>
+            <a:ext cx="9401175" cy="5562600"/>
           </a:xfrm>
           <a:prstGeom prst="rect">
             <a:avLst/>
@@ -4331,7 +4137,7 @@
     </p:spTree>
     <p:extLst>
       <p:ext uri="{BB962C8B-B14F-4D97-AF65-F5344CB8AC3E}">
-        <p14:creationId xmlns:p14="http://schemas.microsoft.com/office/powerpoint/2010/main" val="837142781"/>
+        <p14:creationId xmlns:p14="http://schemas.microsoft.com/office/powerpoint/2010/main" val="3857964066"/>
       </p:ext>
     </p:extLst>
   </p:cSld>
@@ -4370,7 +4176,7 @@
         </p:nvSpPr>
         <p:spPr>
           <a:xfrm>
-            <a:off x="608016" y="551987"/>
+            <a:off x="608012" y="539949"/>
             <a:ext cx="10944225" cy="1140090"/>
           </a:xfrm>
         </p:spPr>
@@ -4395,7 +4201,7 @@
               <a:t>4. </a:t>
             </a:r>
             <a:r>
-              <a:rPr lang="ko-KR" altLang="en-US" sz="4400" dirty="0" err="1">
+              <a:rPr lang="ko-KR" altLang="en-US" sz="4400" dirty="0">
                 <a:solidFill>
                   <a:schemeClr val="tx1">
                     <a:lumMod val="75000"/>
@@ -4405,20 +4211,7 @@
                 <a:latin typeface="Noto Sans CJK KR Black" pitchFamily="34" charset="-127"/>
                 <a:ea typeface="Noto Sans CJK KR Black" pitchFamily="34" charset="-127"/>
               </a:rPr>
-              <a:t>전처리</a:t>
-            </a:r>
-            <a:r>
-              <a:rPr lang="ko-KR" altLang="en-US" sz="4400" dirty="0">
-                <a:solidFill>
-                  <a:schemeClr val="tx1">
-                    <a:lumMod val="75000"/>
-                    <a:lumOff val="25000"/>
-                  </a:schemeClr>
-                </a:solidFill>
-                <a:latin typeface="Noto Sans CJK KR Black" pitchFamily="34" charset="-127"/>
-                <a:ea typeface="Noto Sans CJK KR Black" pitchFamily="34" charset="-127"/>
-              </a:rPr>
-              <a:t> 방향</a:t>
+              <a:t>시계열 분석</a:t>
             </a:r>
             <a:endParaRPr lang="ko-KR" altLang="en-US" sz="4400" dirty="0">
               <a:solidFill>
@@ -4460,7 +4253,7 @@
           <p:cNvPr id="2" name="그림 1">
             <a:extLst>
               <a:ext uri="{FF2B5EF4-FFF2-40B4-BE49-F238E27FC236}">
-                <a16:creationId xmlns:a16="http://schemas.microsoft.com/office/drawing/2014/main" id="{E0C4559D-5F1A-4818-9FDA-1A5B74F1F52D}"/>
+                <a16:creationId xmlns:a16="http://schemas.microsoft.com/office/drawing/2014/main" id="{B605E817-ECAD-4344-80D5-C72CE1FE7CCD}"/>
               </a:ext>
             </a:extLst>
           </p:cNvPr>
@@ -4477,8 +4270,8 @@
         </p:blipFill>
         <p:spPr>
           <a:xfrm>
-            <a:off x="2522537" y="1468438"/>
-            <a:ext cx="7115175" cy="5372100"/>
+            <a:off x="2746374" y="1629148"/>
+            <a:ext cx="6667500" cy="4743450"/>
           </a:xfrm>
           <a:prstGeom prst="rect">
             <a:avLst/>
@@ -4488,7 +4281,7 @@
     </p:spTree>
     <p:extLst>
       <p:ext uri="{BB962C8B-B14F-4D97-AF65-F5344CB8AC3E}">
-        <p14:creationId xmlns:p14="http://schemas.microsoft.com/office/powerpoint/2010/main" val="1758560747"/>
+        <p14:creationId xmlns:p14="http://schemas.microsoft.com/office/powerpoint/2010/main" val="2986549760"/>
       </p:ext>
     </p:extLst>
   </p:cSld>
@@ -4527,7 +4320,7 @@
         </p:nvSpPr>
         <p:spPr>
           <a:xfrm>
-            <a:off x="608016" y="551987"/>
+            <a:off x="608012" y="539949"/>
             <a:ext cx="10944225" cy="1140090"/>
           </a:xfrm>
         </p:spPr>
@@ -4552,7 +4345,7 @@
               <a:t>4. </a:t>
             </a:r>
             <a:r>
-              <a:rPr lang="ko-KR" altLang="en-US" sz="4400" dirty="0" err="1">
+              <a:rPr lang="ko-KR" altLang="en-US" sz="4400" dirty="0">
                 <a:solidFill>
                   <a:schemeClr val="tx1">
                     <a:lumMod val="75000"/>
@@ -4562,20 +4355,7 @@
                 <a:latin typeface="Noto Sans CJK KR Black" pitchFamily="34" charset="-127"/>
                 <a:ea typeface="Noto Sans CJK KR Black" pitchFamily="34" charset="-127"/>
               </a:rPr>
-              <a:t>전처리</a:t>
-            </a:r>
-            <a:r>
-              <a:rPr lang="ko-KR" altLang="en-US" sz="4400" dirty="0">
-                <a:solidFill>
-                  <a:schemeClr val="tx1">
-                    <a:lumMod val="75000"/>
-                    <a:lumOff val="25000"/>
-                  </a:schemeClr>
-                </a:solidFill>
-                <a:latin typeface="Noto Sans CJK KR Black" pitchFamily="34" charset="-127"/>
-                <a:ea typeface="Noto Sans CJK KR Black" pitchFamily="34" charset="-127"/>
-              </a:rPr>
-              <a:t> 방향</a:t>
+              <a:t>시계열 분석</a:t>
             </a:r>
             <a:endParaRPr lang="ko-KR" altLang="en-US" sz="4400" dirty="0">
               <a:solidFill>
@@ -4617,7 +4397,7 @@
           <p:cNvPr id="2" name="그림 1">
             <a:extLst>
               <a:ext uri="{FF2B5EF4-FFF2-40B4-BE49-F238E27FC236}">
-                <a16:creationId xmlns:a16="http://schemas.microsoft.com/office/drawing/2014/main" id="{1BF6DD17-C952-4AD2-9C59-61E341706C78}"/>
+                <a16:creationId xmlns:a16="http://schemas.microsoft.com/office/drawing/2014/main" id="{7207B6E8-FA76-4A7D-A9D7-D3FA6DB16D74}"/>
               </a:ext>
             </a:extLst>
           </p:cNvPr>
@@ -4634,8 +4414,8 @@
         </p:blipFill>
         <p:spPr>
           <a:xfrm>
-            <a:off x="2536825" y="1351881"/>
-            <a:ext cx="7086600" cy="5467350"/>
+            <a:off x="4402306" y="486525"/>
+            <a:ext cx="7629525" cy="6048375"/>
           </a:xfrm>
           <a:prstGeom prst="rect">
             <a:avLst/>
@@ -4645,7 +4425,7 @@
     </p:spTree>
     <p:extLst>
       <p:ext uri="{BB962C8B-B14F-4D97-AF65-F5344CB8AC3E}">
-        <p14:creationId xmlns:p14="http://schemas.microsoft.com/office/powerpoint/2010/main" val="2259295827"/>
+        <p14:creationId xmlns:p14="http://schemas.microsoft.com/office/powerpoint/2010/main" val="179954901"/>
       </p:ext>
     </p:extLst>
   </p:cSld>
@@ -4684,7 +4464,7 @@
         </p:nvSpPr>
         <p:spPr>
           <a:xfrm>
-            <a:off x="608016" y="551987"/>
+            <a:off x="608012" y="539949"/>
             <a:ext cx="10944225" cy="1140090"/>
           </a:xfrm>
         </p:spPr>
@@ -4709,7 +4489,7 @@
               <a:t>4. </a:t>
             </a:r>
             <a:r>
-              <a:rPr lang="ko-KR" altLang="en-US" sz="4400" dirty="0" err="1">
+              <a:rPr lang="ko-KR" altLang="en-US" sz="4400" dirty="0">
                 <a:solidFill>
                   <a:schemeClr val="tx1">
                     <a:lumMod val="75000"/>
@@ -4719,20 +4499,7 @@
                 <a:latin typeface="Noto Sans CJK KR Black" pitchFamily="34" charset="-127"/>
                 <a:ea typeface="Noto Sans CJK KR Black" pitchFamily="34" charset="-127"/>
               </a:rPr>
-              <a:t>전처리</a:t>
-            </a:r>
-            <a:r>
-              <a:rPr lang="ko-KR" altLang="en-US" sz="4400" dirty="0">
-                <a:solidFill>
-                  <a:schemeClr val="tx1">
-                    <a:lumMod val="75000"/>
-                    <a:lumOff val="25000"/>
-                  </a:schemeClr>
-                </a:solidFill>
-                <a:latin typeface="Noto Sans CJK KR Black" pitchFamily="34" charset="-127"/>
-                <a:ea typeface="Noto Sans CJK KR Black" pitchFamily="34" charset="-127"/>
-              </a:rPr>
-              <a:t> 방향</a:t>
+              <a:t>시계열 분석</a:t>
             </a:r>
             <a:endParaRPr lang="ko-KR" altLang="en-US" sz="4400" dirty="0">
               <a:solidFill>
@@ -4774,7 +4541,7 @@
           <p:cNvPr id="2" name="그림 1">
             <a:extLst>
               <a:ext uri="{FF2B5EF4-FFF2-40B4-BE49-F238E27FC236}">
-                <a16:creationId xmlns:a16="http://schemas.microsoft.com/office/drawing/2014/main" id="{1BEB13CF-2200-4E8B-8EE6-9B47A4909897}"/>
+                <a16:creationId xmlns:a16="http://schemas.microsoft.com/office/drawing/2014/main" id="{30EFB1B7-2108-47D2-828B-DF347D7D2C41}"/>
               </a:ext>
             </a:extLst>
           </p:cNvPr>
@@ -4791,8 +4558,8 @@
         </p:blipFill>
         <p:spPr>
           <a:xfrm>
-            <a:off x="2484437" y="1923033"/>
-            <a:ext cx="7191375" cy="4229100"/>
+            <a:off x="2017711" y="1373188"/>
+            <a:ext cx="8124825" cy="5467350"/>
           </a:xfrm>
           <a:prstGeom prst="rect">
             <a:avLst/>
@@ -4802,7 +4569,7 @@
     </p:spTree>
     <p:extLst>
       <p:ext uri="{BB962C8B-B14F-4D97-AF65-F5344CB8AC3E}">
-        <p14:creationId xmlns:p14="http://schemas.microsoft.com/office/powerpoint/2010/main" val="1320692570"/>
+        <p14:creationId xmlns:p14="http://schemas.microsoft.com/office/powerpoint/2010/main" val="2490872025"/>
       </p:ext>
     </p:extLst>
   </p:cSld>
@@ -4841,7 +4608,7 @@
         </p:nvSpPr>
         <p:spPr>
           <a:xfrm>
-            <a:off x="608016" y="551987"/>
+            <a:off x="608012" y="539949"/>
             <a:ext cx="10944225" cy="1140090"/>
           </a:xfrm>
         </p:spPr>
@@ -4866,7 +4633,7 @@
               <a:t>4. </a:t>
             </a:r>
             <a:r>
-              <a:rPr lang="ko-KR" altLang="en-US" sz="4400" dirty="0" err="1">
+              <a:rPr lang="ko-KR" altLang="en-US" sz="4400" dirty="0">
                 <a:solidFill>
                   <a:schemeClr val="tx1">
                     <a:lumMod val="75000"/>
@@ -4876,20 +4643,7 @@
                 <a:latin typeface="Noto Sans CJK KR Black" pitchFamily="34" charset="-127"/>
                 <a:ea typeface="Noto Sans CJK KR Black" pitchFamily="34" charset="-127"/>
               </a:rPr>
-              <a:t>전처리</a:t>
-            </a:r>
-            <a:r>
-              <a:rPr lang="ko-KR" altLang="en-US" sz="4400" dirty="0">
-                <a:solidFill>
-                  <a:schemeClr val="tx1">
-                    <a:lumMod val="75000"/>
-                    <a:lumOff val="25000"/>
-                  </a:schemeClr>
-                </a:solidFill>
-                <a:latin typeface="Noto Sans CJK KR Black" pitchFamily="34" charset="-127"/>
-                <a:ea typeface="Noto Sans CJK KR Black" pitchFamily="34" charset="-127"/>
-              </a:rPr>
-              <a:t> 방향</a:t>
+              <a:t>시계열 분석</a:t>
             </a:r>
             <a:endParaRPr lang="ko-KR" altLang="en-US" sz="4400" dirty="0">
               <a:solidFill>
@@ -4931,7 +4685,7 @@
           <p:cNvPr id="2" name="그림 1">
             <a:extLst>
               <a:ext uri="{FF2B5EF4-FFF2-40B4-BE49-F238E27FC236}">
-                <a16:creationId xmlns:a16="http://schemas.microsoft.com/office/drawing/2014/main" id="{5ABAE676-176C-42F5-939C-D4BFCA5BFAEF}"/>
+                <a16:creationId xmlns:a16="http://schemas.microsoft.com/office/drawing/2014/main" id="{548C5F2A-096D-4BE2-A2A3-B822D8648C33}"/>
               </a:ext>
             </a:extLst>
           </p:cNvPr>
@@ -4948,8 +4702,8 @@
         </p:blipFill>
         <p:spPr>
           <a:xfrm>
-            <a:off x="2498725" y="1908458"/>
-            <a:ext cx="7162800" cy="4314825"/>
+            <a:off x="3270250" y="2248694"/>
+            <a:ext cx="5619750" cy="2343150"/>
           </a:xfrm>
           <a:prstGeom prst="rect">
             <a:avLst/>
@@ -4959,7 +4713,7 @@
     </p:spTree>
     <p:extLst>
       <p:ext uri="{BB962C8B-B14F-4D97-AF65-F5344CB8AC3E}">
-        <p14:creationId xmlns:p14="http://schemas.microsoft.com/office/powerpoint/2010/main" val="2354396076"/>
+        <p14:creationId xmlns:p14="http://schemas.microsoft.com/office/powerpoint/2010/main" val="1312900209"/>
       </p:ext>
     </p:extLst>
   </p:cSld>
@@ -4998,7 +4752,7 @@
         </p:nvSpPr>
         <p:spPr>
           <a:xfrm>
-            <a:off x="608016" y="551987"/>
+            <a:off x="608012" y="539949"/>
             <a:ext cx="10944225" cy="1140090"/>
           </a:xfrm>
         </p:spPr>
@@ -5023,7 +4777,7 @@
               <a:t>4. </a:t>
             </a:r>
             <a:r>
-              <a:rPr lang="ko-KR" altLang="en-US" sz="4400" dirty="0" err="1">
+              <a:rPr lang="ko-KR" altLang="en-US" sz="4400" dirty="0">
                 <a:solidFill>
                   <a:schemeClr val="tx1">
                     <a:lumMod val="75000"/>
@@ -5033,20 +4787,7 @@
                 <a:latin typeface="Noto Sans CJK KR Black" pitchFamily="34" charset="-127"/>
                 <a:ea typeface="Noto Sans CJK KR Black" pitchFamily="34" charset="-127"/>
               </a:rPr>
-              <a:t>전처리</a:t>
-            </a:r>
-            <a:r>
-              <a:rPr lang="ko-KR" altLang="en-US" sz="4400" dirty="0">
-                <a:solidFill>
-                  <a:schemeClr val="tx1">
-                    <a:lumMod val="75000"/>
-                    <a:lumOff val="25000"/>
-                  </a:schemeClr>
-                </a:solidFill>
-                <a:latin typeface="Noto Sans CJK KR Black" pitchFamily="34" charset="-127"/>
-                <a:ea typeface="Noto Sans CJK KR Black" pitchFamily="34" charset="-127"/>
-              </a:rPr>
-              <a:t> 방향</a:t>
+              <a:t>시계열 분석</a:t>
             </a:r>
             <a:endParaRPr lang="ko-KR" altLang="en-US" sz="4400" dirty="0">
               <a:solidFill>
@@ -5088,7 +4829,7 @@
           <p:cNvPr id="2" name="그림 1">
             <a:extLst>
               <a:ext uri="{FF2B5EF4-FFF2-40B4-BE49-F238E27FC236}">
-                <a16:creationId xmlns:a16="http://schemas.microsoft.com/office/drawing/2014/main" id="{B6AC89D2-538E-46ED-A64A-65C74DED974A}"/>
+                <a16:creationId xmlns:a16="http://schemas.microsoft.com/office/drawing/2014/main" id="{6F417F2B-D51A-45E4-B360-079364D361B1}"/>
               </a:ext>
             </a:extLst>
           </p:cNvPr>
@@ -5105,8 +4846,8 @@
         </p:blipFill>
         <p:spPr>
           <a:xfrm>
-            <a:off x="1297225" y="2013719"/>
-            <a:ext cx="9565799" cy="4037236"/>
+            <a:off x="2179636" y="1968918"/>
+            <a:ext cx="7800975" cy="4114800"/>
           </a:xfrm>
           <a:prstGeom prst="rect">
             <a:avLst/>
@@ -5116,7 +4857,7 @@
     </p:spTree>
     <p:extLst>
       <p:ext uri="{BB962C8B-B14F-4D97-AF65-F5344CB8AC3E}">
-        <p14:creationId xmlns:p14="http://schemas.microsoft.com/office/powerpoint/2010/main" val="2904273551"/>
+        <p14:creationId xmlns:p14="http://schemas.microsoft.com/office/powerpoint/2010/main" val="2232289934"/>
       </p:ext>
     </p:extLst>
   </p:cSld>
@@ -5155,7 +4896,7 @@
         </p:nvSpPr>
         <p:spPr>
           <a:xfrm>
-            <a:off x="608016" y="551987"/>
+            <a:off x="608012" y="539949"/>
             <a:ext cx="10944225" cy="1140090"/>
           </a:xfrm>
         </p:spPr>
@@ -5180,7 +4921,7 @@
               <a:t>4. </a:t>
             </a:r>
             <a:r>
-              <a:rPr lang="ko-KR" altLang="en-US" sz="4400" dirty="0" err="1">
+              <a:rPr lang="ko-KR" altLang="en-US" sz="4400" dirty="0">
                 <a:solidFill>
                   <a:schemeClr val="tx1">
                     <a:lumMod val="75000"/>
@@ -5190,20 +4931,7 @@
                 <a:latin typeface="Noto Sans CJK KR Black" pitchFamily="34" charset="-127"/>
                 <a:ea typeface="Noto Sans CJK KR Black" pitchFamily="34" charset="-127"/>
               </a:rPr>
-              <a:t>전처리</a:t>
-            </a:r>
-            <a:r>
-              <a:rPr lang="ko-KR" altLang="en-US" sz="4400" dirty="0">
-                <a:solidFill>
-                  <a:schemeClr val="tx1">
-                    <a:lumMod val="75000"/>
-                    <a:lumOff val="25000"/>
-                  </a:schemeClr>
-                </a:solidFill>
-                <a:latin typeface="Noto Sans CJK KR Black" pitchFamily="34" charset="-127"/>
-                <a:ea typeface="Noto Sans CJK KR Black" pitchFamily="34" charset="-127"/>
-              </a:rPr>
-              <a:t> 방향</a:t>
+              <a:t>시계열 분석</a:t>
             </a:r>
             <a:endParaRPr lang="ko-KR" altLang="en-US" sz="4400" dirty="0">
               <a:solidFill>
@@ -5242,10 +4970,10 @@
       </p:sp>
       <p:pic>
         <p:nvPicPr>
-          <p:cNvPr id="4" name="그림 3">
+          <p:cNvPr id="2" name="그림 1">
             <a:extLst>
               <a:ext uri="{FF2B5EF4-FFF2-40B4-BE49-F238E27FC236}">
-                <a16:creationId xmlns:a16="http://schemas.microsoft.com/office/drawing/2014/main" id="{DA0E3B5A-DDE3-4CE4-8E4F-F19DE22A1292}"/>
+                <a16:creationId xmlns:a16="http://schemas.microsoft.com/office/drawing/2014/main" id="{99063E02-5049-488F-B59C-27DDF9D176D2}"/>
               </a:ext>
             </a:extLst>
           </p:cNvPr>
@@ -5262,8 +4990,8 @@
         </p:blipFill>
         <p:spPr>
           <a:xfrm>
-            <a:off x="1397232" y="2289192"/>
-            <a:ext cx="9365786" cy="3243238"/>
+            <a:off x="1865311" y="1897481"/>
+            <a:ext cx="8429625" cy="4257675"/>
           </a:xfrm>
           <a:prstGeom prst="rect">
             <a:avLst/>
@@ -5273,7 +5001,7 @@
     </p:spTree>
     <p:extLst>
       <p:ext uri="{BB962C8B-B14F-4D97-AF65-F5344CB8AC3E}">
-        <p14:creationId xmlns:p14="http://schemas.microsoft.com/office/powerpoint/2010/main" val="283302115"/>
+        <p14:creationId xmlns:p14="http://schemas.microsoft.com/office/powerpoint/2010/main" val="3890402221"/>
       </p:ext>
     </p:extLst>
   </p:cSld>
@@ -5312,7 +5040,7 @@
         </p:nvSpPr>
         <p:spPr>
           <a:xfrm>
-            <a:off x="608016" y="551987"/>
+            <a:off x="608012" y="539949"/>
             <a:ext cx="10944225" cy="1140090"/>
           </a:xfrm>
         </p:spPr>
@@ -5337,7 +5065,7 @@
               <a:t>4. </a:t>
             </a:r>
             <a:r>
-              <a:rPr lang="ko-KR" altLang="en-US" sz="4400" dirty="0" err="1">
+              <a:rPr lang="ko-KR" altLang="en-US" sz="4400" dirty="0">
                 <a:solidFill>
                   <a:schemeClr val="tx1">
                     <a:lumMod val="75000"/>
@@ -5347,20 +5075,7 @@
                 <a:latin typeface="Noto Sans CJK KR Black" pitchFamily="34" charset="-127"/>
                 <a:ea typeface="Noto Sans CJK KR Black" pitchFamily="34" charset="-127"/>
               </a:rPr>
-              <a:t>전처리</a:t>
-            </a:r>
-            <a:r>
-              <a:rPr lang="ko-KR" altLang="en-US" sz="4400" dirty="0">
-                <a:solidFill>
-                  <a:schemeClr val="tx1">
-                    <a:lumMod val="75000"/>
-                    <a:lumOff val="25000"/>
-                  </a:schemeClr>
-                </a:solidFill>
-                <a:latin typeface="Noto Sans CJK KR Black" pitchFamily="34" charset="-127"/>
-                <a:ea typeface="Noto Sans CJK KR Black" pitchFamily="34" charset="-127"/>
-              </a:rPr>
-              <a:t> 방향</a:t>
+              <a:t>시계열 분석</a:t>
             </a:r>
             <a:endParaRPr lang="ko-KR" altLang="en-US" sz="4400" dirty="0">
               <a:solidFill>
@@ -5402,7 +5117,7 @@
           <p:cNvPr id="2" name="그림 1">
             <a:extLst>
               <a:ext uri="{FF2B5EF4-FFF2-40B4-BE49-F238E27FC236}">
-                <a16:creationId xmlns:a16="http://schemas.microsoft.com/office/drawing/2014/main" id="{8AEE9BC7-F6A2-42A6-B00F-AE58903195D8}"/>
+                <a16:creationId xmlns:a16="http://schemas.microsoft.com/office/drawing/2014/main" id="{EC92A371-C463-4329-94ED-988E6B358375}"/>
               </a:ext>
             </a:extLst>
           </p:cNvPr>
@@ -5419,8 +5134,8 @@
         </p:blipFill>
         <p:spPr>
           <a:xfrm>
-            <a:off x="3108325" y="1874925"/>
-            <a:ext cx="5943600" cy="4314825"/>
+            <a:off x="1408111" y="1714328"/>
+            <a:ext cx="9344025" cy="4448175"/>
           </a:xfrm>
           <a:prstGeom prst="rect">
             <a:avLst/>
@@ -5430,7 +5145,7 @@
     </p:spTree>
     <p:extLst>
       <p:ext uri="{BB962C8B-B14F-4D97-AF65-F5344CB8AC3E}">
-        <p14:creationId xmlns:p14="http://schemas.microsoft.com/office/powerpoint/2010/main" val="2815959786"/>
+        <p14:creationId xmlns:p14="http://schemas.microsoft.com/office/powerpoint/2010/main" val="938931874"/>
       </p:ext>
     </p:extLst>
   </p:cSld>
@@ -5469,7 +5184,7 @@
         </p:nvSpPr>
         <p:spPr>
           <a:xfrm>
-            <a:off x="608016" y="551987"/>
+            <a:off x="608012" y="539949"/>
             <a:ext cx="10944225" cy="1140090"/>
           </a:xfrm>
         </p:spPr>
@@ -5491,7 +5206,7 @@
                 <a:latin typeface="Noto Sans CJK KR Black" pitchFamily="34" charset="-127"/>
                 <a:ea typeface="Noto Sans CJK KR Black" pitchFamily="34" charset="-127"/>
               </a:rPr>
-              <a:t>5. </a:t>
+              <a:t>4. </a:t>
             </a:r>
             <a:r>
               <a:rPr lang="ko-KR" altLang="en-US" sz="4400" dirty="0">
@@ -5504,7 +5219,7 @@
                 <a:latin typeface="Noto Sans CJK KR Black" pitchFamily="34" charset="-127"/>
                 <a:ea typeface="Noto Sans CJK KR Black" pitchFamily="34" charset="-127"/>
               </a:rPr>
-              <a:t>모델링 방향</a:t>
+              <a:t>시계열 분석</a:t>
             </a:r>
             <a:endParaRPr lang="ko-KR" altLang="en-US" sz="4400" dirty="0">
               <a:solidFill>
@@ -5543,10 +5258,10 @@
       </p:sp>
       <p:pic>
         <p:nvPicPr>
-          <p:cNvPr id="4" name="그림 3">
+          <p:cNvPr id="2" name="그림 1">
             <a:extLst>
               <a:ext uri="{FF2B5EF4-FFF2-40B4-BE49-F238E27FC236}">
-                <a16:creationId xmlns:a16="http://schemas.microsoft.com/office/drawing/2014/main" id="{5DA82A08-CFE5-46C0-9AA2-C861C3631522}"/>
+                <a16:creationId xmlns:a16="http://schemas.microsoft.com/office/drawing/2014/main" id="{1C17B174-F616-4DA9-AEEA-E61FB16F6182}"/>
               </a:ext>
             </a:extLst>
           </p:cNvPr>
@@ -5563,8 +5278,8 @@
         </p:blipFill>
         <p:spPr>
           <a:xfrm>
-            <a:off x="1436687" y="1764469"/>
-            <a:ext cx="9286875" cy="4781550"/>
+            <a:off x="855661" y="2124125"/>
+            <a:ext cx="10448925" cy="3248025"/>
           </a:xfrm>
           <a:prstGeom prst="rect">
             <a:avLst/>
@@ -5574,7 +5289,7 @@
     </p:spTree>
     <p:extLst>
       <p:ext uri="{BB962C8B-B14F-4D97-AF65-F5344CB8AC3E}">
-        <p14:creationId xmlns:p14="http://schemas.microsoft.com/office/powerpoint/2010/main" val="820174571"/>
+        <p14:creationId xmlns:p14="http://schemas.microsoft.com/office/powerpoint/2010/main" val="904088630"/>
       </p:ext>
     </p:extLst>
   </p:cSld>
@@ -5601,12 +5316,96 @@
           <a:chExt cx="0" cy="0"/>
         </a:xfrm>
       </p:grpSpPr>
+      <p:sp>
+        <p:nvSpPr>
+          <p:cNvPr id="5" name="제목 4"/>
+          <p:cNvSpPr>
+            <a:spLocks noGrp="1"/>
+          </p:cNvSpPr>
+          <p:nvPr>
+            <p:ph type="title"/>
+          </p:nvPr>
+        </p:nvSpPr>
+        <p:spPr>
+          <a:xfrm>
+            <a:off x="608012" y="539949"/>
+            <a:ext cx="10944225" cy="1140090"/>
+          </a:xfrm>
+        </p:spPr>
+        <p:txBody>
+          <a:bodyPr>
+            <a:normAutofit/>
+          </a:bodyPr>
+          <a:lstStyle/>
+          <a:p>
+            <a:pPr algn="l"/>
+            <a:r>
+              <a:rPr lang="en-US" altLang="ko-KR" sz="4400" dirty="0">
+                <a:solidFill>
+                  <a:schemeClr val="tx1">
+                    <a:lumMod val="75000"/>
+                    <a:lumOff val="25000"/>
+                  </a:schemeClr>
+                </a:solidFill>
+                <a:latin typeface="Noto Sans CJK KR Black" pitchFamily="34" charset="-127"/>
+                <a:ea typeface="Noto Sans CJK KR Black" pitchFamily="34" charset="-127"/>
+              </a:rPr>
+              <a:t>4. </a:t>
+            </a:r>
+            <a:r>
+              <a:rPr lang="ko-KR" altLang="en-US" sz="4400" dirty="0">
+                <a:solidFill>
+                  <a:schemeClr val="tx1">
+                    <a:lumMod val="75000"/>
+                    <a:lumOff val="25000"/>
+                  </a:schemeClr>
+                </a:solidFill>
+                <a:latin typeface="Noto Sans CJK KR Black" pitchFamily="34" charset="-127"/>
+                <a:ea typeface="Noto Sans CJK KR Black" pitchFamily="34" charset="-127"/>
+              </a:rPr>
+              <a:t>시계열 분석</a:t>
+            </a:r>
+            <a:endParaRPr lang="ko-KR" altLang="en-US" sz="4400" dirty="0">
+              <a:solidFill>
+                <a:schemeClr val="tx1">
+                  <a:lumMod val="75000"/>
+                  <a:lumOff val="25000"/>
+                </a:schemeClr>
+              </a:solidFill>
+            </a:endParaRPr>
+          </a:p>
+        </p:txBody>
+      </p:sp>
+      <p:sp>
+        <p:nvSpPr>
+          <p:cNvPr id="3" name="슬라이드 번호 개체 틀 2"/>
+          <p:cNvSpPr>
+            <a:spLocks noGrp="1"/>
+          </p:cNvSpPr>
+          <p:nvPr>
+            <p:ph type="sldNum" sz="quarter" idx="12"/>
+          </p:nvPr>
+        </p:nvSpPr>
+        <p:spPr/>
+        <p:txBody>
+          <a:bodyPr/>
+          <a:lstStyle/>
+          <a:p>
+            <a:fld id="{6DDAE2C3-1A0B-474A-8CE8-AE55B8D9D4B1}" type="slidenum">
+              <a:rPr lang="ko-KR" altLang="en-US" smtClean="0"/>
+              <a:pPr/>
+              <a:t>19</a:t>
+            </a:fld>
+            <a:endParaRPr lang="ko-KR" altLang="en-US" dirty="0"/>
+          </a:p>
+        </p:txBody>
+      </p:sp>
       <p:pic>
         <p:nvPicPr>
-          <p:cNvPr id="6" name="그림 5">
+          <p:cNvPr id="2" name="그림 1">
             <a:extLst>
               <a:ext uri="{FF2B5EF4-FFF2-40B4-BE49-F238E27FC236}">
-                <a16:creationId xmlns:a16="http://schemas.microsoft.com/office/drawing/2014/main" id="{BBAC9E91-9153-408F-9FE7-180185DF5B99}"/>
+                <a16:creationId xmlns:a16="http://schemas.microsoft.com/office/drawing/2014/main" id="{04B73BA0-9F90-404F-B23B-46879C1EF744}"/>
               </a:ext>
             </a:extLst>
           </p:cNvPr>
@@ -5623,122 +5422,8 @@
         </p:blipFill>
         <p:spPr>
           <a:xfrm>
-            <a:off x="6302404" y="971997"/>
-            <a:ext cx="5843127" cy="5418815"/>
-          </a:xfrm>
-          <a:prstGeom prst="rect">
-            <a:avLst/>
-          </a:prstGeom>
-        </p:spPr>
-      </p:pic>
-      <p:sp>
-        <p:nvSpPr>
-          <p:cNvPr id="5" name="제목 4"/>
-          <p:cNvSpPr>
-            <a:spLocks noGrp="1"/>
-          </p:cNvSpPr>
-          <p:nvPr>
-            <p:ph type="title"/>
-          </p:nvPr>
-        </p:nvSpPr>
-        <p:spPr>
-          <a:xfrm>
-            <a:off x="608016" y="551987"/>
-            <a:ext cx="10944225" cy="1140090"/>
-          </a:xfrm>
-        </p:spPr>
-        <p:txBody>
-          <a:bodyPr>
-            <a:normAutofit/>
-          </a:bodyPr>
-          <a:lstStyle/>
-          <a:p>
-            <a:pPr algn="l"/>
-            <a:r>
-              <a:rPr lang="en-US" altLang="ko-KR" sz="4400" dirty="0">
-                <a:solidFill>
-                  <a:schemeClr val="tx1">
-                    <a:lumMod val="75000"/>
-                    <a:lumOff val="25000"/>
-                  </a:schemeClr>
-                </a:solidFill>
-                <a:latin typeface="Noto Sans CJK KR Black" pitchFamily="34" charset="-127"/>
-                <a:ea typeface="Noto Sans CJK KR Black" pitchFamily="34" charset="-127"/>
-              </a:rPr>
-              <a:t>5. </a:t>
-            </a:r>
-            <a:r>
-              <a:rPr lang="ko-KR" altLang="en-US" sz="4400" dirty="0">
-                <a:solidFill>
-                  <a:schemeClr val="tx1">
-                    <a:lumMod val="75000"/>
-                    <a:lumOff val="25000"/>
-                  </a:schemeClr>
-                </a:solidFill>
-                <a:latin typeface="Noto Sans CJK KR Black" pitchFamily="34" charset="-127"/>
-                <a:ea typeface="Noto Sans CJK KR Black" pitchFamily="34" charset="-127"/>
-              </a:rPr>
-              <a:t>모델링 방향</a:t>
-            </a:r>
-            <a:endParaRPr lang="ko-KR" altLang="en-US" sz="4400" dirty="0">
-              <a:solidFill>
-                <a:schemeClr val="tx1">
-                  <a:lumMod val="75000"/>
-                  <a:lumOff val="25000"/>
-                </a:schemeClr>
-              </a:solidFill>
-            </a:endParaRPr>
-          </a:p>
-        </p:txBody>
-      </p:sp>
-      <p:sp>
-        <p:nvSpPr>
-          <p:cNvPr id="3" name="슬라이드 번호 개체 틀 2"/>
-          <p:cNvSpPr>
-            <a:spLocks noGrp="1"/>
-          </p:cNvSpPr>
-          <p:nvPr>
-            <p:ph type="sldNum" sz="quarter" idx="12"/>
-          </p:nvPr>
-        </p:nvSpPr>
-        <p:spPr/>
-        <p:txBody>
-          <a:bodyPr/>
-          <a:lstStyle/>
-          <a:p>
-            <a:fld id="{6DDAE2C3-1A0B-474A-8CE8-AE55B8D9D4B1}" type="slidenum">
-              <a:rPr lang="ko-KR" altLang="en-US" smtClean="0"/>
-              <a:pPr/>
-              <a:t>19</a:t>
-            </a:fld>
-            <a:endParaRPr lang="ko-KR" altLang="en-US" dirty="0"/>
-          </a:p>
-        </p:txBody>
-      </p:sp>
-      <p:pic>
-        <p:nvPicPr>
-          <p:cNvPr id="2" name="그림 1">
-            <a:extLst>
-              <a:ext uri="{FF2B5EF4-FFF2-40B4-BE49-F238E27FC236}">
-                <a16:creationId xmlns:a16="http://schemas.microsoft.com/office/drawing/2014/main" id="{A8E7DBC2-0D69-4312-BD20-AE362E019A49}"/>
-              </a:ext>
-            </a:extLst>
-          </p:cNvPr>
-          <p:cNvPicPr>
-            <a:picLocks noChangeAspect="1"/>
-          </p:cNvPicPr>
-          <p:nvPr/>
-        </p:nvPicPr>
-        <p:blipFill>
-          <a:blip r:embed="rId3"/>
-          <a:stretch>
-            <a:fillRect/>
-          </a:stretch>
-        </p:blipFill>
-        <p:spPr>
-          <a:xfrm>
-            <a:off x="34386" y="2058895"/>
-            <a:ext cx="6362700" cy="4495800"/>
+            <a:off x="2189161" y="2102268"/>
+            <a:ext cx="7781925" cy="3848100"/>
           </a:xfrm>
           <a:prstGeom prst="rect">
             <a:avLst/>
@@ -5748,7 +5433,7 @@
     </p:spTree>
     <p:extLst>
       <p:ext uri="{BB962C8B-B14F-4D97-AF65-F5344CB8AC3E}">
-        <p14:creationId xmlns:p14="http://schemas.microsoft.com/office/powerpoint/2010/main" val="2012214992"/>
+        <p14:creationId xmlns:p14="http://schemas.microsoft.com/office/powerpoint/2010/main" val="1352971187"/>
       </p:ext>
     </p:extLst>
   </p:cSld>
@@ -5761,6 +5446,16 @@
 <file path=ppt/slides/slide2.xml><?xml version="1.0" encoding="utf-8"?>
 <p:sld xmlns:a="http://schemas.openxmlformats.org/drawingml/2006/main" xmlns:r="http://schemas.openxmlformats.org/officeDocument/2006/relationships" xmlns:p="http://schemas.openxmlformats.org/presentationml/2006/main">
   <p:cSld>
+    <p:bg>
+      <p:bgPr>
+        <a:solidFill>
+          <a:schemeClr val="bg1">
+            <a:lumMod val="65000"/>
+          </a:schemeClr>
+        </a:solidFill>
+        <a:effectLst/>
+      </p:bgPr>
+    </p:bg>
     <p:spTree>
       <p:nvGrpSpPr>
         <p:cNvPr id="1" name=""/>
@@ -5777,96 +5472,13 @@
       </p:grpSpPr>
       <p:sp>
         <p:nvSpPr>
-          <p:cNvPr id="5" name="제목 4"/>
-          <p:cNvSpPr>
-            <a:spLocks noGrp="1"/>
-          </p:cNvSpPr>
-          <p:nvPr>
-            <p:ph type="title"/>
-          </p:nvPr>
-        </p:nvSpPr>
-        <p:spPr>
-          <a:xfrm>
-            <a:off x="608016" y="551987"/>
-            <a:ext cx="10944225" cy="1140090"/>
-          </a:xfrm>
-        </p:spPr>
-        <p:txBody>
-          <a:bodyPr>
-            <a:normAutofit/>
-          </a:bodyPr>
-          <a:lstStyle/>
-          <a:p>
-            <a:pPr algn="l"/>
-            <a:r>
-              <a:rPr lang="ko-KR" altLang="en-US" sz="4400" dirty="0">
-                <a:solidFill>
-                  <a:schemeClr val="tx1">
-                    <a:lumMod val="75000"/>
-                    <a:lumOff val="25000"/>
-                  </a:schemeClr>
-                </a:solidFill>
-                <a:latin typeface="Noto Sans CJK KR Black" pitchFamily="34" charset="-127"/>
-                <a:ea typeface="Noto Sans CJK KR Black" pitchFamily="34" charset="-127"/>
-              </a:rPr>
-              <a:t>강의순서</a:t>
-            </a:r>
-            <a:r>
-              <a:rPr lang="en-US" altLang="ko-KR" sz="4400" dirty="0">
-                <a:solidFill>
-                  <a:schemeClr val="tx1">
-                    <a:lumMod val="75000"/>
-                    <a:lumOff val="25000"/>
-                  </a:schemeClr>
-                </a:solidFill>
-                <a:latin typeface="Noto Sans CJK KR Black" pitchFamily="34" charset="-127"/>
-                <a:ea typeface="Noto Sans CJK KR Black" pitchFamily="34" charset="-127"/>
-              </a:rPr>
-              <a:t>(Part2: 4</a:t>
-            </a:r>
-            <a:r>
-              <a:rPr lang="ko-KR" altLang="en-US" sz="4400" dirty="0" err="1">
-                <a:solidFill>
-                  <a:schemeClr val="tx1">
-                    <a:lumMod val="75000"/>
-                    <a:lumOff val="25000"/>
-                  </a:schemeClr>
-                </a:solidFill>
-                <a:latin typeface="Noto Sans CJK KR Black" pitchFamily="34" charset="-127"/>
-                <a:ea typeface="Noto Sans CJK KR Black" pitchFamily="34" charset="-127"/>
-              </a:rPr>
-              <a:t>회차</a:t>
-            </a:r>
-            <a:r>
-              <a:rPr lang="en-US" altLang="ko-KR" sz="4400" dirty="0">
-                <a:solidFill>
-                  <a:schemeClr val="tx1">
-                    <a:lumMod val="75000"/>
-                    <a:lumOff val="25000"/>
-                  </a:schemeClr>
-                </a:solidFill>
-                <a:latin typeface="Noto Sans CJK KR Black" pitchFamily="34" charset="-127"/>
-                <a:ea typeface="Noto Sans CJK KR Black" pitchFamily="34" charset="-127"/>
-              </a:rPr>
-              <a:t>)</a:t>
-            </a:r>
-            <a:r>
-              <a:rPr lang="ko-KR" altLang="en-US" sz="4400" dirty="0">
-                <a:solidFill>
-                  <a:schemeClr val="tx1">
-                    <a:lumMod val="75000"/>
-                    <a:lumOff val="25000"/>
-                  </a:schemeClr>
-                </a:solidFill>
-              </a:rPr>
-              <a:t> </a:t>
-            </a:r>
-          </a:p>
-        </p:txBody>
-      </p:sp>
-      <p:sp>
-        <p:nvSpPr>
-          <p:cNvPr id="15" name="슬라이드 번호 개체 틀 14"/>
+          <p:cNvPr id="5" name="슬라이드 번호 개체 틀 3">
+            <a:extLst>
+              <a:ext uri="{FF2B5EF4-FFF2-40B4-BE49-F238E27FC236}">
+                <a16:creationId xmlns:a16="http://schemas.microsoft.com/office/drawing/2014/main" id="{5A11B69C-5E63-40B2-852E-3D7804E113E3}"/>
+              </a:ext>
+            </a:extLst>
+          </p:cNvPr>
           <p:cNvSpPr>
             <a:spLocks noGrp="1"/>
           </p:cNvSpPr>
@@ -5874,7 +5486,12 @@
             <p:ph type="sldNum" sz="quarter" idx="12"/>
           </p:nvPr>
         </p:nvSpPr>
-        <p:spPr/>
+        <p:spPr>
+          <a:xfrm>
+            <a:off x="9160679" y="6372598"/>
+            <a:ext cx="2837392" cy="364195"/>
+          </a:xfrm>
+        </p:spPr>
         <p:txBody>
           <a:bodyPr/>
           <a:lstStyle/>
@@ -5888,40 +5505,161 @@
           </a:p>
         </p:txBody>
       </p:sp>
-      <p:pic>
-        <p:nvPicPr>
-          <p:cNvPr id="3" name="그림 2">
+      <p:sp>
+        <p:nvSpPr>
+          <p:cNvPr id="6" name="TextBox 5">
             <a:extLst>
               <a:ext uri="{FF2B5EF4-FFF2-40B4-BE49-F238E27FC236}">
-                <a16:creationId xmlns:a16="http://schemas.microsoft.com/office/drawing/2014/main" id="{CF5C1197-6925-4CD1-8BF3-9D070F7F6533}"/>
+                <a16:creationId xmlns:a16="http://schemas.microsoft.com/office/drawing/2014/main" id="{667C6E96-1293-4432-8650-651717FD3541}"/>
               </a:ext>
             </a:extLst>
           </p:cNvPr>
-          <p:cNvPicPr>
-            <a:picLocks noChangeAspect="1"/>
-          </p:cNvPicPr>
+          <p:cNvSpPr txBox="1"/>
           <p:nvPr/>
-        </p:nvPicPr>
-        <p:blipFill>
-          <a:blip r:embed="rId2"/>
-          <a:stretch>
-            <a:fillRect/>
-          </a:stretch>
-        </p:blipFill>
-        <p:spPr>
-          <a:xfrm>
-            <a:off x="7200256" y="652793"/>
-            <a:ext cx="4320000" cy="6084000"/>
+        </p:nvSpPr>
+        <p:spPr>
+          <a:xfrm>
+            <a:off x="542135" y="855851"/>
+            <a:ext cx="11298630" cy="2523768"/>
           </a:xfrm>
           <a:prstGeom prst="rect">
             <a:avLst/>
           </a:prstGeom>
-        </p:spPr>
-      </p:pic>
+          <a:noFill/>
+        </p:spPr>
+        <p:txBody>
+          <a:bodyPr wrap="square" lIns="0" tIns="0" rIns="0" bIns="0" rtlCol="0" anchor="t">
+            <a:spAutoFit/>
+          </a:bodyPr>
+          <a:lstStyle/>
+          <a:p>
+            <a:r>
+              <a:rPr lang="en-US" altLang="ko-KR" sz="4400" dirty="0">
+                <a:solidFill>
+                  <a:schemeClr val="bg1"/>
+                </a:solidFill>
+                <a:latin typeface="Noto Sans CJK KR Black" panose="020B0A00000000000000" pitchFamily="34" charset="-127"/>
+                <a:ea typeface="Noto Sans CJK KR Black" panose="020B0A00000000000000" pitchFamily="34" charset="-127"/>
+              </a:rPr>
+              <a:t>4</a:t>
+            </a:r>
+            <a:r>
+              <a:rPr lang="ko-KR" altLang="en-US" sz="4400" dirty="0">
+                <a:solidFill>
+                  <a:schemeClr val="bg1"/>
+                </a:solidFill>
+                <a:latin typeface="Noto Sans CJK KR Black" panose="020B0A00000000000000" pitchFamily="34" charset="-127"/>
+                <a:ea typeface="Noto Sans CJK KR Black" panose="020B0A00000000000000" pitchFamily="34" charset="-127"/>
+              </a:rPr>
+              <a:t>주차 강의의 목적</a:t>
+            </a:r>
+            <a:endParaRPr lang="en-US" altLang="ko-KR" sz="4400" dirty="0">
+              <a:solidFill>
+                <a:schemeClr val="bg1"/>
+              </a:solidFill>
+              <a:latin typeface="Noto Sans CJK KR Black" panose="020B0A00000000000000" pitchFamily="34" charset="-127"/>
+              <a:ea typeface="Noto Sans CJK KR Black" panose="020B0A00000000000000" pitchFamily="34" charset="-127"/>
+            </a:endParaRPr>
+          </a:p>
+          <a:p>
+            <a:endParaRPr lang="en-US" altLang="ko-KR" sz="4400" dirty="0">
+              <a:solidFill>
+                <a:schemeClr val="bg1"/>
+              </a:solidFill>
+              <a:latin typeface="Noto Sans CJK KR Black" panose="020B0A00000000000000" pitchFamily="34" charset="-127"/>
+              <a:ea typeface="Noto Sans CJK KR Black" panose="020B0A00000000000000" pitchFamily="34" charset="-127"/>
+            </a:endParaRPr>
+          </a:p>
+          <a:p>
+            <a:endParaRPr lang="en-US" altLang="ko-KR" sz="4400" dirty="0">
+              <a:solidFill>
+                <a:schemeClr val="bg1"/>
+              </a:solidFill>
+              <a:latin typeface="Noto Sans CJK KR Black" panose="020B0A00000000000000" pitchFamily="34" charset="-127"/>
+              <a:ea typeface="Noto Sans CJK KR Black" panose="020B0A00000000000000" pitchFamily="34" charset="-127"/>
+            </a:endParaRPr>
+          </a:p>
+          <a:p>
+            <a:r>
+              <a:rPr lang="en-US" altLang="ko-KR" sz="3200" dirty="0">
+                <a:solidFill>
+                  <a:schemeClr val="bg1"/>
+                </a:solidFill>
+                <a:latin typeface="Noto Sans CJK KR Black" panose="020B0A00000000000000" pitchFamily="34" charset="-127"/>
+                <a:ea typeface="Noto Sans CJK KR Black" panose="020B0A00000000000000" pitchFamily="34" charset="-127"/>
+              </a:rPr>
+              <a:t>“</a:t>
+            </a:r>
+            <a:r>
+              <a:rPr lang="ko-KR" altLang="en-US" sz="3200" dirty="0">
+                <a:solidFill>
+                  <a:schemeClr val="bg1"/>
+                </a:solidFill>
+                <a:latin typeface="Noto Sans CJK KR Black" panose="020B0A00000000000000" pitchFamily="34" charset="-127"/>
+                <a:ea typeface="Noto Sans CJK KR Black" panose="020B0A00000000000000" pitchFamily="34" charset="-127"/>
+              </a:rPr>
+              <a:t>시계열 분석</a:t>
+            </a:r>
+            <a:r>
+              <a:rPr lang="en-US" altLang="ko-KR" sz="3200" dirty="0">
+                <a:solidFill>
+                  <a:schemeClr val="bg1"/>
+                </a:solidFill>
+                <a:latin typeface="Noto Sans CJK KR Black" panose="020B0A00000000000000" pitchFamily="34" charset="-127"/>
+                <a:ea typeface="Noto Sans CJK KR Black" panose="020B0A00000000000000" pitchFamily="34" charset="-127"/>
+              </a:rPr>
+              <a:t>“</a:t>
+            </a:r>
+          </a:p>
+        </p:txBody>
+      </p:sp>
+      <p:sp>
+        <p:nvSpPr>
+          <p:cNvPr id="7" name="TextBox 6">
+            <a:extLst>
+              <a:ext uri="{FF2B5EF4-FFF2-40B4-BE49-F238E27FC236}">
+                <a16:creationId xmlns:a16="http://schemas.microsoft.com/office/drawing/2014/main" id="{0E6F8794-D07C-4794-BBAE-AAF2CC4D8BA1}"/>
+              </a:ext>
+            </a:extLst>
+          </p:cNvPr>
+          <p:cNvSpPr txBox="1"/>
+          <p:nvPr/>
+        </p:nvSpPr>
+        <p:spPr>
+          <a:xfrm>
+            <a:off x="4783981" y="611957"/>
+            <a:ext cx="7056784" cy="216726"/>
+          </a:xfrm>
+          <a:prstGeom prst="rect">
+            <a:avLst/>
+          </a:prstGeom>
+          <a:noFill/>
+        </p:spPr>
+        <p:txBody>
+          <a:bodyPr wrap="square" lIns="0" tIns="0" rIns="0" bIns="0" rtlCol="0" anchor="t">
+            <a:spAutoFit/>
+          </a:bodyPr>
+          <a:lstStyle/>
+          <a:p>
+            <a:pPr>
+              <a:lnSpc>
+                <a:spcPct val="150000"/>
+              </a:lnSpc>
+            </a:pPr>
+            <a:endParaRPr lang="en-US" altLang="ko-KR" sz="1050" dirty="0">
+              <a:solidFill>
+                <a:schemeClr val="bg1"/>
+              </a:solidFill>
+              <a:latin typeface="Noto Sans CJK KR Medium" panose="020B0600000000000000" pitchFamily="34" charset="-127"/>
+              <a:ea typeface="Noto Sans CJK KR Medium" panose="020B0600000000000000" pitchFamily="34" charset="-127"/>
+            </a:endParaRPr>
+          </a:p>
+        </p:txBody>
+      </p:sp>
     </p:spTree>
     <p:extLst>
       <p:ext uri="{BB962C8B-B14F-4D97-AF65-F5344CB8AC3E}">
-        <p14:creationId xmlns:p14="http://schemas.microsoft.com/office/powerpoint/2010/main" val="2877754834"/>
+        <p14:creationId xmlns:p14="http://schemas.microsoft.com/office/powerpoint/2010/main" val="2597187614"/>
       </p:ext>
     </p:extLst>
   </p:cSld>
@@ -5960,13 +5698,13 @@
         </p:nvSpPr>
         <p:spPr>
           <a:xfrm>
-            <a:off x="608016" y="551987"/>
+            <a:off x="608012" y="539949"/>
             <a:ext cx="10944225" cy="1140090"/>
           </a:xfrm>
         </p:spPr>
         <p:txBody>
           <a:bodyPr>
-            <a:normAutofit/>
+            <a:normAutofit fontScale="90000"/>
           </a:bodyPr>
           <a:lstStyle/>
           <a:p>
@@ -5982,7 +5720,7 @@
                 <a:latin typeface="Noto Sans CJK KR Black" pitchFamily="34" charset="-127"/>
                 <a:ea typeface="Noto Sans CJK KR Black" pitchFamily="34" charset="-127"/>
               </a:rPr>
-              <a:t>5. </a:t>
+              <a:t>4. </a:t>
             </a:r>
             <a:r>
               <a:rPr lang="ko-KR" altLang="en-US" sz="4400" dirty="0">
@@ -5995,7 +5733,32 @@
                 <a:latin typeface="Noto Sans CJK KR Black" pitchFamily="34" charset="-127"/>
                 <a:ea typeface="Noto Sans CJK KR Black" pitchFamily="34" charset="-127"/>
               </a:rPr>
-              <a:t>모델링 방향</a:t>
+              <a:t>시계열 </a:t>
+            </a:r>
+            <a:br>
+              <a:rPr lang="en-US" altLang="ko-KR" sz="4400" dirty="0">
+                <a:solidFill>
+                  <a:schemeClr val="tx1">
+                    <a:lumMod val="75000"/>
+                    <a:lumOff val="25000"/>
+                  </a:schemeClr>
+                </a:solidFill>
+                <a:latin typeface="Noto Sans CJK KR Black" pitchFamily="34" charset="-127"/>
+                <a:ea typeface="Noto Sans CJK KR Black" pitchFamily="34" charset="-127"/>
+              </a:rPr>
+            </a:br>
+            <a:r>
+              <a:rPr lang="ko-KR" altLang="en-US" sz="4400" dirty="0">
+                <a:solidFill>
+                  <a:schemeClr val="tx1">
+                    <a:lumMod val="75000"/>
+                    <a:lumOff val="25000"/>
+                  </a:schemeClr>
+                </a:solidFill>
+                <a:latin typeface="Noto Sans CJK KR Black" pitchFamily="34" charset="-127"/>
+                <a:ea typeface="Noto Sans CJK KR Black" pitchFamily="34" charset="-127"/>
+              </a:rPr>
+              <a:t>분석</a:t>
             </a:r>
             <a:endParaRPr lang="ko-KR" altLang="en-US" sz="4400" dirty="0">
               <a:solidFill>
@@ -6037,7 +5800,7 @@
           <p:cNvPr id="2" name="그림 1">
             <a:extLst>
               <a:ext uri="{FF2B5EF4-FFF2-40B4-BE49-F238E27FC236}">
-                <a16:creationId xmlns:a16="http://schemas.microsoft.com/office/drawing/2014/main" id="{BA66B43F-47C5-41BB-8215-5DDCA37AE8B0}"/>
+                <a16:creationId xmlns:a16="http://schemas.microsoft.com/office/drawing/2014/main" id="{99148C75-91DD-4204-B799-C6B3B44C0440}"/>
               </a:ext>
             </a:extLst>
           </p:cNvPr>
@@ -6054,38 +5817,8 @@
         </p:blipFill>
         <p:spPr>
           <a:xfrm>
-            <a:off x="191715" y="1535020"/>
-            <a:ext cx="6505575" cy="5019675"/>
-          </a:xfrm>
-          <a:prstGeom prst="rect">
-            <a:avLst/>
-          </a:prstGeom>
-        </p:spPr>
-      </p:pic>
-      <p:pic>
-        <p:nvPicPr>
-          <p:cNvPr id="4" name="그림 3">
-            <a:extLst>
-              <a:ext uri="{FF2B5EF4-FFF2-40B4-BE49-F238E27FC236}">
-                <a16:creationId xmlns:a16="http://schemas.microsoft.com/office/drawing/2014/main" id="{1998AAD1-7103-4C83-BD9F-0F0EF736F749}"/>
-              </a:ext>
-            </a:extLst>
-          </p:cNvPr>
-          <p:cNvPicPr>
-            <a:picLocks noChangeAspect="1"/>
-          </p:cNvPicPr>
-          <p:nvPr/>
-        </p:nvPicPr>
-        <p:blipFill>
-          <a:blip r:embed="rId3"/>
-          <a:stretch>
-            <a:fillRect/>
-          </a:stretch>
-        </p:blipFill>
-        <p:spPr>
-          <a:xfrm>
-            <a:off x="6686572" y="2556173"/>
-            <a:ext cx="5343525" cy="2105025"/>
+            <a:off x="3467015" y="0"/>
+            <a:ext cx="8668374" cy="6840538"/>
           </a:xfrm>
           <a:prstGeom prst="rect">
             <a:avLst/>
@@ -6095,7 +5828,7 @@
     </p:spTree>
     <p:extLst>
       <p:ext uri="{BB962C8B-B14F-4D97-AF65-F5344CB8AC3E}">
-        <p14:creationId xmlns:p14="http://schemas.microsoft.com/office/powerpoint/2010/main" val="505519641"/>
+        <p14:creationId xmlns:p14="http://schemas.microsoft.com/office/powerpoint/2010/main" val="3860360619"/>
       </p:ext>
     </p:extLst>
   </p:cSld>
@@ -6134,7 +5867,7 @@
         </p:nvSpPr>
         <p:spPr>
           <a:xfrm>
-            <a:off x="608016" y="551987"/>
+            <a:off x="608012" y="539949"/>
             <a:ext cx="10944225" cy="1140090"/>
           </a:xfrm>
         </p:spPr>
@@ -6156,7 +5889,7 @@
                 <a:latin typeface="Noto Sans CJK KR Black" pitchFamily="34" charset="-127"/>
                 <a:ea typeface="Noto Sans CJK KR Black" pitchFamily="34" charset="-127"/>
               </a:rPr>
-              <a:t>5. </a:t>
+              <a:t>4. </a:t>
             </a:r>
             <a:r>
               <a:rPr lang="ko-KR" altLang="en-US" sz="4400" dirty="0">
@@ -6169,7 +5902,7 @@
                 <a:latin typeface="Noto Sans CJK KR Black" pitchFamily="34" charset="-127"/>
                 <a:ea typeface="Noto Sans CJK KR Black" pitchFamily="34" charset="-127"/>
               </a:rPr>
-              <a:t>모델링 방향</a:t>
+              <a:t>시계열 분석</a:t>
             </a:r>
             <a:endParaRPr lang="ko-KR" altLang="en-US" sz="4400" dirty="0">
               <a:solidFill>
@@ -6211,7 +5944,7 @@
           <p:cNvPr id="2" name="그림 1">
             <a:extLst>
               <a:ext uri="{FF2B5EF4-FFF2-40B4-BE49-F238E27FC236}">
-                <a16:creationId xmlns:a16="http://schemas.microsoft.com/office/drawing/2014/main" id="{744CDB84-15B7-49B3-8775-D58BD65C0E4C}"/>
+                <a16:creationId xmlns:a16="http://schemas.microsoft.com/office/drawing/2014/main" id="{34A5DA4E-871E-41B3-A8CE-A7AA6FD352AB}"/>
               </a:ext>
             </a:extLst>
           </p:cNvPr>
@@ -6228,8 +5961,8 @@
         </p:blipFill>
         <p:spPr>
           <a:xfrm>
-            <a:off x="1941319" y="1908101"/>
-            <a:ext cx="8277611" cy="4380450"/>
+            <a:off x="4927997" y="0"/>
+            <a:ext cx="6427351" cy="6840538"/>
           </a:xfrm>
           <a:prstGeom prst="rect">
             <a:avLst/>
@@ -6239,7 +5972,7 @@
     </p:spTree>
     <p:extLst>
       <p:ext uri="{BB962C8B-B14F-4D97-AF65-F5344CB8AC3E}">
-        <p14:creationId xmlns:p14="http://schemas.microsoft.com/office/powerpoint/2010/main" val="3380370254"/>
+        <p14:creationId xmlns:p14="http://schemas.microsoft.com/office/powerpoint/2010/main" val="3432158559"/>
       </p:ext>
     </p:extLst>
   </p:cSld>
@@ -6278,7 +6011,7 @@
         </p:nvSpPr>
         <p:spPr>
           <a:xfrm>
-            <a:off x="608016" y="551987"/>
+            <a:off x="608012" y="539949"/>
             <a:ext cx="10944225" cy="1140090"/>
           </a:xfrm>
         </p:spPr>
@@ -6300,7 +6033,7 @@
                 <a:latin typeface="Noto Sans CJK KR Black" pitchFamily="34" charset="-127"/>
                 <a:ea typeface="Noto Sans CJK KR Black" pitchFamily="34" charset="-127"/>
               </a:rPr>
-              <a:t>5. </a:t>
+              <a:t>4. </a:t>
             </a:r>
             <a:r>
               <a:rPr lang="ko-KR" altLang="en-US" sz="4400" dirty="0">
@@ -6313,7 +6046,7 @@
                 <a:latin typeface="Noto Sans CJK KR Black" pitchFamily="34" charset="-127"/>
                 <a:ea typeface="Noto Sans CJK KR Black" pitchFamily="34" charset="-127"/>
               </a:rPr>
-              <a:t>모델링 방향</a:t>
+              <a:t>시계열 분석</a:t>
             </a:r>
             <a:endParaRPr lang="ko-KR" altLang="en-US" sz="4400" dirty="0">
               <a:solidFill>
@@ -6355,7 +6088,7 @@
           <p:cNvPr id="2" name="그림 1">
             <a:extLst>
               <a:ext uri="{FF2B5EF4-FFF2-40B4-BE49-F238E27FC236}">
-                <a16:creationId xmlns:a16="http://schemas.microsoft.com/office/drawing/2014/main" id="{4BFDC321-EAB2-4930-80F9-4DAB77509BF3}"/>
+                <a16:creationId xmlns:a16="http://schemas.microsoft.com/office/drawing/2014/main" id="{703430C8-967B-4E2A-9241-DAA01E782D3C}"/>
               </a:ext>
             </a:extLst>
           </p:cNvPr>
@@ -6372,8 +6105,8 @@
         </p:blipFill>
         <p:spPr>
           <a:xfrm>
-            <a:off x="1514062" y="1958327"/>
-            <a:ext cx="9132126" cy="4214019"/>
+            <a:off x="5072013" y="0"/>
+            <a:ext cx="5924875" cy="6840538"/>
           </a:xfrm>
           <a:prstGeom prst="rect">
             <a:avLst/>
@@ -6383,7 +6116,7 @@
     </p:spTree>
     <p:extLst>
       <p:ext uri="{BB962C8B-B14F-4D97-AF65-F5344CB8AC3E}">
-        <p14:creationId xmlns:p14="http://schemas.microsoft.com/office/powerpoint/2010/main" val="1217955557"/>
+        <p14:creationId xmlns:p14="http://schemas.microsoft.com/office/powerpoint/2010/main" val="1646313147"/>
       </p:ext>
     </p:extLst>
   </p:cSld>
@@ -6422,7 +6155,7 @@
         </p:nvSpPr>
         <p:spPr>
           <a:xfrm>
-            <a:off x="608016" y="551987"/>
+            <a:off x="608012" y="539949"/>
             <a:ext cx="10944225" cy="1140090"/>
           </a:xfrm>
         </p:spPr>
@@ -6444,7 +6177,7 @@
                 <a:latin typeface="Noto Sans CJK KR Black" pitchFamily="34" charset="-127"/>
                 <a:ea typeface="Noto Sans CJK KR Black" pitchFamily="34" charset="-127"/>
               </a:rPr>
-              <a:t>6. </a:t>
+              <a:t>4. </a:t>
             </a:r>
             <a:r>
               <a:rPr lang="ko-KR" altLang="en-US" sz="4400" dirty="0">
@@ -6457,7 +6190,7 @@
                 <a:latin typeface="Noto Sans CJK KR Black" pitchFamily="34" charset="-127"/>
                 <a:ea typeface="Noto Sans CJK KR Black" pitchFamily="34" charset="-127"/>
               </a:rPr>
-              <a:t>검증지표 방향</a:t>
+              <a:t>시계열 분석</a:t>
             </a:r>
             <a:endParaRPr lang="ko-KR" altLang="en-US" sz="4400" dirty="0">
               <a:solidFill>
@@ -6499,7 +6232,7 @@
           <p:cNvPr id="2" name="그림 1">
             <a:extLst>
               <a:ext uri="{FF2B5EF4-FFF2-40B4-BE49-F238E27FC236}">
-                <a16:creationId xmlns:a16="http://schemas.microsoft.com/office/drawing/2014/main" id="{E63C4440-C380-4F0B-B594-1FCF34E56F5A}"/>
+                <a16:creationId xmlns:a16="http://schemas.microsoft.com/office/drawing/2014/main" id="{DE96D5FE-D89A-4012-B71A-8B51385FA252}"/>
               </a:ext>
             </a:extLst>
           </p:cNvPr>
@@ -6516,8 +6249,8 @@
         </p:blipFill>
         <p:spPr>
           <a:xfrm>
-            <a:off x="1360487" y="1636893"/>
-            <a:ext cx="9439275" cy="4772025"/>
+            <a:off x="1817686" y="1753272"/>
+            <a:ext cx="8524875" cy="4572000"/>
           </a:xfrm>
           <a:prstGeom prst="rect">
             <a:avLst/>
@@ -6527,7 +6260,7 @@
     </p:spTree>
     <p:extLst>
       <p:ext uri="{BB962C8B-B14F-4D97-AF65-F5344CB8AC3E}">
-        <p14:creationId xmlns:p14="http://schemas.microsoft.com/office/powerpoint/2010/main" val="3848065617"/>
+        <p14:creationId xmlns:p14="http://schemas.microsoft.com/office/powerpoint/2010/main" val="2225332343"/>
       </p:ext>
     </p:extLst>
   </p:cSld>
@@ -6566,13 +6299,13 @@
         </p:nvSpPr>
         <p:spPr>
           <a:xfrm>
-            <a:off x="608016" y="551987"/>
+            <a:off x="608012" y="539949"/>
             <a:ext cx="10944225" cy="1140090"/>
           </a:xfrm>
         </p:spPr>
         <p:txBody>
           <a:bodyPr>
-            <a:normAutofit/>
+            <a:normAutofit fontScale="90000"/>
           </a:bodyPr>
           <a:lstStyle/>
           <a:p>
@@ -6588,7 +6321,7 @@
                 <a:latin typeface="Noto Sans CJK KR Black" pitchFamily="34" charset="-127"/>
                 <a:ea typeface="Noto Sans CJK KR Black" pitchFamily="34" charset="-127"/>
               </a:rPr>
-              <a:t>6. </a:t>
+              <a:t>4. </a:t>
             </a:r>
             <a:r>
               <a:rPr lang="ko-KR" altLang="en-US" sz="4400" dirty="0">
@@ -6601,7 +6334,32 @@
                 <a:latin typeface="Noto Sans CJK KR Black" pitchFamily="34" charset="-127"/>
                 <a:ea typeface="Noto Sans CJK KR Black" pitchFamily="34" charset="-127"/>
               </a:rPr>
-              <a:t>검증지표 방향</a:t>
+              <a:t>시계열 </a:t>
+            </a:r>
+            <a:br>
+              <a:rPr lang="en-US" altLang="ko-KR" sz="4400" dirty="0">
+                <a:solidFill>
+                  <a:schemeClr val="tx1">
+                    <a:lumMod val="75000"/>
+                    <a:lumOff val="25000"/>
+                  </a:schemeClr>
+                </a:solidFill>
+                <a:latin typeface="Noto Sans CJK KR Black" pitchFamily="34" charset="-127"/>
+                <a:ea typeface="Noto Sans CJK KR Black" pitchFamily="34" charset="-127"/>
+              </a:rPr>
+            </a:br>
+            <a:r>
+              <a:rPr lang="ko-KR" altLang="en-US" sz="4400" dirty="0">
+                <a:solidFill>
+                  <a:schemeClr val="tx1">
+                    <a:lumMod val="75000"/>
+                    <a:lumOff val="25000"/>
+                  </a:schemeClr>
+                </a:solidFill>
+                <a:latin typeface="Noto Sans CJK KR Black" pitchFamily="34" charset="-127"/>
+                <a:ea typeface="Noto Sans CJK KR Black" pitchFamily="34" charset="-127"/>
+              </a:rPr>
+              <a:t>분석</a:t>
             </a:r>
             <a:endParaRPr lang="ko-KR" altLang="en-US" sz="4400" dirty="0">
               <a:solidFill>
@@ -6643,7 +6401,7 @@
           <p:cNvPr id="2" name="그림 1">
             <a:extLst>
               <a:ext uri="{FF2B5EF4-FFF2-40B4-BE49-F238E27FC236}">
-                <a16:creationId xmlns:a16="http://schemas.microsoft.com/office/drawing/2014/main" id="{47EE2FF6-38F2-4CEE-A7B4-633122B4895E}"/>
+                <a16:creationId xmlns:a16="http://schemas.microsoft.com/office/drawing/2014/main" id="{592D9755-3563-4B86-870B-CA13D10DC684}"/>
               </a:ext>
             </a:extLst>
           </p:cNvPr>
@@ -6660,8 +6418,8 @@
         </p:blipFill>
         <p:spPr>
           <a:xfrm>
-            <a:off x="2503487" y="1563482"/>
-            <a:ext cx="7153275" cy="5019675"/>
+            <a:off x="3538786" y="704725"/>
+            <a:ext cx="8486775" cy="5676900"/>
           </a:xfrm>
           <a:prstGeom prst="rect">
             <a:avLst/>
@@ -6671,7 +6429,7 @@
     </p:spTree>
     <p:extLst>
       <p:ext uri="{BB962C8B-B14F-4D97-AF65-F5344CB8AC3E}">
-        <p14:creationId xmlns:p14="http://schemas.microsoft.com/office/powerpoint/2010/main" val="2458485132"/>
+        <p14:creationId xmlns:p14="http://schemas.microsoft.com/office/powerpoint/2010/main" val="1082176943"/>
       </p:ext>
     </p:extLst>
   </p:cSld>
@@ -6710,13 +6468,13 @@
         </p:nvSpPr>
         <p:spPr>
           <a:xfrm>
-            <a:off x="608016" y="551987"/>
+            <a:off x="608012" y="539949"/>
             <a:ext cx="10944225" cy="1140090"/>
           </a:xfrm>
         </p:spPr>
         <p:txBody>
           <a:bodyPr>
-            <a:normAutofit fontScale="90000"/>
+            <a:normAutofit/>
           </a:bodyPr>
           <a:lstStyle/>
           <a:p>
@@ -6732,7 +6490,7 @@
                 <a:latin typeface="Noto Sans CJK KR Black" pitchFamily="34" charset="-127"/>
                 <a:ea typeface="Noto Sans CJK KR Black" pitchFamily="34" charset="-127"/>
               </a:rPr>
-              <a:t>6. </a:t>
+              <a:t>4. </a:t>
             </a:r>
             <a:r>
               <a:rPr lang="ko-KR" altLang="en-US" sz="4400" dirty="0">
@@ -6745,32 +6503,7 @@
                 <a:latin typeface="Noto Sans CJK KR Black" pitchFamily="34" charset="-127"/>
                 <a:ea typeface="Noto Sans CJK KR Black" pitchFamily="34" charset="-127"/>
               </a:rPr>
-              <a:t>검증지표 </a:t>
-            </a:r>
-            <a:br>
-              <a:rPr lang="en-US" altLang="ko-KR" sz="4400" dirty="0">
-                <a:solidFill>
-                  <a:schemeClr val="tx1">
-                    <a:lumMod val="75000"/>
-                    <a:lumOff val="25000"/>
-                  </a:schemeClr>
-                </a:solidFill>
-                <a:latin typeface="Noto Sans CJK KR Black" pitchFamily="34" charset="-127"/>
-                <a:ea typeface="Noto Sans CJK KR Black" pitchFamily="34" charset="-127"/>
-              </a:rPr>
-            </a:br>
-            <a:r>
-              <a:rPr lang="ko-KR" altLang="en-US" sz="4400" dirty="0">
-                <a:solidFill>
-                  <a:schemeClr val="tx1">
-                    <a:lumMod val="75000"/>
-                    <a:lumOff val="25000"/>
-                  </a:schemeClr>
-                </a:solidFill>
-                <a:latin typeface="Noto Sans CJK KR Black" pitchFamily="34" charset="-127"/>
-                <a:ea typeface="Noto Sans CJK KR Black" pitchFamily="34" charset="-127"/>
-              </a:rPr>
-              <a:t>방향</a:t>
+              <a:t>시계열 분석</a:t>
             </a:r>
             <a:endParaRPr lang="ko-KR" altLang="en-US" sz="4400" dirty="0">
               <a:solidFill>
@@ -6812,7 +6545,7 @@
           <p:cNvPr id="2" name="그림 1">
             <a:extLst>
               <a:ext uri="{FF2B5EF4-FFF2-40B4-BE49-F238E27FC236}">
-                <a16:creationId xmlns:a16="http://schemas.microsoft.com/office/drawing/2014/main" id="{BBDC7C7D-94B4-4B99-8535-FC98DD16A0DC}"/>
+                <a16:creationId xmlns:a16="http://schemas.microsoft.com/office/drawing/2014/main" id="{A5008AAA-5EBD-4504-8D17-C138357F8A3A}"/>
               </a:ext>
             </a:extLst>
           </p:cNvPr>
@@ -6829,8 +6562,8 @@
         </p:blipFill>
         <p:spPr>
           <a:xfrm>
-            <a:off x="4320921" y="38894"/>
-            <a:ext cx="7677150" cy="6762750"/>
+            <a:off x="1731961" y="1904687"/>
+            <a:ext cx="8696325" cy="4248150"/>
           </a:xfrm>
           <a:prstGeom prst="rect">
             <a:avLst/>
@@ -6840,7 +6573,7 @@
     </p:spTree>
     <p:extLst>
       <p:ext uri="{BB962C8B-B14F-4D97-AF65-F5344CB8AC3E}">
-        <p14:creationId xmlns:p14="http://schemas.microsoft.com/office/powerpoint/2010/main" val="713768955"/>
+        <p14:creationId xmlns:p14="http://schemas.microsoft.com/office/powerpoint/2010/main" val="524247596"/>
       </p:ext>
     </p:extLst>
   </p:cSld>
@@ -6879,7 +6612,7 @@
         </p:nvSpPr>
         <p:spPr>
           <a:xfrm>
-            <a:off x="608016" y="551987"/>
+            <a:off x="608012" y="539949"/>
             <a:ext cx="10944225" cy="1140090"/>
           </a:xfrm>
         </p:spPr>
@@ -6901,7 +6634,7 @@
                 <a:latin typeface="Noto Sans CJK KR Black" pitchFamily="34" charset="-127"/>
                 <a:ea typeface="Noto Sans CJK KR Black" pitchFamily="34" charset="-127"/>
               </a:rPr>
-              <a:t>6. </a:t>
+              <a:t>4. </a:t>
             </a:r>
             <a:r>
               <a:rPr lang="ko-KR" altLang="en-US" sz="4400" dirty="0">
@@ -6914,7 +6647,7 @@
                 <a:latin typeface="Noto Sans CJK KR Black" pitchFamily="34" charset="-127"/>
                 <a:ea typeface="Noto Sans CJK KR Black" pitchFamily="34" charset="-127"/>
               </a:rPr>
-              <a:t>검증지표 방향</a:t>
+              <a:t>시계열 분석</a:t>
             </a:r>
             <a:endParaRPr lang="ko-KR" altLang="en-US" sz="4400" dirty="0">
               <a:solidFill>
@@ -6956,7 +6689,7 @@
           <p:cNvPr id="2" name="그림 1">
             <a:extLst>
               <a:ext uri="{FF2B5EF4-FFF2-40B4-BE49-F238E27FC236}">
-                <a16:creationId xmlns:a16="http://schemas.microsoft.com/office/drawing/2014/main" id="{7C82A643-FBB5-4C4C-A9DE-60723D1FBECB}"/>
+                <a16:creationId xmlns:a16="http://schemas.microsoft.com/office/drawing/2014/main" id="{C49590FC-E2D9-40E3-9ED6-40FF5E6FC127}"/>
               </a:ext>
             </a:extLst>
           </p:cNvPr>
@@ -6973,8 +6706,8 @@
         </p:blipFill>
         <p:spPr>
           <a:xfrm>
-            <a:off x="2484437" y="1950741"/>
-            <a:ext cx="7191375" cy="4400550"/>
+            <a:off x="5216029" y="0"/>
+            <a:ext cx="5458783" cy="6840538"/>
           </a:xfrm>
           <a:prstGeom prst="rect">
             <a:avLst/>
@@ -6984,7 +6717,7 @@
     </p:spTree>
     <p:extLst>
       <p:ext uri="{BB962C8B-B14F-4D97-AF65-F5344CB8AC3E}">
-        <p14:creationId xmlns:p14="http://schemas.microsoft.com/office/powerpoint/2010/main" val="3452796597"/>
+        <p14:creationId xmlns:p14="http://schemas.microsoft.com/office/powerpoint/2010/main" val="618029285"/>
       </p:ext>
     </p:extLst>
   </p:cSld>
@@ -7023,7 +6756,7 @@
         </p:nvSpPr>
         <p:spPr>
           <a:xfrm>
-            <a:off x="608016" y="551987"/>
+            <a:off x="608012" y="539949"/>
             <a:ext cx="10944225" cy="1140090"/>
           </a:xfrm>
         </p:spPr>
@@ -7045,7 +6778,7 @@
                 <a:latin typeface="Noto Sans CJK KR Black" pitchFamily="34" charset="-127"/>
                 <a:ea typeface="Noto Sans CJK KR Black" pitchFamily="34" charset="-127"/>
               </a:rPr>
-              <a:t>6. </a:t>
+              <a:t>4. </a:t>
             </a:r>
             <a:r>
               <a:rPr lang="ko-KR" altLang="en-US" sz="4400" dirty="0">
@@ -7058,7 +6791,7 @@
                 <a:latin typeface="Noto Sans CJK KR Black" pitchFamily="34" charset="-127"/>
                 <a:ea typeface="Noto Sans CJK KR Black" pitchFamily="34" charset="-127"/>
               </a:rPr>
-              <a:t>검증지표 방향</a:t>
+              <a:t>시계열 분석</a:t>
             </a:r>
             <a:endParaRPr lang="ko-KR" altLang="en-US" sz="4400" dirty="0">
               <a:solidFill>
@@ -7100,7 +6833,7 @@
           <p:cNvPr id="2" name="그림 1">
             <a:extLst>
               <a:ext uri="{FF2B5EF4-FFF2-40B4-BE49-F238E27FC236}">
-                <a16:creationId xmlns:a16="http://schemas.microsoft.com/office/drawing/2014/main" id="{B112E827-B3F4-4D2B-8C9D-A7F25631EE60}"/>
+                <a16:creationId xmlns:a16="http://schemas.microsoft.com/office/drawing/2014/main" id="{F9028142-1B0E-4DC6-8232-0065C85BD4AD}"/>
               </a:ext>
             </a:extLst>
           </p:cNvPr>
@@ -7117,38 +6850,8 @@
         </p:blipFill>
         <p:spPr>
           <a:xfrm>
-            <a:off x="3075" y="1536143"/>
-            <a:ext cx="4905375" cy="5200650"/>
-          </a:xfrm>
-          <a:prstGeom prst="rect">
-            <a:avLst/>
-          </a:prstGeom>
-        </p:spPr>
-      </p:pic>
-      <p:pic>
-        <p:nvPicPr>
-          <p:cNvPr id="4" name="그림 3">
-            <a:extLst>
-              <a:ext uri="{FF2B5EF4-FFF2-40B4-BE49-F238E27FC236}">
-                <a16:creationId xmlns:a16="http://schemas.microsoft.com/office/drawing/2014/main" id="{7A2CCE8E-C2D5-42D0-87D9-8560FE5B52D7}"/>
-              </a:ext>
-            </a:extLst>
-          </p:cNvPr>
-          <p:cNvPicPr>
-            <a:picLocks noChangeAspect="1"/>
-          </p:cNvPicPr>
-          <p:nvPr/>
-        </p:nvPicPr>
-        <p:blipFill>
-          <a:blip r:embed="rId3"/>
-          <a:stretch>
-            <a:fillRect/>
-          </a:stretch>
-        </p:blipFill>
-        <p:spPr>
-          <a:xfrm>
-            <a:off x="4881197" y="1836093"/>
-            <a:ext cx="7259747" cy="4201072"/>
+            <a:off x="4927997" y="0"/>
+            <a:ext cx="6359342" cy="6840538"/>
           </a:xfrm>
           <a:prstGeom prst="rect">
             <a:avLst/>
@@ -7158,7 +6861,7 @@
     </p:spTree>
     <p:extLst>
       <p:ext uri="{BB962C8B-B14F-4D97-AF65-F5344CB8AC3E}">
-        <p14:creationId xmlns:p14="http://schemas.microsoft.com/office/powerpoint/2010/main" val="2956615766"/>
+        <p14:creationId xmlns:p14="http://schemas.microsoft.com/office/powerpoint/2010/main" val="905539885"/>
       </p:ext>
     </p:extLst>
   </p:cSld>
@@ -7197,13 +6900,13 @@
         </p:nvSpPr>
         <p:spPr>
           <a:xfrm>
-            <a:off x="608016" y="551987"/>
+            <a:off x="608012" y="539949"/>
             <a:ext cx="10944225" cy="1140090"/>
           </a:xfrm>
         </p:spPr>
         <p:txBody>
           <a:bodyPr>
-            <a:normAutofit/>
+            <a:normAutofit fontScale="90000"/>
           </a:bodyPr>
           <a:lstStyle/>
           <a:p>
@@ -7219,10 +6922,10 @@
                 <a:latin typeface="Noto Sans CJK KR Black" pitchFamily="34" charset="-127"/>
                 <a:ea typeface="Noto Sans CJK KR Black" pitchFamily="34" charset="-127"/>
               </a:rPr>
-              <a:t>7. </a:t>
-            </a:r>
-            <a:r>
-              <a:rPr lang="ko-KR" altLang="en-US" sz="4400" dirty="0" err="1">
+              <a:t>4. </a:t>
+            </a:r>
+            <a:r>
+              <a:rPr lang="ko-KR" altLang="en-US" sz="4400" dirty="0">
                 <a:solidFill>
                   <a:schemeClr val="tx1">
                     <a:lumMod val="75000"/>
@@ -7232,10 +6935,10 @@
                 <a:latin typeface="Noto Sans CJK KR Black" pitchFamily="34" charset="-127"/>
                 <a:ea typeface="Noto Sans CJK KR Black" pitchFamily="34" charset="-127"/>
               </a:rPr>
-              <a:t>잔차진단</a:t>
-            </a:r>
-            <a:r>
-              <a:rPr lang="ko-KR" altLang="en-US" sz="4400" dirty="0">
+              <a:t>시계열 </a:t>
+            </a:r>
+            <a:br>
+              <a:rPr lang="en-US" altLang="ko-KR" sz="4400" dirty="0">
                 <a:solidFill>
                   <a:schemeClr val="tx1">
                     <a:lumMod val="75000"/>
@@ -7245,7 +6948,19 @@
                 <a:latin typeface="Noto Sans CJK KR Black" pitchFamily="34" charset="-127"/>
                 <a:ea typeface="Noto Sans CJK KR Black" pitchFamily="34" charset="-127"/>
               </a:rPr>
-              <a:t> 방향</a:t>
+            </a:br>
+            <a:r>
+              <a:rPr lang="ko-KR" altLang="en-US" sz="4400" dirty="0">
+                <a:solidFill>
+                  <a:schemeClr val="tx1">
+                    <a:lumMod val="75000"/>
+                    <a:lumOff val="25000"/>
+                  </a:schemeClr>
+                </a:solidFill>
+                <a:latin typeface="Noto Sans CJK KR Black" pitchFamily="34" charset="-127"/>
+                <a:ea typeface="Noto Sans CJK KR Black" pitchFamily="34" charset="-127"/>
+              </a:rPr>
+              <a:t>분석</a:t>
             </a:r>
             <a:endParaRPr lang="ko-KR" altLang="en-US" sz="4400" dirty="0">
               <a:solidFill>
@@ -7287,7 +7002,7 @@
           <p:cNvPr id="2" name="그림 1">
             <a:extLst>
               <a:ext uri="{FF2B5EF4-FFF2-40B4-BE49-F238E27FC236}">
-                <a16:creationId xmlns:a16="http://schemas.microsoft.com/office/drawing/2014/main" id="{FC44336D-B94A-42FE-A868-3B864A98F8F4}"/>
+                <a16:creationId xmlns:a16="http://schemas.microsoft.com/office/drawing/2014/main" id="{DF6B14B4-3D9C-4DD2-8583-73A28E40ED88}"/>
               </a:ext>
             </a:extLst>
           </p:cNvPr>
@@ -7304,8 +7019,8 @@
         </p:blipFill>
         <p:spPr>
           <a:xfrm>
-            <a:off x="1912937" y="1503450"/>
-            <a:ext cx="8334375" cy="5057775"/>
+            <a:off x="3559845" y="202369"/>
+            <a:ext cx="8153400" cy="6343650"/>
           </a:xfrm>
           <a:prstGeom prst="rect">
             <a:avLst/>
@@ -7315,7 +7030,7 @@
     </p:spTree>
     <p:extLst>
       <p:ext uri="{BB962C8B-B14F-4D97-AF65-F5344CB8AC3E}">
-        <p14:creationId xmlns:p14="http://schemas.microsoft.com/office/powerpoint/2010/main" val="1375735512"/>
+        <p14:creationId xmlns:p14="http://schemas.microsoft.com/office/powerpoint/2010/main" val="1756153243"/>
       </p:ext>
     </p:extLst>
   </p:cSld>
@@ -7354,13 +7069,13 @@
         </p:nvSpPr>
         <p:spPr>
           <a:xfrm>
-            <a:off x="608016" y="551987"/>
+            <a:off x="608012" y="539949"/>
             <a:ext cx="10944225" cy="1140090"/>
           </a:xfrm>
         </p:spPr>
         <p:txBody>
           <a:bodyPr>
-            <a:normAutofit/>
+            <a:normAutofit fontScale="90000"/>
           </a:bodyPr>
           <a:lstStyle/>
           <a:p>
@@ -7376,10 +7091,10 @@
                 <a:latin typeface="Noto Sans CJK KR Black" pitchFamily="34" charset="-127"/>
                 <a:ea typeface="Noto Sans CJK KR Black" pitchFamily="34" charset="-127"/>
               </a:rPr>
-              <a:t>7. </a:t>
-            </a:r>
-            <a:r>
-              <a:rPr lang="ko-KR" altLang="en-US" sz="4400" dirty="0" err="1">
+              <a:t>4. </a:t>
+            </a:r>
+            <a:r>
+              <a:rPr lang="ko-KR" altLang="en-US" sz="4400" dirty="0">
                 <a:solidFill>
                   <a:schemeClr val="tx1">
                     <a:lumMod val="75000"/>
@@ -7389,10 +7104,10 @@
                 <a:latin typeface="Noto Sans CJK KR Black" pitchFamily="34" charset="-127"/>
                 <a:ea typeface="Noto Sans CJK KR Black" pitchFamily="34" charset="-127"/>
               </a:rPr>
-              <a:t>잔차진단</a:t>
-            </a:r>
-            <a:r>
-              <a:rPr lang="ko-KR" altLang="en-US" sz="4400" dirty="0">
+              <a:t>시계열 </a:t>
+            </a:r>
+            <a:br>
+              <a:rPr lang="en-US" altLang="ko-KR" sz="4400" dirty="0">
                 <a:solidFill>
                   <a:schemeClr val="tx1">
                     <a:lumMod val="75000"/>
@@ -7402,7 +7117,19 @@
                 <a:latin typeface="Noto Sans CJK KR Black" pitchFamily="34" charset="-127"/>
                 <a:ea typeface="Noto Sans CJK KR Black" pitchFamily="34" charset="-127"/>
               </a:rPr>
-              <a:t> 방향</a:t>
+            </a:br>
+            <a:r>
+              <a:rPr lang="ko-KR" altLang="en-US" sz="4400" dirty="0">
+                <a:solidFill>
+                  <a:schemeClr val="tx1">
+                    <a:lumMod val="75000"/>
+                    <a:lumOff val="25000"/>
+                  </a:schemeClr>
+                </a:solidFill>
+                <a:latin typeface="Noto Sans CJK KR Black" pitchFamily="34" charset="-127"/>
+                <a:ea typeface="Noto Sans CJK KR Black" pitchFamily="34" charset="-127"/>
+              </a:rPr>
+              <a:t>분석</a:t>
             </a:r>
             <a:endParaRPr lang="ko-KR" altLang="en-US" sz="4400" dirty="0">
               <a:solidFill>
@@ -7441,10 +7168,10 @@
       </p:sp>
       <p:pic>
         <p:nvPicPr>
-          <p:cNvPr id="4" name="그림 3">
+          <p:cNvPr id="2" name="그림 1">
             <a:extLst>
               <a:ext uri="{FF2B5EF4-FFF2-40B4-BE49-F238E27FC236}">
-                <a16:creationId xmlns:a16="http://schemas.microsoft.com/office/drawing/2014/main" id="{AB89FBB5-0CB1-4AB2-853B-323CA3B697B3}"/>
+                <a16:creationId xmlns:a16="http://schemas.microsoft.com/office/drawing/2014/main" id="{F4E0BA18-ABD7-46AD-A150-7E8A383C2F70}"/>
               </a:ext>
             </a:extLst>
           </p:cNvPr>
@@ -7461,8 +7188,8 @@
         </p:blipFill>
         <p:spPr>
           <a:xfrm>
-            <a:off x="2108200" y="1504363"/>
-            <a:ext cx="7943850" cy="5324475"/>
+            <a:off x="3073400" y="460402"/>
+            <a:ext cx="9086850" cy="5934075"/>
           </a:xfrm>
           <a:prstGeom prst="rect">
             <a:avLst/>
@@ -7472,7 +7199,7 @@
     </p:spTree>
     <p:extLst>
       <p:ext uri="{BB962C8B-B14F-4D97-AF65-F5344CB8AC3E}">
-        <p14:creationId xmlns:p14="http://schemas.microsoft.com/office/powerpoint/2010/main" val="3219041799"/>
+        <p14:creationId xmlns:p14="http://schemas.microsoft.com/office/powerpoint/2010/main" val="130721266"/>
       </p:ext>
     </p:extLst>
   </p:cSld>
@@ -7485,16 +7212,6 @@
 <file path=ppt/slides/slide3.xml><?xml version="1.0" encoding="utf-8"?>
 <p:sld xmlns:a="http://schemas.openxmlformats.org/drawingml/2006/main" xmlns:r="http://schemas.openxmlformats.org/officeDocument/2006/relationships" xmlns:p="http://schemas.openxmlformats.org/presentationml/2006/main">
   <p:cSld>
-    <p:bg>
-      <p:bgPr>
-        <a:solidFill>
-          <a:schemeClr val="bg1">
-            <a:lumMod val="65000"/>
-          </a:schemeClr>
-        </a:solidFill>
-        <a:effectLst/>
-      </p:bgPr>
-    </p:bg>
     <p:spTree>
       <p:nvGrpSpPr>
         <p:cNvPr id="1" name=""/>
@@ -7511,7 +7228,92 @@
       </p:grpSpPr>
       <p:sp>
         <p:nvSpPr>
-          <p:cNvPr id="4" name="슬라이드 번호 개체 틀 3"/>
+          <p:cNvPr id="5" name="제목 4"/>
+          <p:cNvSpPr>
+            <a:spLocks noGrp="1"/>
+          </p:cNvSpPr>
+          <p:nvPr>
+            <p:ph type="title"/>
+          </p:nvPr>
+        </p:nvSpPr>
+        <p:spPr>
+          <a:xfrm>
+            <a:off x="608012" y="539949"/>
+            <a:ext cx="10944225" cy="1140090"/>
+          </a:xfrm>
+        </p:spPr>
+        <p:txBody>
+          <a:bodyPr>
+            <a:normAutofit fontScale="90000"/>
+          </a:bodyPr>
+          <a:lstStyle/>
+          <a:p>
+            <a:pPr algn="l"/>
+            <a:r>
+              <a:rPr lang="en-US" altLang="ko-KR" sz="4400" dirty="0">
+                <a:solidFill>
+                  <a:schemeClr val="tx1">
+                    <a:lumMod val="75000"/>
+                    <a:lumOff val="25000"/>
+                  </a:schemeClr>
+                </a:solidFill>
+                <a:latin typeface="Noto Sans CJK KR Black" pitchFamily="34" charset="-127"/>
+                <a:ea typeface="Noto Sans CJK KR Black" pitchFamily="34" charset="-127"/>
+              </a:rPr>
+              <a:t>4. </a:t>
+            </a:r>
+            <a:r>
+              <a:rPr lang="ko-KR" altLang="en-US" sz="4400" dirty="0">
+                <a:solidFill>
+                  <a:schemeClr val="tx1">
+                    <a:lumMod val="75000"/>
+                    <a:lumOff val="25000"/>
+                  </a:schemeClr>
+                </a:solidFill>
+                <a:latin typeface="Noto Sans CJK KR Black" pitchFamily="34" charset="-127"/>
+                <a:ea typeface="Noto Sans CJK KR Black" pitchFamily="34" charset="-127"/>
+              </a:rPr>
+              <a:t>시계열 </a:t>
+            </a:r>
+            <a:br>
+              <a:rPr lang="en-US" altLang="ko-KR" sz="4400" dirty="0">
+                <a:solidFill>
+                  <a:schemeClr val="tx1">
+                    <a:lumMod val="75000"/>
+                    <a:lumOff val="25000"/>
+                  </a:schemeClr>
+                </a:solidFill>
+                <a:latin typeface="Noto Sans CJK KR Black" pitchFamily="34" charset="-127"/>
+                <a:ea typeface="Noto Sans CJK KR Black" pitchFamily="34" charset="-127"/>
+              </a:rPr>
+            </a:br>
+            <a:r>
+              <a:rPr lang="ko-KR" altLang="en-US" sz="4400" dirty="0">
+                <a:solidFill>
+                  <a:schemeClr val="tx1">
+                    <a:lumMod val="75000"/>
+                    <a:lumOff val="25000"/>
+                  </a:schemeClr>
+                </a:solidFill>
+                <a:latin typeface="Noto Sans CJK KR Black" pitchFamily="34" charset="-127"/>
+                <a:ea typeface="Noto Sans CJK KR Black" pitchFamily="34" charset="-127"/>
+              </a:rPr>
+              <a:t>분석</a:t>
+            </a:r>
+            <a:endParaRPr lang="ko-KR" altLang="en-US" sz="4400" dirty="0">
+              <a:solidFill>
+                <a:schemeClr val="tx1">
+                  <a:lumMod val="75000"/>
+                  <a:lumOff val="25000"/>
+                </a:schemeClr>
+              </a:solidFill>
+            </a:endParaRPr>
+          </a:p>
+        </p:txBody>
+      </p:sp>
+      <p:sp>
+        <p:nvSpPr>
+          <p:cNvPr id="3" name="슬라이드 번호 개체 틀 2"/>
           <p:cNvSpPr>
             <a:spLocks noGrp="1"/>
           </p:cNvSpPr>
@@ -7533,196 +7335,40 @@
           </a:p>
         </p:txBody>
       </p:sp>
-      <p:sp>
-        <p:nvSpPr>
-          <p:cNvPr id="11" name="TextBox 10"/>
-          <p:cNvSpPr txBox="1"/>
+      <p:pic>
+        <p:nvPicPr>
+          <p:cNvPr id="2" name="그림 1">
+            <a:extLst>
+              <a:ext uri="{FF2B5EF4-FFF2-40B4-BE49-F238E27FC236}">
+                <a16:creationId xmlns:a16="http://schemas.microsoft.com/office/drawing/2014/main" id="{16C19AC7-BAA3-4F16-90E6-D8B648F2EA49}"/>
+              </a:ext>
+            </a:extLst>
+          </p:cNvPr>
+          <p:cNvPicPr>
+            <a:picLocks noChangeAspect="1"/>
+          </p:cNvPicPr>
           <p:nvPr/>
-        </p:nvSpPr>
-        <p:spPr>
-          <a:xfrm>
-            <a:off x="542135" y="855851"/>
-            <a:ext cx="10650558" cy="2708434"/>
+        </p:nvPicPr>
+        <p:blipFill>
+          <a:blip r:embed="rId2"/>
+          <a:stretch>
+            <a:fillRect/>
+          </a:stretch>
+        </p:blipFill>
+        <p:spPr>
+          <a:xfrm>
+            <a:off x="3997071" y="630793"/>
+            <a:ext cx="8001000" cy="5753100"/>
           </a:xfrm>
           <a:prstGeom prst="rect">
             <a:avLst/>
           </a:prstGeom>
-          <a:solidFill>
-            <a:schemeClr val="bg1">
-              <a:lumMod val="65000"/>
-            </a:schemeClr>
-          </a:solidFill>
-        </p:spPr>
-        <p:txBody>
-          <a:bodyPr wrap="square" lIns="0" tIns="0" rIns="0" bIns="0" rtlCol="0" anchor="t">
-            <a:spAutoFit/>
-          </a:bodyPr>
-          <a:lstStyle/>
-          <a:p>
-            <a:r>
-              <a:rPr lang="en-US" altLang="ko-KR" sz="4400" dirty="0">
-                <a:solidFill>
-                  <a:schemeClr val="bg1"/>
-                </a:solidFill>
-                <a:latin typeface="Noto Sans CJK KR Black" panose="020B0A00000000000000" pitchFamily="34" charset="-127"/>
-                <a:ea typeface="Noto Sans CJK KR Black" panose="020B0A00000000000000" pitchFamily="34" charset="-127"/>
-              </a:rPr>
-              <a:t>Part2: 4</a:t>
-            </a:r>
-            <a:r>
-              <a:rPr lang="ko-KR" altLang="en-US" sz="4400" dirty="0" err="1">
-                <a:solidFill>
-                  <a:schemeClr val="bg1"/>
-                </a:solidFill>
-                <a:latin typeface="Noto Sans CJK KR Black" panose="020B0A00000000000000" pitchFamily="34" charset="-127"/>
-                <a:ea typeface="Noto Sans CJK KR Black" panose="020B0A00000000000000" pitchFamily="34" charset="-127"/>
-              </a:rPr>
-              <a:t>회차</a:t>
-            </a:r>
-            <a:r>
-              <a:rPr lang="ko-KR" altLang="en-US" sz="4400" dirty="0">
-                <a:solidFill>
-                  <a:schemeClr val="bg1"/>
-                </a:solidFill>
-                <a:latin typeface="Noto Sans CJK KR Black" panose="020B0A00000000000000" pitchFamily="34" charset="-127"/>
-                <a:ea typeface="Noto Sans CJK KR Black" panose="020B0A00000000000000" pitchFamily="34" charset="-127"/>
-              </a:rPr>
-              <a:t> 강의의 목적</a:t>
-            </a:r>
-            <a:r>
-              <a:rPr lang="en-US" altLang="ko-KR" sz="4400" dirty="0">
-                <a:solidFill>
-                  <a:schemeClr val="bg1"/>
-                </a:solidFill>
-                <a:latin typeface="Noto Sans CJK KR Black" panose="020B0A00000000000000" pitchFamily="34" charset="-127"/>
-                <a:ea typeface="Noto Sans CJK KR Black" panose="020B0A00000000000000" pitchFamily="34" charset="-127"/>
-              </a:rPr>
-              <a:t>.</a:t>
-            </a:r>
-          </a:p>
-          <a:p>
-            <a:endParaRPr lang="en-US" altLang="ko-KR" sz="4400" dirty="0">
-              <a:solidFill>
-                <a:schemeClr val="bg1"/>
-              </a:solidFill>
-              <a:latin typeface="Noto Sans CJK KR Black" panose="020B0A00000000000000" pitchFamily="34" charset="-127"/>
-              <a:ea typeface="Noto Sans CJK KR Black" panose="020B0A00000000000000" pitchFamily="34" charset="-127"/>
-            </a:endParaRPr>
-          </a:p>
-          <a:p>
-            <a:r>
-              <a:rPr lang="en-US" altLang="ko-KR" sz="4400" dirty="0">
-                <a:solidFill>
-                  <a:schemeClr val="bg1"/>
-                </a:solidFill>
-                <a:latin typeface="Noto Sans CJK KR Black" panose="020B0A00000000000000" pitchFamily="34" charset="-127"/>
-                <a:ea typeface="Noto Sans CJK KR Black" panose="020B0A00000000000000" pitchFamily="34" charset="-127"/>
-              </a:rPr>
-              <a:t>“</a:t>
-            </a:r>
-            <a:r>
-              <a:rPr lang="ko-KR" altLang="en-US" sz="4400" dirty="0">
-                <a:solidFill>
-                  <a:schemeClr val="bg1"/>
-                </a:solidFill>
-                <a:latin typeface="Noto Sans CJK KR Black" panose="020B0A00000000000000" pitchFamily="34" charset="-127"/>
-                <a:ea typeface="Noto Sans CJK KR Black" panose="020B0A00000000000000" pitchFamily="34" charset="-127"/>
-              </a:rPr>
-              <a:t>시계열 분석 “분석초안” 실습 완성 </a:t>
-            </a:r>
-            <a:endParaRPr lang="en-US" altLang="ko-KR" sz="4400" dirty="0">
-              <a:solidFill>
-                <a:schemeClr val="bg1"/>
-              </a:solidFill>
-              <a:latin typeface="Noto Sans CJK KR Black" panose="020B0A00000000000000" pitchFamily="34" charset="-127"/>
-              <a:ea typeface="Noto Sans CJK KR Black" panose="020B0A00000000000000" pitchFamily="34" charset="-127"/>
-            </a:endParaRPr>
-          </a:p>
-          <a:p>
-            <a:r>
-              <a:rPr lang="ko-KR" altLang="en-US" sz="4400" dirty="0">
-                <a:solidFill>
-                  <a:schemeClr val="bg1"/>
-                </a:solidFill>
-                <a:latin typeface="Noto Sans CJK KR Black" panose="020B0A00000000000000" pitchFamily="34" charset="-127"/>
-                <a:ea typeface="Noto Sans CJK KR Black" panose="020B0A00000000000000" pitchFamily="34" charset="-127"/>
-              </a:rPr>
-              <a:t>및 시계열 </a:t>
-            </a:r>
-            <a:r>
-              <a:rPr lang="ko-KR" altLang="en-US" sz="4400" dirty="0" err="1">
-                <a:solidFill>
-                  <a:schemeClr val="bg1"/>
-                </a:solidFill>
-                <a:latin typeface="Noto Sans CJK KR Black" panose="020B0A00000000000000" pitchFamily="34" charset="-127"/>
-                <a:ea typeface="Noto Sans CJK KR Black" panose="020B0A00000000000000" pitchFamily="34" charset="-127"/>
-              </a:rPr>
-              <a:t>분석싸이클</a:t>
-            </a:r>
-            <a:r>
-              <a:rPr lang="ko-KR" altLang="en-US" sz="4400" dirty="0">
-                <a:solidFill>
-                  <a:schemeClr val="bg1"/>
-                </a:solidFill>
-                <a:latin typeface="Noto Sans CJK KR Black" panose="020B0A00000000000000" pitchFamily="34" charset="-127"/>
-                <a:ea typeface="Noto Sans CJK KR Black" panose="020B0A00000000000000" pitchFamily="34" charset="-127"/>
-              </a:rPr>
-              <a:t> 이해 완성 및 해석하기 </a:t>
-            </a:r>
-            <a:r>
-              <a:rPr lang="en-US" altLang="ko-KR" sz="4400" dirty="0">
-                <a:solidFill>
-                  <a:schemeClr val="bg1"/>
-                </a:solidFill>
-                <a:latin typeface="Noto Sans CJK KR Black" panose="020B0A00000000000000" pitchFamily="34" charset="-127"/>
-                <a:ea typeface="Noto Sans CJK KR Black" panose="020B0A00000000000000" pitchFamily="34" charset="-127"/>
-              </a:rPr>
-              <a:t>”</a:t>
-            </a:r>
-          </a:p>
-        </p:txBody>
-      </p:sp>
-      <p:sp>
-        <p:nvSpPr>
-          <p:cNvPr id="12" name="TextBox 11"/>
-          <p:cNvSpPr txBox="1"/>
-          <p:nvPr/>
-        </p:nvSpPr>
-        <p:spPr>
-          <a:xfrm>
-            <a:off x="4783981" y="611957"/>
-            <a:ext cx="7056784" cy="216726"/>
-          </a:xfrm>
-          <a:prstGeom prst="rect">
-            <a:avLst/>
-          </a:prstGeom>
-          <a:noFill/>
-        </p:spPr>
-        <p:txBody>
-          <a:bodyPr wrap="square" lIns="0" tIns="0" rIns="0" bIns="0" rtlCol="0" anchor="t">
-            <a:spAutoFit/>
-          </a:bodyPr>
-          <a:lstStyle/>
-          <a:p>
-            <a:pPr>
-              <a:lnSpc>
-                <a:spcPct val="150000"/>
-              </a:lnSpc>
-            </a:pPr>
-            <a:endParaRPr lang="en-US" altLang="ko-KR" sz="1050" dirty="0">
-              <a:solidFill>
-                <a:schemeClr val="bg1"/>
-              </a:solidFill>
-              <a:latin typeface="Noto Sans CJK KR Medium" panose="020B0600000000000000" pitchFamily="34" charset="-127"/>
-              <a:ea typeface="Noto Sans CJK KR Medium" panose="020B0600000000000000" pitchFamily="34" charset="-127"/>
-            </a:endParaRPr>
-          </a:p>
-        </p:txBody>
-      </p:sp>
+        </p:spPr>
+      </p:pic>
     </p:spTree>
     <p:extLst>
       <p:ext uri="{BB962C8B-B14F-4D97-AF65-F5344CB8AC3E}">
-        <p14:creationId xmlns:p14="http://schemas.microsoft.com/office/powerpoint/2010/main" val="2597187614"/>
+        <p14:creationId xmlns:p14="http://schemas.microsoft.com/office/powerpoint/2010/main" val="2046635771"/>
       </p:ext>
     </p:extLst>
   </p:cSld>
@@ -7761,13 +7407,13 @@
         </p:nvSpPr>
         <p:spPr>
           <a:xfrm>
-            <a:off x="608016" y="551987"/>
+            <a:off x="608012" y="539949"/>
             <a:ext cx="10944225" cy="1140090"/>
           </a:xfrm>
         </p:spPr>
         <p:txBody>
           <a:bodyPr>
-            <a:normAutofit fontScale="90000"/>
+            <a:normAutofit/>
           </a:bodyPr>
           <a:lstStyle/>
           <a:p>
@@ -7783,10 +7429,10 @@
                 <a:latin typeface="Noto Sans CJK KR Black" pitchFamily="34" charset="-127"/>
                 <a:ea typeface="Noto Sans CJK KR Black" pitchFamily="34" charset="-127"/>
               </a:rPr>
-              <a:t>7. </a:t>
-            </a:r>
-            <a:r>
-              <a:rPr lang="ko-KR" altLang="en-US" sz="4400" dirty="0" err="1">
+              <a:t>4. </a:t>
+            </a:r>
+            <a:r>
+              <a:rPr lang="ko-KR" altLang="en-US" sz="4400" dirty="0">
                 <a:solidFill>
                   <a:schemeClr val="tx1">
                     <a:lumMod val="75000"/>
@@ -7796,45 +7442,7 @@
                 <a:latin typeface="Noto Sans CJK KR Black" pitchFamily="34" charset="-127"/>
                 <a:ea typeface="Noto Sans CJK KR Black" pitchFamily="34" charset="-127"/>
               </a:rPr>
-              <a:t>잔차진단</a:t>
-            </a:r>
-            <a:r>
-              <a:rPr lang="ko-KR" altLang="en-US" sz="4400" dirty="0">
-                <a:solidFill>
-                  <a:schemeClr val="tx1">
-                    <a:lumMod val="75000"/>
-                    <a:lumOff val="25000"/>
-                  </a:schemeClr>
-                </a:solidFill>
-                <a:latin typeface="Noto Sans CJK KR Black" pitchFamily="34" charset="-127"/>
-                <a:ea typeface="Noto Sans CJK KR Black" pitchFamily="34" charset="-127"/>
-              </a:rPr>
-              <a:t> </a:t>
-            </a:r>
-            <a:br>
-              <a:rPr lang="en-US" altLang="ko-KR" sz="4400" dirty="0">
-                <a:solidFill>
-                  <a:schemeClr val="tx1">
-                    <a:lumMod val="75000"/>
-                    <a:lumOff val="25000"/>
-                  </a:schemeClr>
-                </a:solidFill>
-                <a:latin typeface="Noto Sans CJK KR Black" pitchFamily="34" charset="-127"/>
-                <a:ea typeface="Noto Sans CJK KR Black" pitchFamily="34" charset="-127"/>
-              </a:rPr>
-            </a:br>
-            <a:r>
-              <a:rPr lang="ko-KR" altLang="en-US" sz="4400" dirty="0">
-                <a:solidFill>
-                  <a:schemeClr val="tx1">
-                    <a:lumMod val="75000"/>
-                    <a:lumOff val="25000"/>
-                  </a:schemeClr>
-                </a:solidFill>
-                <a:latin typeface="Noto Sans CJK KR Black" pitchFamily="34" charset="-127"/>
-                <a:ea typeface="Noto Sans CJK KR Black" pitchFamily="34" charset="-127"/>
-              </a:rPr>
-              <a:t>방향</a:t>
+              <a:t>시계열 분석</a:t>
             </a:r>
             <a:endParaRPr lang="ko-KR" altLang="en-US" sz="4400" dirty="0">
               <a:solidFill>
@@ -7876,7 +7484,7 @@
           <p:cNvPr id="2" name="그림 1">
             <a:extLst>
               <a:ext uri="{FF2B5EF4-FFF2-40B4-BE49-F238E27FC236}">
-                <a16:creationId xmlns:a16="http://schemas.microsoft.com/office/drawing/2014/main" id="{6E2C0910-E554-441C-92BF-03799FD2F569}"/>
+                <a16:creationId xmlns:a16="http://schemas.microsoft.com/office/drawing/2014/main" id="{5584A6B2-7E1C-4405-BF74-069F7FBDF301}"/>
               </a:ext>
             </a:extLst>
           </p:cNvPr>
@@ -7893,8 +7501,8 @@
         </p:blipFill>
         <p:spPr>
           <a:xfrm>
-            <a:off x="4025317" y="382495"/>
-            <a:ext cx="8001000" cy="6172200"/>
+            <a:off x="6224141" y="0"/>
+            <a:ext cx="3304137" cy="6840538"/>
           </a:xfrm>
           <a:prstGeom prst="rect">
             <a:avLst/>
@@ -7904,7 +7512,7 @@
     </p:spTree>
     <p:extLst>
       <p:ext uri="{BB962C8B-B14F-4D97-AF65-F5344CB8AC3E}">
-        <p14:creationId xmlns:p14="http://schemas.microsoft.com/office/powerpoint/2010/main" val="4255575792"/>
+        <p14:creationId xmlns:p14="http://schemas.microsoft.com/office/powerpoint/2010/main" val="2950574922"/>
       </p:ext>
     </p:extLst>
   </p:cSld>
@@ -7943,7 +7551,7 @@
         </p:nvSpPr>
         <p:spPr>
           <a:xfrm>
-            <a:off x="608016" y="551987"/>
+            <a:off x="608012" y="539949"/>
             <a:ext cx="10944225" cy="1140090"/>
           </a:xfrm>
         </p:spPr>
@@ -7965,10 +7573,10 @@
                 <a:latin typeface="Noto Sans CJK KR Black" pitchFamily="34" charset="-127"/>
                 <a:ea typeface="Noto Sans CJK KR Black" pitchFamily="34" charset="-127"/>
               </a:rPr>
-              <a:t>7. </a:t>
-            </a:r>
-            <a:r>
-              <a:rPr lang="ko-KR" altLang="en-US" sz="4400" dirty="0" err="1">
+              <a:t>4. </a:t>
+            </a:r>
+            <a:r>
+              <a:rPr lang="ko-KR" altLang="en-US" sz="4400" dirty="0">
                 <a:solidFill>
                   <a:schemeClr val="tx1">
                     <a:lumMod val="75000"/>
@@ -7978,20 +7586,7 @@
                 <a:latin typeface="Noto Sans CJK KR Black" pitchFamily="34" charset="-127"/>
                 <a:ea typeface="Noto Sans CJK KR Black" pitchFamily="34" charset="-127"/>
               </a:rPr>
-              <a:t>잔차진단</a:t>
-            </a:r>
-            <a:r>
-              <a:rPr lang="ko-KR" altLang="en-US" sz="4400" dirty="0">
-                <a:solidFill>
-                  <a:schemeClr val="tx1">
-                    <a:lumMod val="75000"/>
-                    <a:lumOff val="25000"/>
-                  </a:schemeClr>
-                </a:solidFill>
-                <a:latin typeface="Noto Sans CJK KR Black" pitchFamily="34" charset="-127"/>
-                <a:ea typeface="Noto Sans CJK KR Black" pitchFamily="34" charset="-127"/>
-              </a:rPr>
-              <a:t> 방향</a:t>
+              <a:t>시계열 분석</a:t>
             </a:r>
             <a:endParaRPr lang="ko-KR" altLang="en-US" sz="4400" dirty="0">
               <a:solidFill>
@@ -8033,7 +7628,7 @@
           <p:cNvPr id="2" name="그림 1">
             <a:extLst>
               <a:ext uri="{FF2B5EF4-FFF2-40B4-BE49-F238E27FC236}">
-                <a16:creationId xmlns:a16="http://schemas.microsoft.com/office/drawing/2014/main" id="{D66EF150-37CE-49F0-A40B-051118C64C80}"/>
+                <a16:creationId xmlns:a16="http://schemas.microsoft.com/office/drawing/2014/main" id="{A6C91D56-B0AE-435B-AEC9-0DBA03CEDF66}"/>
               </a:ext>
             </a:extLst>
           </p:cNvPr>
@@ -8050,8 +7645,8 @@
         </p:blipFill>
         <p:spPr>
           <a:xfrm>
-            <a:off x="1722437" y="1836093"/>
-            <a:ext cx="8715375" cy="3876675"/>
+            <a:off x="5792093" y="175"/>
+            <a:ext cx="4393922" cy="6840538"/>
           </a:xfrm>
           <a:prstGeom prst="rect">
             <a:avLst/>
@@ -8061,7 +7656,7 @@
     </p:spTree>
     <p:extLst>
       <p:ext uri="{BB962C8B-B14F-4D97-AF65-F5344CB8AC3E}">
-        <p14:creationId xmlns:p14="http://schemas.microsoft.com/office/powerpoint/2010/main" val="1215707014"/>
+        <p14:creationId xmlns:p14="http://schemas.microsoft.com/office/powerpoint/2010/main" val="162562531"/>
       </p:ext>
     </p:extLst>
   </p:cSld>
@@ -8100,13 +7695,13 @@
         </p:nvSpPr>
         <p:spPr>
           <a:xfrm>
-            <a:off x="608016" y="551987"/>
+            <a:off x="608012" y="539949"/>
             <a:ext cx="10944225" cy="1140090"/>
           </a:xfrm>
         </p:spPr>
         <p:txBody>
           <a:bodyPr>
-            <a:normAutofit fontScale="90000"/>
+            <a:normAutofit/>
           </a:bodyPr>
           <a:lstStyle/>
           <a:p>
@@ -8122,7 +7717,7 @@
                 <a:latin typeface="Noto Sans CJK KR Black" pitchFamily="34" charset="-127"/>
                 <a:ea typeface="Noto Sans CJK KR Black" pitchFamily="34" charset="-127"/>
               </a:rPr>
-              <a:t>1. </a:t>
+              <a:t>4. </a:t>
             </a:r>
             <a:r>
               <a:rPr lang="ko-KR" altLang="en-US" sz="4400" dirty="0">
@@ -8135,32 +7730,7 @@
                 <a:latin typeface="Noto Sans CJK KR Black" pitchFamily="34" charset="-127"/>
                 <a:ea typeface="Noto Sans CJK KR Black" pitchFamily="34" charset="-127"/>
               </a:rPr>
-              <a:t>기계학습 </a:t>
-            </a:r>
-            <a:br>
-              <a:rPr lang="en-US" altLang="ko-KR" sz="4400" dirty="0">
-                <a:solidFill>
-                  <a:schemeClr val="tx1">
-                    <a:lumMod val="75000"/>
-                    <a:lumOff val="25000"/>
-                  </a:schemeClr>
-                </a:solidFill>
-                <a:latin typeface="Noto Sans CJK KR Black" pitchFamily="34" charset="-127"/>
-                <a:ea typeface="Noto Sans CJK KR Black" pitchFamily="34" charset="-127"/>
-              </a:rPr>
-            </a:br>
-            <a:r>
-              <a:rPr lang="ko-KR" altLang="en-US" sz="4400" dirty="0">
-                <a:solidFill>
-                  <a:schemeClr val="tx1">
-                    <a:lumMod val="75000"/>
-                    <a:lumOff val="25000"/>
-                  </a:schemeClr>
-                </a:solidFill>
-                <a:latin typeface="Noto Sans CJK KR Black" pitchFamily="34" charset="-127"/>
-                <a:ea typeface="Noto Sans CJK KR Black" pitchFamily="34" charset="-127"/>
-              </a:rPr>
-              <a:t>알고리즘</a:t>
+              <a:t>시계열 분석</a:t>
             </a:r>
             <a:endParaRPr lang="ko-KR" altLang="en-US" sz="4400" dirty="0">
               <a:solidFill>
@@ -8199,10 +7769,10 @@
       </p:sp>
       <p:pic>
         <p:nvPicPr>
-          <p:cNvPr id="4" name="그림 3">
+          <p:cNvPr id="2" name="그림 1">
             <a:extLst>
               <a:ext uri="{FF2B5EF4-FFF2-40B4-BE49-F238E27FC236}">
-                <a16:creationId xmlns:a16="http://schemas.microsoft.com/office/drawing/2014/main" id="{8A2C0FD5-C433-4D4A-A031-C8567D933D81}"/>
+                <a16:creationId xmlns:a16="http://schemas.microsoft.com/office/drawing/2014/main" id="{6F407946-C8B6-4545-8D59-1BAEC14A7999}"/>
               </a:ext>
             </a:extLst>
           </p:cNvPr>
@@ -8219,8 +7789,8 @@
         </p:blipFill>
         <p:spPr>
           <a:xfrm>
-            <a:off x="4783981" y="0"/>
-            <a:ext cx="6981037" cy="6840538"/>
+            <a:off x="2051049" y="2268141"/>
+            <a:ext cx="8058150" cy="2981325"/>
           </a:xfrm>
           <a:prstGeom prst="rect">
             <a:avLst/>
@@ -8230,7 +7800,7 @@
     </p:spTree>
     <p:extLst>
       <p:ext uri="{BB962C8B-B14F-4D97-AF65-F5344CB8AC3E}">
-        <p14:creationId xmlns:p14="http://schemas.microsoft.com/office/powerpoint/2010/main" val="728959731"/>
+        <p14:creationId xmlns:p14="http://schemas.microsoft.com/office/powerpoint/2010/main" val="3314467954"/>
       </p:ext>
     </p:extLst>
   </p:cSld>
@@ -8269,13 +7839,13 @@
         </p:nvSpPr>
         <p:spPr>
           <a:xfrm>
-            <a:off x="608016" y="551987"/>
+            <a:off x="608012" y="539949"/>
             <a:ext cx="10944225" cy="1140090"/>
           </a:xfrm>
         </p:spPr>
         <p:txBody>
           <a:bodyPr>
-            <a:normAutofit fontScale="90000"/>
+            <a:normAutofit/>
           </a:bodyPr>
           <a:lstStyle/>
           <a:p>
@@ -8291,7 +7861,7 @@
                 <a:latin typeface="Noto Sans CJK KR Black" pitchFamily="34" charset="-127"/>
                 <a:ea typeface="Noto Sans CJK KR Black" pitchFamily="34" charset="-127"/>
               </a:rPr>
-              <a:t>1. </a:t>
+              <a:t>4. </a:t>
             </a:r>
             <a:r>
               <a:rPr lang="ko-KR" altLang="en-US" sz="4400" dirty="0">
@@ -8304,32 +7874,7 @@
                 <a:latin typeface="Noto Sans CJK KR Black" pitchFamily="34" charset="-127"/>
                 <a:ea typeface="Noto Sans CJK KR Black" pitchFamily="34" charset="-127"/>
               </a:rPr>
-              <a:t>기계학습 </a:t>
-            </a:r>
-            <a:br>
-              <a:rPr lang="en-US" altLang="ko-KR" sz="4400" dirty="0">
-                <a:solidFill>
-                  <a:schemeClr val="tx1">
-                    <a:lumMod val="75000"/>
-                    <a:lumOff val="25000"/>
-                  </a:schemeClr>
-                </a:solidFill>
-                <a:latin typeface="Noto Sans CJK KR Black" pitchFamily="34" charset="-127"/>
-                <a:ea typeface="Noto Sans CJK KR Black" pitchFamily="34" charset="-127"/>
-              </a:rPr>
-            </a:br>
-            <a:r>
-              <a:rPr lang="ko-KR" altLang="en-US" sz="4400" dirty="0">
-                <a:solidFill>
-                  <a:schemeClr val="tx1">
-                    <a:lumMod val="75000"/>
-                    <a:lumOff val="25000"/>
-                  </a:schemeClr>
-                </a:solidFill>
-                <a:latin typeface="Noto Sans CJK KR Black" pitchFamily="34" charset="-127"/>
-                <a:ea typeface="Noto Sans CJK KR Black" pitchFamily="34" charset="-127"/>
-              </a:rPr>
-              <a:t>알고리즘</a:t>
+              <a:t>시계열 분석</a:t>
             </a:r>
             <a:endParaRPr lang="ko-KR" altLang="en-US" sz="4400" dirty="0">
               <a:solidFill>
@@ -8371,7 +7916,7 @@
           <p:cNvPr id="2" name="그림 1">
             <a:extLst>
               <a:ext uri="{FF2B5EF4-FFF2-40B4-BE49-F238E27FC236}">
-                <a16:creationId xmlns:a16="http://schemas.microsoft.com/office/drawing/2014/main" id="{428B77BA-80EA-4550-982E-F7408A8A0744}"/>
+                <a16:creationId xmlns:a16="http://schemas.microsoft.com/office/drawing/2014/main" id="{A1517FC4-DC59-455B-AC71-B0CD064E62D2}"/>
               </a:ext>
             </a:extLst>
           </p:cNvPr>
@@ -8388,8 +7933,8 @@
         </p:blipFill>
         <p:spPr>
           <a:xfrm>
-            <a:off x="4423941" y="248444"/>
-            <a:ext cx="6334125" cy="6343650"/>
+            <a:off x="2408236" y="1980109"/>
+            <a:ext cx="7343775" cy="3771900"/>
           </a:xfrm>
           <a:prstGeom prst="rect">
             <a:avLst/>
@@ -8399,7 +7944,7 @@
     </p:spTree>
     <p:extLst>
       <p:ext uri="{BB962C8B-B14F-4D97-AF65-F5344CB8AC3E}">
-        <p14:creationId xmlns:p14="http://schemas.microsoft.com/office/powerpoint/2010/main" val="2846290067"/>
+        <p14:creationId xmlns:p14="http://schemas.microsoft.com/office/powerpoint/2010/main" val="62416032"/>
       </p:ext>
     </p:extLst>
   </p:cSld>
@@ -8438,13 +7983,13 @@
         </p:nvSpPr>
         <p:spPr>
           <a:xfrm>
-            <a:off x="608016" y="551987"/>
+            <a:off x="608012" y="539949"/>
             <a:ext cx="10944225" cy="1140090"/>
           </a:xfrm>
         </p:spPr>
         <p:txBody>
           <a:bodyPr>
-            <a:normAutofit fontScale="90000"/>
+            <a:normAutofit/>
           </a:bodyPr>
           <a:lstStyle/>
           <a:p>
@@ -8460,7 +8005,7 @@
                 <a:latin typeface="Noto Sans CJK KR Black" pitchFamily="34" charset="-127"/>
                 <a:ea typeface="Noto Sans CJK KR Black" pitchFamily="34" charset="-127"/>
               </a:rPr>
-              <a:t>1. </a:t>
+              <a:t>4. </a:t>
             </a:r>
             <a:r>
               <a:rPr lang="ko-KR" altLang="en-US" sz="4400" dirty="0">
@@ -8473,32 +8018,7 @@
                 <a:latin typeface="Noto Sans CJK KR Black" pitchFamily="34" charset="-127"/>
                 <a:ea typeface="Noto Sans CJK KR Black" pitchFamily="34" charset="-127"/>
               </a:rPr>
-              <a:t>기계학습 </a:t>
-            </a:r>
-            <a:br>
-              <a:rPr lang="en-US" altLang="ko-KR" sz="4400" dirty="0">
-                <a:solidFill>
-                  <a:schemeClr val="tx1">
-                    <a:lumMod val="75000"/>
-                    <a:lumOff val="25000"/>
-                  </a:schemeClr>
-                </a:solidFill>
-                <a:latin typeface="Noto Sans CJK KR Black" pitchFamily="34" charset="-127"/>
-                <a:ea typeface="Noto Sans CJK KR Black" pitchFamily="34" charset="-127"/>
-              </a:rPr>
-            </a:br>
-            <a:r>
-              <a:rPr lang="ko-KR" altLang="en-US" sz="4400" dirty="0">
-                <a:solidFill>
-                  <a:schemeClr val="tx1">
-                    <a:lumMod val="75000"/>
-                    <a:lumOff val="25000"/>
-                  </a:schemeClr>
-                </a:solidFill>
-                <a:latin typeface="Noto Sans CJK KR Black" pitchFamily="34" charset="-127"/>
-                <a:ea typeface="Noto Sans CJK KR Black" pitchFamily="34" charset="-127"/>
-              </a:rPr>
-              <a:t>알고리즘</a:t>
+              <a:t>시계열 분석</a:t>
             </a:r>
             <a:endParaRPr lang="ko-KR" altLang="en-US" sz="4400" dirty="0">
               <a:solidFill>
@@ -8540,7 +8060,7 @@
           <p:cNvPr id="2" name="그림 1">
             <a:extLst>
               <a:ext uri="{FF2B5EF4-FFF2-40B4-BE49-F238E27FC236}">
-                <a16:creationId xmlns:a16="http://schemas.microsoft.com/office/drawing/2014/main" id="{03983527-BE44-44DA-805D-93B6F8662425}"/>
+                <a16:creationId xmlns:a16="http://schemas.microsoft.com/office/drawing/2014/main" id="{A88461FA-A5B2-4BFA-9893-8EDB98ADF4C1}"/>
               </a:ext>
             </a:extLst>
           </p:cNvPr>
@@ -8557,8 +8077,8 @@
         </p:blipFill>
         <p:spPr>
           <a:xfrm>
-            <a:off x="4207917" y="659276"/>
-            <a:ext cx="6696075" cy="5629275"/>
+            <a:off x="5144021" y="0"/>
+            <a:ext cx="5069261" cy="6840538"/>
           </a:xfrm>
           <a:prstGeom prst="rect">
             <a:avLst/>
@@ -8568,7 +8088,7 @@
     </p:spTree>
     <p:extLst>
       <p:ext uri="{BB962C8B-B14F-4D97-AF65-F5344CB8AC3E}">
-        <p14:creationId xmlns:p14="http://schemas.microsoft.com/office/powerpoint/2010/main" val="2923655103"/>
+        <p14:creationId xmlns:p14="http://schemas.microsoft.com/office/powerpoint/2010/main" val="4072219006"/>
       </p:ext>
     </p:extLst>
   </p:cSld>
@@ -8607,13 +8127,13 @@
         </p:nvSpPr>
         <p:spPr>
           <a:xfrm>
-            <a:off x="608016" y="551987"/>
+            <a:off x="608012" y="539949"/>
             <a:ext cx="10944225" cy="1140090"/>
           </a:xfrm>
         </p:spPr>
         <p:txBody>
           <a:bodyPr>
-            <a:normAutofit fontScale="90000"/>
+            <a:normAutofit/>
           </a:bodyPr>
           <a:lstStyle/>
           <a:p>
@@ -8629,7 +8149,7 @@
                 <a:latin typeface="Noto Sans CJK KR Black" pitchFamily="34" charset="-127"/>
                 <a:ea typeface="Noto Sans CJK KR Black" pitchFamily="34" charset="-127"/>
               </a:rPr>
-              <a:t>1. </a:t>
+              <a:t>4. </a:t>
             </a:r>
             <a:r>
               <a:rPr lang="ko-KR" altLang="en-US" sz="4400" dirty="0">
@@ -8642,32 +8162,7 @@
                 <a:latin typeface="Noto Sans CJK KR Black" pitchFamily="34" charset="-127"/>
                 <a:ea typeface="Noto Sans CJK KR Black" pitchFamily="34" charset="-127"/>
               </a:rPr>
-              <a:t>기계학습 </a:t>
-            </a:r>
-            <a:br>
-              <a:rPr lang="en-US" altLang="ko-KR" sz="4400" dirty="0">
-                <a:solidFill>
-                  <a:schemeClr val="tx1">
-                    <a:lumMod val="75000"/>
-                    <a:lumOff val="25000"/>
-                  </a:schemeClr>
-                </a:solidFill>
-                <a:latin typeface="Noto Sans CJK KR Black" pitchFamily="34" charset="-127"/>
-                <a:ea typeface="Noto Sans CJK KR Black" pitchFamily="34" charset="-127"/>
-              </a:rPr>
-            </a:br>
-            <a:r>
-              <a:rPr lang="ko-KR" altLang="en-US" sz="4400" dirty="0">
-                <a:solidFill>
-                  <a:schemeClr val="tx1">
-                    <a:lumMod val="75000"/>
-                    <a:lumOff val="25000"/>
-                  </a:schemeClr>
-                </a:solidFill>
-                <a:latin typeface="Noto Sans CJK KR Black" pitchFamily="34" charset="-127"/>
-                <a:ea typeface="Noto Sans CJK KR Black" pitchFamily="34" charset="-127"/>
-              </a:rPr>
-              <a:t>알고리즘</a:t>
+              <a:t>시계열 분석</a:t>
             </a:r>
             <a:endParaRPr lang="ko-KR" altLang="en-US" sz="4400" dirty="0">
               <a:solidFill>
@@ -8709,7 +8204,7 @@
           <p:cNvPr id="2" name="그림 1">
             <a:extLst>
               <a:ext uri="{FF2B5EF4-FFF2-40B4-BE49-F238E27FC236}">
-                <a16:creationId xmlns:a16="http://schemas.microsoft.com/office/drawing/2014/main" id="{BEACC012-E3EC-4062-BB3B-948FF46E7A06}"/>
+                <a16:creationId xmlns:a16="http://schemas.microsoft.com/office/drawing/2014/main" id="{3C984F25-CE94-44CB-B34F-C293CEB2A18F}"/>
               </a:ext>
             </a:extLst>
           </p:cNvPr>
@@ -8726,8 +8221,8 @@
         </p:blipFill>
         <p:spPr>
           <a:xfrm>
-            <a:off x="4207917" y="400844"/>
-            <a:ext cx="6819900" cy="6038850"/>
+            <a:off x="4855989" y="613481"/>
+            <a:ext cx="6029325" cy="5962650"/>
           </a:xfrm>
           <a:prstGeom prst="rect">
             <a:avLst/>
@@ -8737,7 +8232,7 @@
     </p:spTree>
     <p:extLst>
       <p:ext uri="{BB962C8B-B14F-4D97-AF65-F5344CB8AC3E}">
-        <p14:creationId xmlns:p14="http://schemas.microsoft.com/office/powerpoint/2010/main" val="1368611468"/>
+        <p14:creationId xmlns:p14="http://schemas.microsoft.com/office/powerpoint/2010/main" val="2507015835"/>
       </p:ext>
     </p:extLst>
   </p:cSld>
@@ -8776,13 +8271,13 @@
         </p:nvSpPr>
         <p:spPr>
           <a:xfrm>
-            <a:off x="608016" y="551987"/>
+            <a:off x="608012" y="539949"/>
             <a:ext cx="10944225" cy="1140090"/>
           </a:xfrm>
         </p:spPr>
         <p:txBody>
           <a:bodyPr>
-            <a:normAutofit fontScale="90000"/>
+            <a:normAutofit/>
           </a:bodyPr>
           <a:lstStyle/>
           <a:p>
@@ -8798,7 +8293,7 @@
                 <a:latin typeface="Noto Sans CJK KR Black" pitchFamily="34" charset="-127"/>
                 <a:ea typeface="Noto Sans CJK KR Black" pitchFamily="34" charset="-127"/>
               </a:rPr>
-              <a:t>1. </a:t>
+              <a:t>4. </a:t>
             </a:r>
             <a:r>
               <a:rPr lang="ko-KR" altLang="en-US" sz="4400" dirty="0">
@@ -8811,32 +8306,7 @@
                 <a:latin typeface="Noto Sans CJK KR Black" pitchFamily="34" charset="-127"/>
                 <a:ea typeface="Noto Sans CJK KR Black" pitchFamily="34" charset="-127"/>
               </a:rPr>
-              <a:t>기계학습 </a:t>
-            </a:r>
-            <a:br>
-              <a:rPr lang="en-US" altLang="ko-KR" sz="4400" dirty="0">
-                <a:solidFill>
-                  <a:schemeClr val="tx1">
-                    <a:lumMod val="75000"/>
-                    <a:lumOff val="25000"/>
-                  </a:schemeClr>
-                </a:solidFill>
-                <a:latin typeface="Noto Sans CJK KR Black" pitchFamily="34" charset="-127"/>
-                <a:ea typeface="Noto Sans CJK KR Black" pitchFamily="34" charset="-127"/>
-              </a:rPr>
-            </a:br>
-            <a:r>
-              <a:rPr lang="ko-KR" altLang="en-US" sz="4400" dirty="0">
-                <a:solidFill>
-                  <a:schemeClr val="tx1">
-                    <a:lumMod val="75000"/>
-                    <a:lumOff val="25000"/>
-                  </a:schemeClr>
-                </a:solidFill>
-                <a:latin typeface="Noto Sans CJK KR Black" pitchFamily="34" charset="-127"/>
-                <a:ea typeface="Noto Sans CJK KR Black" pitchFamily="34" charset="-127"/>
-              </a:rPr>
-              <a:t>알고리즘</a:t>
+              <a:t>시계열 분석</a:t>
             </a:r>
             <a:endParaRPr lang="ko-KR" altLang="en-US" sz="4400" dirty="0">
               <a:solidFill>
@@ -8878,7 +8348,7 @@
           <p:cNvPr id="2" name="그림 1">
             <a:extLst>
               <a:ext uri="{FF2B5EF4-FFF2-40B4-BE49-F238E27FC236}">
-                <a16:creationId xmlns:a16="http://schemas.microsoft.com/office/drawing/2014/main" id="{7710B264-7E4B-4664-9751-A3FF5181AE77}"/>
+                <a16:creationId xmlns:a16="http://schemas.microsoft.com/office/drawing/2014/main" id="{E880B14C-EF9B-4043-B1D4-B956FD5282E4}"/>
               </a:ext>
             </a:extLst>
           </p:cNvPr>
@@ -8895,38 +8365,8 @@
         </p:blipFill>
         <p:spPr>
           <a:xfrm>
-            <a:off x="608016" y="1727820"/>
-            <a:ext cx="6667500" cy="5086350"/>
-          </a:xfrm>
-          <a:prstGeom prst="rect">
-            <a:avLst/>
-          </a:prstGeom>
-        </p:spPr>
-      </p:pic>
-      <p:pic>
-        <p:nvPicPr>
-          <p:cNvPr id="4" name="그림 3">
-            <a:extLst>
-              <a:ext uri="{FF2B5EF4-FFF2-40B4-BE49-F238E27FC236}">
-                <a16:creationId xmlns:a16="http://schemas.microsoft.com/office/drawing/2014/main" id="{77210C6F-F03E-4FD5-A2DE-55C6F66F8C3A}"/>
-              </a:ext>
-            </a:extLst>
-          </p:cNvPr>
-          <p:cNvPicPr>
-            <a:picLocks noChangeAspect="1"/>
-          </p:cNvPicPr>
-          <p:nvPr/>
-        </p:nvPicPr>
-        <p:blipFill>
-          <a:blip r:embed="rId3"/>
-          <a:stretch>
-            <a:fillRect/>
-          </a:stretch>
-        </p:blipFill>
-        <p:spPr>
-          <a:xfrm>
-            <a:off x="7074326" y="2196133"/>
-            <a:ext cx="4910515" cy="3834011"/>
+            <a:off x="1660524" y="1964156"/>
+            <a:ext cx="8839200" cy="4124325"/>
           </a:xfrm>
           <a:prstGeom prst="rect">
             <a:avLst/>
@@ -8936,7 +8376,7 @@
     </p:spTree>
     <p:extLst>
       <p:ext uri="{BB962C8B-B14F-4D97-AF65-F5344CB8AC3E}">
-        <p14:creationId xmlns:p14="http://schemas.microsoft.com/office/powerpoint/2010/main" val="2781508450"/>
+        <p14:creationId xmlns:p14="http://schemas.microsoft.com/office/powerpoint/2010/main" val="3645549879"/>
       </p:ext>
     </p:extLst>
   </p:cSld>
@@ -8975,13 +8415,13 @@
         </p:nvSpPr>
         <p:spPr>
           <a:xfrm>
-            <a:off x="608016" y="551987"/>
+            <a:off x="608012" y="539949"/>
             <a:ext cx="10944225" cy="1140090"/>
           </a:xfrm>
         </p:spPr>
         <p:txBody>
           <a:bodyPr>
-            <a:normAutofit fontScale="90000"/>
+            <a:normAutofit/>
           </a:bodyPr>
           <a:lstStyle/>
           <a:p>
@@ -8997,7 +8437,7 @@
                 <a:latin typeface="Noto Sans CJK KR Black" pitchFamily="34" charset="-127"/>
                 <a:ea typeface="Noto Sans CJK KR Black" pitchFamily="34" charset="-127"/>
               </a:rPr>
-              <a:t>1. </a:t>
+              <a:t>4. </a:t>
             </a:r>
             <a:r>
               <a:rPr lang="ko-KR" altLang="en-US" sz="4400" dirty="0">
@@ -9010,32 +8450,7 @@
                 <a:latin typeface="Noto Sans CJK KR Black" pitchFamily="34" charset="-127"/>
                 <a:ea typeface="Noto Sans CJK KR Black" pitchFamily="34" charset="-127"/>
               </a:rPr>
-              <a:t>기계학습 </a:t>
-            </a:r>
-            <a:br>
-              <a:rPr lang="en-US" altLang="ko-KR" sz="4400" dirty="0">
-                <a:solidFill>
-                  <a:schemeClr val="tx1">
-                    <a:lumMod val="75000"/>
-                    <a:lumOff val="25000"/>
-                  </a:schemeClr>
-                </a:solidFill>
-                <a:latin typeface="Noto Sans CJK KR Black" pitchFamily="34" charset="-127"/>
-                <a:ea typeface="Noto Sans CJK KR Black" pitchFamily="34" charset="-127"/>
-              </a:rPr>
-            </a:br>
-            <a:r>
-              <a:rPr lang="ko-KR" altLang="en-US" sz="4400" dirty="0">
-                <a:solidFill>
-                  <a:schemeClr val="tx1">
-                    <a:lumMod val="75000"/>
-                    <a:lumOff val="25000"/>
-                  </a:schemeClr>
-                </a:solidFill>
-                <a:latin typeface="Noto Sans CJK KR Black" pitchFamily="34" charset="-127"/>
-                <a:ea typeface="Noto Sans CJK KR Black" pitchFamily="34" charset="-127"/>
-              </a:rPr>
-              <a:t>알고리즘</a:t>
+              <a:t>시계열 분석</a:t>
             </a:r>
             <a:endParaRPr lang="ko-KR" altLang="en-US" sz="4400" dirty="0">
               <a:solidFill>
@@ -9077,7 +8492,7 @@
           <p:cNvPr id="2" name="그림 1">
             <a:extLst>
               <a:ext uri="{FF2B5EF4-FFF2-40B4-BE49-F238E27FC236}">
-                <a16:creationId xmlns:a16="http://schemas.microsoft.com/office/drawing/2014/main" id="{13B6D219-21FB-4EC8-8716-D6C98ECD4BDE}"/>
+                <a16:creationId xmlns:a16="http://schemas.microsoft.com/office/drawing/2014/main" id="{9EF983D0-C649-44ED-8B04-34563B3479BF}"/>
               </a:ext>
             </a:extLst>
           </p:cNvPr>
@@ -9094,8 +8509,8 @@
         </p:blipFill>
         <p:spPr>
           <a:xfrm>
-            <a:off x="2303462" y="1836093"/>
-            <a:ext cx="7553325" cy="4105275"/>
+            <a:off x="5360045" y="528776"/>
+            <a:ext cx="5276850" cy="5991225"/>
           </a:xfrm>
           <a:prstGeom prst="rect">
             <a:avLst/>
@@ -9105,7 +8520,7 @@
     </p:spTree>
     <p:extLst>
       <p:ext uri="{BB962C8B-B14F-4D97-AF65-F5344CB8AC3E}">
-        <p14:creationId xmlns:p14="http://schemas.microsoft.com/office/powerpoint/2010/main" val="2789360881"/>
+        <p14:creationId xmlns:p14="http://schemas.microsoft.com/office/powerpoint/2010/main" val="634326132"/>
       </p:ext>
     </p:extLst>
   </p:cSld>
@@ -9116,1101 +8531,6 @@
 </file>
 
 <file path=ppt/slides/slide38.xml><?xml version="1.0" encoding="utf-8"?>
-<p:sld xmlns:a="http://schemas.openxmlformats.org/drawingml/2006/main" xmlns:r="http://schemas.openxmlformats.org/officeDocument/2006/relationships" xmlns:p="http://schemas.openxmlformats.org/presentationml/2006/main">
-  <p:cSld>
-    <p:spTree>
-      <p:nvGrpSpPr>
-        <p:cNvPr id="1" name=""/>
-        <p:cNvGrpSpPr/>
-        <p:nvPr/>
-      </p:nvGrpSpPr>
-      <p:grpSpPr>
-        <a:xfrm>
-          <a:off x="0" y="0"/>
-          <a:ext cx="0" cy="0"/>
-          <a:chOff x="0" y="0"/>
-          <a:chExt cx="0" cy="0"/>
-        </a:xfrm>
-      </p:grpSpPr>
-      <p:sp>
-        <p:nvSpPr>
-          <p:cNvPr id="5" name="제목 4"/>
-          <p:cNvSpPr>
-            <a:spLocks noGrp="1"/>
-          </p:cNvSpPr>
-          <p:nvPr>
-            <p:ph type="title"/>
-          </p:nvPr>
-        </p:nvSpPr>
-        <p:spPr>
-          <a:xfrm>
-            <a:off x="608016" y="551987"/>
-            <a:ext cx="10944225" cy="1140090"/>
-          </a:xfrm>
-        </p:spPr>
-        <p:txBody>
-          <a:bodyPr>
-            <a:normAutofit fontScale="90000"/>
-          </a:bodyPr>
-          <a:lstStyle/>
-          <a:p>
-            <a:pPr algn="l"/>
-            <a:r>
-              <a:rPr lang="en-US" altLang="ko-KR" sz="4400" dirty="0">
-                <a:solidFill>
-                  <a:schemeClr val="tx1">
-                    <a:lumMod val="75000"/>
-                    <a:lumOff val="25000"/>
-                  </a:schemeClr>
-                </a:solidFill>
-                <a:latin typeface="Noto Sans CJK KR Black" pitchFamily="34" charset="-127"/>
-                <a:ea typeface="Noto Sans CJK KR Black" pitchFamily="34" charset="-127"/>
-              </a:rPr>
-              <a:t>1. </a:t>
-            </a:r>
-            <a:r>
-              <a:rPr lang="ko-KR" altLang="en-US" sz="4400" dirty="0">
-                <a:solidFill>
-                  <a:schemeClr val="tx1">
-                    <a:lumMod val="75000"/>
-                    <a:lumOff val="25000"/>
-                  </a:schemeClr>
-                </a:solidFill>
-                <a:latin typeface="Noto Sans CJK KR Black" pitchFamily="34" charset="-127"/>
-                <a:ea typeface="Noto Sans CJK KR Black" pitchFamily="34" charset="-127"/>
-              </a:rPr>
-              <a:t>기계학습 </a:t>
-            </a:r>
-            <a:br>
-              <a:rPr lang="en-US" altLang="ko-KR" sz="4400" dirty="0">
-                <a:solidFill>
-                  <a:schemeClr val="tx1">
-                    <a:lumMod val="75000"/>
-                    <a:lumOff val="25000"/>
-                  </a:schemeClr>
-                </a:solidFill>
-                <a:latin typeface="Noto Sans CJK KR Black" pitchFamily="34" charset="-127"/>
-                <a:ea typeface="Noto Sans CJK KR Black" pitchFamily="34" charset="-127"/>
-              </a:rPr>
-            </a:br>
-            <a:r>
-              <a:rPr lang="ko-KR" altLang="en-US" sz="4400" dirty="0">
-                <a:solidFill>
-                  <a:schemeClr val="tx1">
-                    <a:lumMod val="75000"/>
-                    <a:lumOff val="25000"/>
-                  </a:schemeClr>
-                </a:solidFill>
-                <a:latin typeface="Noto Sans CJK KR Black" pitchFamily="34" charset="-127"/>
-                <a:ea typeface="Noto Sans CJK KR Black" pitchFamily="34" charset="-127"/>
-              </a:rPr>
-              <a:t>알고리즘</a:t>
-            </a:r>
-            <a:endParaRPr lang="ko-KR" altLang="en-US" sz="4400" dirty="0">
-              <a:solidFill>
-                <a:schemeClr val="tx1">
-                  <a:lumMod val="75000"/>
-                  <a:lumOff val="25000"/>
-                </a:schemeClr>
-              </a:solidFill>
-            </a:endParaRPr>
-          </a:p>
-        </p:txBody>
-      </p:sp>
-      <p:sp>
-        <p:nvSpPr>
-          <p:cNvPr id="3" name="슬라이드 번호 개체 틀 2"/>
-          <p:cNvSpPr>
-            <a:spLocks noGrp="1"/>
-          </p:cNvSpPr>
-          <p:nvPr>
-            <p:ph type="sldNum" sz="quarter" idx="12"/>
-          </p:nvPr>
-        </p:nvSpPr>
-        <p:spPr/>
-        <p:txBody>
-          <a:bodyPr/>
-          <a:lstStyle/>
-          <a:p>
-            <a:fld id="{6DDAE2C3-1A0B-474A-8CE8-AE55B8D9D4B1}" type="slidenum">
-              <a:rPr lang="ko-KR" altLang="en-US" smtClean="0"/>
-              <a:pPr/>
-              <a:t>38</a:t>
-            </a:fld>
-            <a:endParaRPr lang="ko-KR" altLang="en-US" dirty="0"/>
-          </a:p>
-        </p:txBody>
-      </p:sp>
-      <p:pic>
-        <p:nvPicPr>
-          <p:cNvPr id="2" name="그림 1">
-            <a:extLst>
-              <a:ext uri="{FF2B5EF4-FFF2-40B4-BE49-F238E27FC236}">
-                <a16:creationId xmlns:a16="http://schemas.microsoft.com/office/drawing/2014/main" id="{87BC5C4E-EB99-40DB-8A04-9B5D2C8853D0}"/>
-              </a:ext>
-            </a:extLst>
-          </p:cNvPr>
-          <p:cNvPicPr>
-            <a:picLocks noChangeAspect="1"/>
-          </p:cNvPicPr>
-          <p:nvPr/>
-        </p:nvPicPr>
-        <p:blipFill>
-          <a:blip r:embed="rId2"/>
-          <a:stretch>
-            <a:fillRect/>
-          </a:stretch>
-        </p:blipFill>
-        <p:spPr>
-          <a:xfrm>
-            <a:off x="2255837" y="1831239"/>
-            <a:ext cx="7648575" cy="4400550"/>
-          </a:xfrm>
-          <a:prstGeom prst="rect">
-            <a:avLst/>
-          </a:prstGeom>
-        </p:spPr>
-      </p:pic>
-    </p:spTree>
-    <p:extLst>
-      <p:ext uri="{BB962C8B-B14F-4D97-AF65-F5344CB8AC3E}">
-        <p14:creationId xmlns:p14="http://schemas.microsoft.com/office/powerpoint/2010/main" val="1543610682"/>
-      </p:ext>
-    </p:extLst>
-  </p:cSld>
-  <p:clrMapOvr>
-    <a:masterClrMapping/>
-  </p:clrMapOvr>
-</p:sld>
-</file>
-
-<file path=ppt/slides/slide39.xml><?xml version="1.0" encoding="utf-8"?>
-<p:sld xmlns:a="http://schemas.openxmlformats.org/drawingml/2006/main" xmlns:r="http://schemas.openxmlformats.org/officeDocument/2006/relationships" xmlns:p="http://schemas.openxmlformats.org/presentationml/2006/main">
-  <p:cSld>
-    <p:spTree>
-      <p:nvGrpSpPr>
-        <p:cNvPr id="1" name=""/>
-        <p:cNvGrpSpPr/>
-        <p:nvPr/>
-      </p:nvGrpSpPr>
-      <p:grpSpPr>
-        <a:xfrm>
-          <a:off x="0" y="0"/>
-          <a:ext cx="0" cy="0"/>
-          <a:chOff x="0" y="0"/>
-          <a:chExt cx="0" cy="0"/>
-        </a:xfrm>
-      </p:grpSpPr>
-      <p:sp>
-        <p:nvSpPr>
-          <p:cNvPr id="5" name="제목 4"/>
-          <p:cNvSpPr>
-            <a:spLocks noGrp="1"/>
-          </p:cNvSpPr>
-          <p:nvPr>
-            <p:ph type="title"/>
-          </p:nvPr>
-        </p:nvSpPr>
-        <p:spPr>
-          <a:xfrm>
-            <a:off x="608016" y="551987"/>
-            <a:ext cx="10944225" cy="1140090"/>
-          </a:xfrm>
-        </p:spPr>
-        <p:txBody>
-          <a:bodyPr>
-            <a:normAutofit fontScale="90000"/>
-          </a:bodyPr>
-          <a:lstStyle/>
-          <a:p>
-            <a:pPr algn="l"/>
-            <a:r>
-              <a:rPr lang="en-US" altLang="ko-KR" sz="4400" dirty="0">
-                <a:solidFill>
-                  <a:schemeClr val="tx1">
-                    <a:lumMod val="75000"/>
-                    <a:lumOff val="25000"/>
-                  </a:schemeClr>
-                </a:solidFill>
-                <a:latin typeface="Noto Sans CJK KR Black" pitchFamily="34" charset="-127"/>
-                <a:ea typeface="Noto Sans CJK KR Black" pitchFamily="34" charset="-127"/>
-              </a:rPr>
-              <a:t>1. </a:t>
-            </a:r>
-            <a:r>
-              <a:rPr lang="ko-KR" altLang="en-US" sz="4400" dirty="0">
-                <a:solidFill>
-                  <a:schemeClr val="tx1">
-                    <a:lumMod val="75000"/>
-                    <a:lumOff val="25000"/>
-                  </a:schemeClr>
-                </a:solidFill>
-                <a:latin typeface="Noto Sans CJK KR Black" pitchFamily="34" charset="-127"/>
-                <a:ea typeface="Noto Sans CJK KR Black" pitchFamily="34" charset="-127"/>
-              </a:rPr>
-              <a:t>기계학습 </a:t>
-            </a:r>
-            <a:br>
-              <a:rPr lang="en-US" altLang="ko-KR" sz="4400" dirty="0">
-                <a:solidFill>
-                  <a:schemeClr val="tx1">
-                    <a:lumMod val="75000"/>
-                    <a:lumOff val="25000"/>
-                  </a:schemeClr>
-                </a:solidFill>
-                <a:latin typeface="Noto Sans CJK KR Black" pitchFamily="34" charset="-127"/>
-                <a:ea typeface="Noto Sans CJK KR Black" pitchFamily="34" charset="-127"/>
-              </a:rPr>
-            </a:br>
-            <a:r>
-              <a:rPr lang="ko-KR" altLang="en-US" sz="4400" dirty="0">
-                <a:solidFill>
-                  <a:schemeClr val="tx1">
-                    <a:lumMod val="75000"/>
-                    <a:lumOff val="25000"/>
-                  </a:schemeClr>
-                </a:solidFill>
-                <a:latin typeface="Noto Sans CJK KR Black" pitchFamily="34" charset="-127"/>
-                <a:ea typeface="Noto Sans CJK KR Black" pitchFamily="34" charset="-127"/>
-              </a:rPr>
-              <a:t>알고리즘</a:t>
-            </a:r>
-            <a:endParaRPr lang="ko-KR" altLang="en-US" sz="4400" dirty="0">
-              <a:solidFill>
-                <a:schemeClr val="tx1">
-                  <a:lumMod val="75000"/>
-                  <a:lumOff val="25000"/>
-                </a:schemeClr>
-              </a:solidFill>
-            </a:endParaRPr>
-          </a:p>
-        </p:txBody>
-      </p:sp>
-      <p:sp>
-        <p:nvSpPr>
-          <p:cNvPr id="3" name="슬라이드 번호 개체 틀 2"/>
-          <p:cNvSpPr>
-            <a:spLocks noGrp="1"/>
-          </p:cNvSpPr>
-          <p:nvPr>
-            <p:ph type="sldNum" sz="quarter" idx="12"/>
-          </p:nvPr>
-        </p:nvSpPr>
-        <p:spPr/>
-        <p:txBody>
-          <a:bodyPr/>
-          <a:lstStyle/>
-          <a:p>
-            <a:fld id="{6DDAE2C3-1A0B-474A-8CE8-AE55B8D9D4B1}" type="slidenum">
-              <a:rPr lang="ko-KR" altLang="en-US" smtClean="0"/>
-              <a:pPr/>
-              <a:t>39</a:t>
-            </a:fld>
-            <a:endParaRPr lang="ko-KR" altLang="en-US" dirty="0"/>
-          </a:p>
-        </p:txBody>
-      </p:sp>
-      <p:pic>
-        <p:nvPicPr>
-          <p:cNvPr id="2" name="그림 1">
-            <a:extLst>
-              <a:ext uri="{FF2B5EF4-FFF2-40B4-BE49-F238E27FC236}">
-                <a16:creationId xmlns:a16="http://schemas.microsoft.com/office/drawing/2014/main" id="{A047DDF7-0C9A-4DCB-8AC9-A464D4766027}"/>
-              </a:ext>
-            </a:extLst>
-          </p:cNvPr>
-          <p:cNvPicPr>
-            <a:picLocks noChangeAspect="1"/>
-          </p:cNvPicPr>
-          <p:nvPr/>
-        </p:nvPicPr>
-        <p:blipFill>
-          <a:blip r:embed="rId2"/>
-          <a:stretch>
-            <a:fillRect/>
-          </a:stretch>
-        </p:blipFill>
-        <p:spPr>
-          <a:xfrm>
-            <a:off x="2839765" y="1135385"/>
-            <a:ext cx="7353300" cy="5600700"/>
-          </a:xfrm>
-          <a:prstGeom prst="rect">
-            <a:avLst/>
-          </a:prstGeom>
-        </p:spPr>
-      </p:pic>
-    </p:spTree>
-    <p:extLst>
-      <p:ext uri="{BB962C8B-B14F-4D97-AF65-F5344CB8AC3E}">
-        <p14:creationId xmlns:p14="http://schemas.microsoft.com/office/powerpoint/2010/main" val="1657105860"/>
-      </p:ext>
-    </p:extLst>
-  </p:cSld>
-  <p:clrMapOvr>
-    <a:masterClrMapping/>
-  </p:clrMapOvr>
-</p:sld>
-</file>
-
-<file path=ppt/slides/slide4.xml><?xml version="1.0" encoding="utf-8"?>
-<p:sld xmlns:a="http://schemas.openxmlformats.org/drawingml/2006/main" xmlns:r="http://schemas.openxmlformats.org/officeDocument/2006/relationships" xmlns:p="http://schemas.openxmlformats.org/presentationml/2006/main">
-  <p:cSld>
-    <p:bg>
-      <p:bgPr>
-        <a:solidFill>
-          <a:schemeClr val="bg1">
-            <a:lumMod val="65000"/>
-          </a:schemeClr>
-        </a:solidFill>
-        <a:effectLst/>
-      </p:bgPr>
-    </p:bg>
-    <p:spTree>
-      <p:nvGrpSpPr>
-        <p:cNvPr id="1" name=""/>
-        <p:cNvGrpSpPr/>
-        <p:nvPr/>
-      </p:nvGrpSpPr>
-      <p:grpSpPr>
-        <a:xfrm>
-          <a:off x="0" y="0"/>
-          <a:ext cx="0" cy="0"/>
-          <a:chOff x="0" y="0"/>
-          <a:chExt cx="0" cy="0"/>
-        </a:xfrm>
-      </p:grpSpPr>
-      <p:sp>
-        <p:nvSpPr>
-          <p:cNvPr id="4" name="슬라이드 번호 개체 틀 3"/>
-          <p:cNvSpPr>
-            <a:spLocks noGrp="1"/>
-          </p:cNvSpPr>
-          <p:nvPr>
-            <p:ph type="sldNum" sz="quarter" idx="12"/>
-          </p:nvPr>
-        </p:nvSpPr>
-        <p:spPr/>
-        <p:txBody>
-          <a:bodyPr/>
-          <a:lstStyle/>
-          <a:p>
-            <a:fld id="{6DDAE2C3-1A0B-474A-8CE8-AE55B8D9D4B1}" type="slidenum">
-              <a:rPr lang="ko-KR" altLang="en-US" smtClean="0"/>
-              <a:pPr/>
-              <a:t>4</a:t>
-            </a:fld>
-            <a:endParaRPr lang="ko-KR" altLang="en-US" dirty="0"/>
-          </a:p>
-        </p:txBody>
-      </p:sp>
-      <p:sp>
-        <p:nvSpPr>
-          <p:cNvPr id="11" name="TextBox 10"/>
-          <p:cNvSpPr txBox="1"/>
-          <p:nvPr/>
-        </p:nvSpPr>
-        <p:spPr>
-          <a:xfrm>
-            <a:off x="542135" y="855851"/>
-            <a:ext cx="10650558" cy="2708434"/>
-          </a:xfrm>
-          <a:prstGeom prst="rect">
-            <a:avLst/>
-          </a:prstGeom>
-          <a:solidFill>
-            <a:schemeClr val="bg1">
-              <a:lumMod val="65000"/>
-            </a:schemeClr>
-          </a:solidFill>
-        </p:spPr>
-        <p:txBody>
-          <a:bodyPr wrap="square" lIns="0" tIns="0" rIns="0" bIns="0" rtlCol="0" anchor="t">
-            <a:spAutoFit/>
-          </a:bodyPr>
-          <a:lstStyle/>
-          <a:p>
-            <a:r>
-              <a:rPr lang="en-US" altLang="ko-KR" sz="4400" dirty="0">
-                <a:solidFill>
-                  <a:schemeClr val="bg1"/>
-                </a:solidFill>
-                <a:latin typeface="Noto Sans CJK KR Black" panose="020B0A00000000000000" pitchFamily="34" charset="-127"/>
-                <a:ea typeface="Noto Sans CJK KR Black" panose="020B0A00000000000000" pitchFamily="34" charset="-127"/>
-              </a:rPr>
-              <a:t>Part2: 5</a:t>
-            </a:r>
-            <a:r>
-              <a:rPr lang="ko-KR" altLang="en-US" sz="4400" dirty="0" err="1">
-                <a:solidFill>
-                  <a:schemeClr val="bg1"/>
-                </a:solidFill>
-                <a:latin typeface="Noto Sans CJK KR Black" panose="020B0A00000000000000" pitchFamily="34" charset="-127"/>
-                <a:ea typeface="Noto Sans CJK KR Black" panose="020B0A00000000000000" pitchFamily="34" charset="-127"/>
-              </a:rPr>
-              <a:t>회차</a:t>
-            </a:r>
-            <a:r>
-              <a:rPr lang="ko-KR" altLang="en-US" sz="4400" dirty="0">
-                <a:solidFill>
-                  <a:schemeClr val="bg1"/>
-                </a:solidFill>
-                <a:latin typeface="Noto Sans CJK KR Black" panose="020B0A00000000000000" pitchFamily="34" charset="-127"/>
-                <a:ea typeface="Noto Sans CJK KR Black" panose="020B0A00000000000000" pitchFamily="34" charset="-127"/>
-              </a:rPr>
-              <a:t> 강의의 목적</a:t>
-            </a:r>
-            <a:r>
-              <a:rPr lang="en-US" altLang="ko-KR" sz="4400" dirty="0">
-                <a:solidFill>
-                  <a:schemeClr val="bg1"/>
-                </a:solidFill>
-                <a:latin typeface="Noto Sans CJK KR Black" panose="020B0A00000000000000" pitchFamily="34" charset="-127"/>
-                <a:ea typeface="Noto Sans CJK KR Black" panose="020B0A00000000000000" pitchFamily="34" charset="-127"/>
-              </a:rPr>
-              <a:t>.</a:t>
-            </a:r>
-          </a:p>
-          <a:p>
-            <a:endParaRPr lang="en-US" altLang="ko-KR" sz="4400" dirty="0">
-              <a:solidFill>
-                <a:schemeClr val="bg1"/>
-              </a:solidFill>
-              <a:latin typeface="Noto Sans CJK KR Black" panose="020B0A00000000000000" pitchFamily="34" charset="-127"/>
-              <a:ea typeface="Noto Sans CJK KR Black" panose="020B0A00000000000000" pitchFamily="34" charset="-127"/>
-            </a:endParaRPr>
-          </a:p>
-          <a:p>
-            <a:r>
-              <a:rPr lang="en-US" altLang="ko-KR" sz="4400" dirty="0">
-                <a:solidFill>
-                  <a:schemeClr val="bg1"/>
-                </a:solidFill>
-                <a:latin typeface="Noto Sans CJK KR Black" panose="020B0A00000000000000" pitchFamily="34" charset="-127"/>
-                <a:ea typeface="Noto Sans CJK KR Black" panose="020B0A00000000000000" pitchFamily="34" charset="-127"/>
-              </a:rPr>
-              <a:t>“</a:t>
-            </a:r>
-            <a:r>
-              <a:rPr lang="ko-KR" altLang="en-US" sz="4400" dirty="0">
-                <a:solidFill>
-                  <a:schemeClr val="bg1"/>
-                </a:solidFill>
-                <a:latin typeface="Noto Sans CJK KR Black" panose="020B0A00000000000000" pitchFamily="34" charset="-127"/>
-                <a:ea typeface="Noto Sans CJK KR Black" panose="020B0A00000000000000" pitchFamily="34" charset="-127"/>
-              </a:rPr>
-              <a:t>기계학습 요약과 </a:t>
-            </a:r>
-            <a:r>
-              <a:rPr lang="en-US" altLang="ko-KR" sz="4400" dirty="0">
-                <a:solidFill>
-                  <a:schemeClr val="bg1"/>
-                </a:solidFill>
-                <a:latin typeface="Noto Sans CJK KR Black" panose="020B0A00000000000000" pitchFamily="34" charset="-127"/>
-                <a:ea typeface="Noto Sans CJK KR Black" panose="020B0A00000000000000" pitchFamily="34" charset="-127"/>
-              </a:rPr>
-              <a:t>Agile </a:t>
-            </a:r>
-            <a:r>
-              <a:rPr lang="ko-KR" altLang="en-US" sz="4400" dirty="0">
-                <a:solidFill>
-                  <a:schemeClr val="bg1"/>
-                </a:solidFill>
-                <a:latin typeface="Noto Sans CJK KR Black" panose="020B0A00000000000000" pitchFamily="34" charset="-127"/>
-                <a:ea typeface="Noto Sans CJK KR Black" panose="020B0A00000000000000" pitchFamily="34" charset="-127"/>
-              </a:rPr>
-              <a:t>모델 실습 완성 </a:t>
-            </a:r>
-            <a:endParaRPr lang="en-US" altLang="ko-KR" sz="4400" dirty="0">
-              <a:solidFill>
-                <a:schemeClr val="bg1"/>
-              </a:solidFill>
-              <a:latin typeface="Noto Sans CJK KR Black" panose="020B0A00000000000000" pitchFamily="34" charset="-127"/>
-              <a:ea typeface="Noto Sans CJK KR Black" panose="020B0A00000000000000" pitchFamily="34" charset="-127"/>
-            </a:endParaRPr>
-          </a:p>
-          <a:p>
-            <a:r>
-              <a:rPr lang="ko-KR" altLang="en-US" sz="4400" dirty="0">
-                <a:solidFill>
-                  <a:schemeClr val="bg1"/>
-                </a:solidFill>
-                <a:latin typeface="Noto Sans CJK KR Black" panose="020B0A00000000000000" pitchFamily="34" charset="-127"/>
-                <a:ea typeface="Noto Sans CJK KR Black" panose="020B0A00000000000000" pitchFamily="34" charset="-127"/>
-              </a:rPr>
-              <a:t>및 시계열 분석 알고리즘 이해하기 </a:t>
-            </a:r>
-            <a:r>
-              <a:rPr lang="en-US" altLang="ko-KR" sz="4400" dirty="0">
-                <a:solidFill>
-                  <a:schemeClr val="bg1"/>
-                </a:solidFill>
-                <a:latin typeface="Noto Sans CJK KR Black" panose="020B0A00000000000000" pitchFamily="34" charset="-127"/>
-                <a:ea typeface="Noto Sans CJK KR Black" panose="020B0A00000000000000" pitchFamily="34" charset="-127"/>
-              </a:rPr>
-              <a:t>”</a:t>
-            </a:r>
-          </a:p>
-        </p:txBody>
-      </p:sp>
-      <p:sp>
-        <p:nvSpPr>
-          <p:cNvPr id="12" name="TextBox 11"/>
-          <p:cNvSpPr txBox="1"/>
-          <p:nvPr/>
-        </p:nvSpPr>
-        <p:spPr>
-          <a:xfrm>
-            <a:off x="4783981" y="611957"/>
-            <a:ext cx="7056784" cy="216726"/>
-          </a:xfrm>
-          <a:prstGeom prst="rect">
-            <a:avLst/>
-          </a:prstGeom>
-          <a:noFill/>
-        </p:spPr>
-        <p:txBody>
-          <a:bodyPr wrap="square" lIns="0" tIns="0" rIns="0" bIns="0" rtlCol="0" anchor="t">
-            <a:spAutoFit/>
-          </a:bodyPr>
-          <a:lstStyle/>
-          <a:p>
-            <a:pPr>
-              <a:lnSpc>
-                <a:spcPct val="150000"/>
-              </a:lnSpc>
-            </a:pPr>
-            <a:endParaRPr lang="en-US" altLang="ko-KR" sz="1050" dirty="0">
-              <a:solidFill>
-                <a:schemeClr val="bg1"/>
-              </a:solidFill>
-              <a:latin typeface="Noto Sans CJK KR Medium" panose="020B0600000000000000" pitchFamily="34" charset="-127"/>
-              <a:ea typeface="Noto Sans CJK KR Medium" panose="020B0600000000000000" pitchFamily="34" charset="-127"/>
-            </a:endParaRPr>
-          </a:p>
-        </p:txBody>
-      </p:sp>
-    </p:spTree>
-    <p:extLst>
-      <p:ext uri="{BB962C8B-B14F-4D97-AF65-F5344CB8AC3E}">
-        <p14:creationId xmlns:p14="http://schemas.microsoft.com/office/powerpoint/2010/main" val="3339102357"/>
-      </p:ext>
-    </p:extLst>
-  </p:cSld>
-  <p:clrMapOvr>
-    <a:masterClrMapping/>
-  </p:clrMapOvr>
-</p:sld>
-</file>
-
-<file path=ppt/slides/slide40.xml><?xml version="1.0" encoding="utf-8"?>
-<p:sld xmlns:a="http://schemas.openxmlformats.org/drawingml/2006/main" xmlns:r="http://schemas.openxmlformats.org/officeDocument/2006/relationships" xmlns:p="http://schemas.openxmlformats.org/presentationml/2006/main">
-  <p:cSld>
-    <p:spTree>
-      <p:nvGrpSpPr>
-        <p:cNvPr id="1" name=""/>
-        <p:cNvGrpSpPr/>
-        <p:nvPr/>
-      </p:nvGrpSpPr>
-      <p:grpSpPr>
-        <a:xfrm>
-          <a:off x="0" y="0"/>
-          <a:ext cx="0" cy="0"/>
-          <a:chOff x="0" y="0"/>
-          <a:chExt cx="0" cy="0"/>
-        </a:xfrm>
-      </p:grpSpPr>
-      <p:sp>
-        <p:nvSpPr>
-          <p:cNvPr id="5" name="제목 4"/>
-          <p:cNvSpPr>
-            <a:spLocks noGrp="1"/>
-          </p:cNvSpPr>
-          <p:nvPr>
-            <p:ph type="title"/>
-          </p:nvPr>
-        </p:nvSpPr>
-        <p:spPr>
-          <a:xfrm>
-            <a:off x="608016" y="551987"/>
-            <a:ext cx="10944225" cy="1140090"/>
-          </a:xfrm>
-        </p:spPr>
-        <p:txBody>
-          <a:bodyPr>
-            <a:normAutofit fontScale="90000"/>
-          </a:bodyPr>
-          <a:lstStyle/>
-          <a:p>
-            <a:pPr algn="l"/>
-            <a:r>
-              <a:rPr lang="en-US" altLang="ko-KR" sz="4400" dirty="0">
-                <a:solidFill>
-                  <a:schemeClr val="tx1">
-                    <a:lumMod val="75000"/>
-                    <a:lumOff val="25000"/>
-                  </a:schemeClr>
-                </a:solidFill>
-                <a:latin typeface="Noto Sans CJK KR Black" pitchFamily="34" charset="-127"/>
-                <a:ea typeface="Noto Sans CJK KR Black" pitchFamily="34" charset="-127"/>
-              </a:rPr>
-              <a:t>1. </a:t>
-            </a:r>
-            <a:r>
-              <a:rPr lang="ko-KR" altLang="en-US" sz="4400" dirty="0">
-                <a:solidFill>
-                  <a:schemeClr val="tx1">
-                    <a:lumMod val="75000"/>
-                    <a:lumOff val="25000"/>
-                  </a:schemeClr>
-                </a:solidFill>
-                <a:latin typeface="Noto Sans CJK KR Black" pitchFamily="34" charset="-127"/>
-                <a:ea typeface="Noto Sans CJK KR Black" pitchFamily="34" charset="-127"/>
-              </a:rPr>
-              <a:t>기계학습 </a:t>
-            </a:r>
-            <a:br>
-              <a:rPr lang="en-US" altLang="ko-KR" sz="4400" dirty="0">
-                <a:solidFill>
-                  <a:schemeClr val="tx1">
-                    <a:lumMod val="75000"/>
-                    <a:lumOff val="25000"/>
-                  </a:schemeClr>
-                </a:solidFill>
-                <a:latin typeface="Noto Sans CJK KR Black" pitchFamily="34" charset="-127"/>
-                <a:ea typeface="Noto Sans CJK KR Black" pitchFamily="34" charset="-127"/>
-              </a:rPr>
-            </a:br>
-            <a:r>
-              <a:rPr lang="ko-KR" altLang="en-US" sz="4400" dirty="0">
-                <a:solidFill>
-                  <a:schemeClr val="tx1">
-                    <a:lumMod val="75000"/>
-                    <a:lumOff val="25000"/>
-                  </a:schemeClr>
-                </a:solidFill>
-                <a:latin typeface="Noto Sans CJK KR Black" pitchFamily="34" charset="-127"/>
-                <a:ea typeface="Noto Sans CJK KR Black" pitchFamily="34" charset="-127"/>
-              </a:rPr>
-              <a:t>알고리즘</a:t>
-            </a:r>
-            <a:endParaRPr lang="ko-KR" altLang="en-US" sz="4400" dirty="0">
-              <a:solidFill>
-                <a:schemeClr val="tx1">
-                  <a:lumMod val="75000"/>
-                  <a:lumOff val="25000"/>
-                </a:schemeClr>
-              </a:solidFill>
-            </a:endParaRPr>
-          </a:p>
-        </p:txBody>
-      </p:sp>
-      <p:sp>
-        <p:nvSpPr>
-          <p:cNvPr id="3" name="슬라이드 번호 개체 틀 2"/>
-          <p:cNvSpPr>
-            <a:spLocks noGrp="1"/>
-          </p:cNvSpPr>
-          <p:nvPr>
-            <p:ph type="sldNum" sz="quarter" idx="12"/>
-          </p:nvPr>
-        </p:nvSpPr>
-        <p:spPr/>
-        <p:txBody>
-          <a:bodyPr/>
-          <a:lstStyle/>
-          <a:p>
-            <a:fld id="{6DDAE2C3-1A0B-474A-8CE8-AE55B8D9D4B1}" type="slidenum">
-              <a:rPr lang="ko-KR" altLang="en-US" smtClean="0"/>
-              <a:pPr/>
-              <a:t>40</a:t>
-            </a:fld>
-            <a:endParaRPr lang="ko-KR" altLang="en-US" dirty="0"/>
-          </a:p>
-        </p:txBody>
-      </p:sp>
-      <p:pic>
-        <p:nvPicPr>
-          <p:cNvPr id="2" name="그림 1">
-            <a:extLst>
-              <a:ext uri="{FF2B5EF4-FFF2-40B4-BE49-F238E27FC236}">
-                <a16:creationId xmlns:a16="http://schemas.microsoft.com/office/drawing/2014/main" id="{0677462A-29C4-4D58-8811-FB74BEB3A3E2}"/>
-              </a:ext>
-            </a:extLst>
-          </p:cNvPr>
-          <p:cNvPicPr>
-            <a:picLocks noChangeAspect="1"/>
-          </p:cNvPicPr>
-          <p:nvPr/>
-        </p:nvPicPr>
-        <p:blipFill>
-          <a:blip r:embed="rId2"/>
-          <a:stretch>
-            <a:fillRect/>
-          </a:stretch>
-        </p:blipFill>
-        <p:spPr>
-          <a:xfrm>
-            <a:off x="3703861" y="0"/>
-            <a:ext cx="5936502" cy="6840538"/>
-          </a:xfrm>
-          <a:prstGeom prst="rect">
-            <a:avLst/>
-          </a:prstGeom>
-        </p:spPr>
-      </p:pic>
-    </p:spTree>
-    <p:extLst>
-      <p:ext uri="{BB962C8B-B14F-4D97-AF65-F5344CB8AC3E}">
-        <p14:creationId xmlns:p14="http://schemas.microsoft.com/office/powerpoint/2010/main" val="1392773295"/>
-      </p:ext>
-    </p:extLst>
-  </p:cSld>
-  <p:clrMapOvr>
-    <a:masterClrMapping/>
-  </p:clrMapOvr>
-</p:sld>
-</file>
-
-<file path=ppt/slides/slide41.xml><?xml version="1.0" encoding="utf-8"?>
-<p:sld xmlns:a="http://schemas.openxmlformats.org/drawingml/2006/main" xmlns:r="http://schemas.openxmlformats.org/officeDocument/2006/relationships" xmlns:p="http://schemas.openxmlformats.org/presentationml/2006/main">
-  <p:cSld>
-    <p:spTree>
-      <p:nvGrpSpPr>
-        <p:cNvPr id="1" name=""/>
-        <p:cNvGrpSpPr/>
-        <p:nvPr/>
-      </p:nvGrpSpPr>
-      <p:grpSpPr>
-        <a:xfrm>
-          <a:off x="0" y="0"/>
-          <a:ext cx="0" cy="0"/>
-          <a:chOff x="0" y="0"/>
-          <a:chExt cx="0" cy="0"/>
-        </a:xfrm>
-      </p:grpSpPr>
-      <p:sp>
-        <p:nvSpPr>
-          <p:cNvPr id="5" name="제목 4"/>
-          <p:cNvSpPr>
-            <a:spLocks noGrp="1"/>
-          </p:cNvSpPr>
-          <p:nvPr>
-            <p:ph type="title"/>
-          </p:nvPr>
-        </p:nvSpPr>
-        <p:spPr>
-          <a:xfrm>
-            <a:off x="608016" y="551987"/>
-            <a:ext cx="10944225" cy="1140090"/>
-          </a:xfrm>
-        </p:spPr>
-        <p:txBody>
-          <a:bodyPr>
-            <a:normAutofit fontScale="90000"/>
-          </a:bodyPr>
-          <a:lstStyle/>
-          <a:p>
-            <a:pPr algn="l"/>
-            <a:r>
-              <a:rPr lang="en-US" altLang="ko-KR" sz="4400" dirty="0">
-                <a:solidFill>
-                  <a:schemeClr val="tx1">
-                    <a:lumMod val="75000"/>
-                    <a:lumOff val="25000"/>
-                  </a:schemeClr>
-                </a:solidFill>
-                <a:latin typeface="Noto Sans CJK KR Black" pitchFamily="34" charset="-127"/>
-                <a:ea typeface="Noto Sans CJK KR Black" pitchFamily="34" charset="-127"/>
-              </a:rPr>
-              <a:t>1. </a:t>
-            </a:r>
-            <a:r>
-              <a:rPr lang="ko-KR" altLang="en-US" sz="4400" dirty="0">
-                <a:solidFill>
-                  <a:schemeClr val="tx1">
-                    <a:lumMod val="75000"/>
-                    <a:lumOff val="25000"/>
-                  </a:schemeClr>
-                </a:solidFill>
-                <a:latin typeface="Noto Sans CJK KR Black" pitchFamily="34" charset="-127"/>
-                <a:ea typeface="Noto Sans CJK KR Black" pitchFamily="34" charset="-127"/>
-              </a:rPr>
-              <a:t>기계학습 </a:t>
-            </a:r>
-            <a:br>
-              <a:rPr lang="en-US" altLang="ko-KR" sz="4400" dirty="0">
-                <a:solidFill>
-                  <a:schemeClr val="tx1">
-                    <a:lumMod val="75000"/>
-                    <a:lumOff val="25000"/>
-                  </a:schemeClr>
-                </a:solidFill>
-                <a:latin typeface="Noto Sans CJK KR Black" pitchFamily="34" charset="-127"/>
-                <a:ea typeface="Noto Sans CJK KR Black" pitchFamily="34" charset="-127"/>
-              </a:rPr>
-            </a:br>
-            <a:r>
-              <a:rPr lang="ko-KR" altLang="en-US" sz="4400" dirty="0">
-                <a:solidFill>
-                  <a:schemeClr val="tx1">
-                    <a:lumMod val="75000"/>
-                    <a:lumOff val="25000"/>
-                  </a:schemeClr>
-                </a:solidFill>
-                <a:latin typeface="Noto Sans CJK KR Black" pitchFamily="34" charset="-127"/>
-                <a:ea typeface="Noto Sans CJK KR Black" pitchFamily="34" charset="-127"/>
-              </a:rPr>
-              <a:t>알고리즘</a:t>
-            </a:r>
-            <a:endParaRPr lang="ko-KR" altLang="en-US" sz="4400" dirty="0">
-              <a:solidFill>
-                <a:schemeClr val="tx1">
-                  <a:lumMod val="75000"/>
-                  <a:lumOff val="25000"/>
-                </a:schemeClr>
-              </a:solidFill>
-            </a:endParaRPr>
-          </a:p>
-        </p:txBody>
-      </p:sp>
-      <p:sp>
-        <p:nvSpPr>
-          <p:cNvPr id="3" name="슬라이드 번호 개체 틀 2"/>
-          <p:cNvSpPr>
-            <a:spLocks noGrp="1"/>
-          </p:cNvSpPr>
-          <p:nvPr>
-            <p:ph type="sldNum" sz="quarter" idx="12"/>
-          </p:nvPr>
-        </p:nvSpPr>
-        <p:spPr/>
-        <p:txBody>
-          <a:bodyPr/>
-          <a:lstStyle/>
-          <a:p>
-            <a:fld id="{6DDAE2C3-1A0B-474A-8CE8-AE55B8D9D4B1}" type="slidenum">
-              <a:rPr lang="ko-KR" altLang="en-US" smtClean="0"/>
-              <a:pPr/>
-              <a:t>41</a:t>
-            </a:fld>
-            <a:endParaRPr lang="ko-KR" altLang="en-US" dirty="0"/>
-          </a:p>
-        </p:txBody>
-      </p:sp>
-      <p:pic>
-        <p:nvPicPr>
-          <p:cNvPr id="2" name="그림 1">
-            <a:extLst>
-              <a:ext uri="{FF2B5EF4-FFF2-40B4-BE49-F238E27FC236}">
-                <a16:creationId xmlns:a16="http://schemas.microsoft.com/office/drawing/2014/main" id="{2F06A9B4-4124-433D-A57D-D588C43A3697}"/>
-              </a:ext>
-            </a:extLst>
-          </p:cNvPr>
-          <p:cNvPicPr>
-            <a:picLocks noChangeAspect="1"/>
-          </p:cNvPicPr>
-          <p:nvPr/>
-        </p:nvPicPr>
-        <p:blipFill>
-          <a:blip r:embed="rId2"/>
-          <a:stretch>
-            <a:fillRect/>
-          </a:stretch>
-        </p:blipFill>
-        <p:spPr>
-          <a:xfrm>
-            <a:off x="2803525" y="1205706"/>
-            <a:ext cx="6553200" cy="4429125"/>
-          </a:xfrm>
-          <a:prstGeom prst="rect">
-            <a:avLst/>
-          </a:prstGeom>
-        </p:spPr>
-      </p:pic>
-    </p:spTree>
-    <p:extLst>
-      <p:ext uri="{BB962C8B-B14F-4D97-AF65-F5344CB8AC3E}">
-        <p14:creationId xmlns:p14="http://schemas.microsoft.com/office/powerpoint/2010/main" val="702980359"/>
-      </p:ext>
-    </p:extLst>
-  </p:cSld>
-  <p:clrMapOvr>
-    <a:masterClrMapping/>
-  </p:clrMapOvr>
-</p:sld>
-</file>
-
-<file path=ppt/slides/slide42.xml><?xml version="1.0" encoding="utf-8"?>
-<p:sld xmlns:a="http://schemas.openxmlformats.org/drawingml/2006/main" xmlns:r="http://schemas.openxmlformats.org/officeDocument/2006/relationships" xmlns:p="http://schemas.openxmlformats.org/presentationml/2006/main">
-  <p:cSld>
-    <p:spTree>
-      <p:nvGrpSpPr>
-        <p:cNvPr id="1" name=""/>
-        <p:cNvGrpSpPr/>
-        <p:nvPr/>
-      </p:nvGrpSpPr>
-      <p:grpSpPr>
-        <a:xfrm>
-          <a:off x="0" y="0"/>
-          <a:ext cx="0" cy="0"/>
-          <a:chOff x="0" y="0"/>
-          <a:chExt cx="0" cy="0"/>
-        </a:xfrm>
-      </p:grpSpPr>
-      <p:sp>
-        <p:nvSpPr>
-          <p:cNvPr id="5" name="제목 4"/>
-          <p:cNvSpPr>
-            <a:spLocks noGrp="1"/>
-          </p:cNvSpPr>
-          <p:nvPr>
-            <p:ph type="title"/>
-          </p:nvPr>
-        </p:nvSpPr>
-        <p:spPr>
-          <a:xfrm>
-            <a:off x="608016" y="551987"/>
-            <a:ext cx="10944225" cy="1140090"/>
-          </a:xfrm>
-        </p:spPr>
-        <p:txBody>
-          <a:bodyPr>
-            <a:normAutofit fontScale="90000"/>
-          </a:bodyPr>
-          <a:lstStyle/>
-          <a:p>
-            <a:pPr algn="l"/>
-            <a:r>
-              <a:rPr lang="en-US" altLang="ko-KR" sz="4400" dirty="0">
-                <a:solidFill>
-                  <a:schemeClr val="tx1">
-                    <a:lumMod val="75000"/>
-                    <a:lumOff val="25000"/>
-                  </a:schemeClr>
-                </a:solidFill>
-                <a:latin typeface="Noto Sans CJK KR Black" pitchFamily="34" charset="-127"/>
-                <a:ea typeface="Noto Sans CJK KR Black" pitchFamily="34" charset="-127"/>
-              </a:rPr>
-              <a:t>1. </a:t>
-            </a:r>
-            <a:r>
-              <a:rPr lang="ko-KR" altLang="en-US" sz="4400" dirty="0">
-                <a:solidFill>
-                  <a:schemeClr val="tx1">
-                    <a:lumMod val="75000"/>
-                    <a:lumOff val="25000"/>
-                  </a:schemeClr>
-                </a:solidFill>
-                <a:latin typeface="Noto Sans CJK KR Black" pitchFamily="34" charset="-127"/>
-                <a:ea typeface="Noto Sans CJK KR Black" pitchFamily="34" charset="-127"/>
-              </a:rPr>
-              <a:t>기계학습 </a:t>
-            </a:r>
-            <a:br>
-              <a:rPr lang="en-US" altLang="ko-KR" sz="4400" dirty="0">
-                <a:solidFill>
-                  <a:schemeClr val="tx1">
-                    <a:lumMod val="75000"/>
-                    <a:lumOff val="25000"/>
-                  </a:schemeClr>
-                </a:solidFill>
-                <a:latin typeface="Noto Sans CJK KR Black" pitchFamily="34" charset="-127"/>
-                <a:ea typeface="Noto Sans CJK KR Black" pitchFamily="34" charset="-127"/>
-              </a:rPr>
-            </a:br>
-            <a:r>
-              <a:rPr lang="ko-KR" altLang="en-US" sz="4400" dirty="0">
-                <a:solidFill>
-                  <a:schemeClr val="tx1">
-                    <a:lumMod val="75000"/>
-                    <a:lumOff val="25000"/>
-                  </a:schemeClr>
-                </a:solidFill>
-                <a:latin typeface="Noto Sans CJK KR Black" pitchFamily="34" charset="-127"/>
-                <a:ea typeface="Noto Sans CJK KR Black" pitchFamily="34" charset="-127"/>
-              </a:rPr>
-              <a:t>알고리즘</a:t>
-            </a:r>
-            <a:endParaRPr lang="ko-KR" altLang="en-US" sz="4400" dirty="0">
-              <a:solidFill>
-                <a:schemeClr val="tx1">
-                  <a:lumMod val="75000"/>
-                  <a:lumOff val="25000"/>
-                </a:schemeClr>
-              </a:solidFill>
-            </a:endParaRPr>
-          </a:p>
-        </p:txBody>
-      </p:sp>
-      <p:sp>
-        <p:nvSpPr>
-          <p:cNvPr id="3" name="슬라이드 번호 개체 틀 2"/>
-          <p:cNvSpPr>
-            <a:spLocks noGrp="1"/>
-          </p:cNvSpPr>
-          <p:nvPr>
-            <p:ph type="sldNum" sz="quarter" idx="12"/>
-          </p:nvPr>
-        </p:nvSpPr>
-        <p:spPr/>
-        <p:txBody>
-          <a:bodyPr/>
-          <a:lstStyle/>
-          <a:p>
-            <a:fld id="{6DDAE2C3-1A0B-474A-8CE8-AE55B8D9D4B1}" type="slidenum">
-              <a:rPr lang="ko-KR" altLang="en-US" smtClean="0"/>
-              <a:pPr/>
-              <a:t>42</a:t>
-            </a:fld>
-            <a:endParaRPr lang="ko-KR" altLang="en-US" dirty="0"/>
-          </a:p>
-        </p:txBody>
-      </p:sp>
-      <p:pic>
-        <p:nvPicPr>
-          <p:cNvPr id="2" name="그림 1">
-            <a:extLst>
-              <a:ext uri="{FF2B5EF4-FFF2-40B4-BE49-F238E27FC236}">
-                <a16:creationId xmlns:a16="http://schemas.microsoft.com/office/drawing/2014/main" id="{EA144CDE-539A-46CB-9F59-467294D87DC3}"/>
-              </a:ext>
-            </a:extLst>
-          </p:cNvPr>
-          <p:cNvPicPr>
-            <a:picLocks noChangeAspect="1"/>
-          </p:cNvPicPr>
-          <p:nvPr/>
-        </p:nvPicPr>
-        <p:blipFill>
-          <a:blip r:embed="rId2"/>
-          <a:stretch>
-            <a:fillRect/>
-          </a:stretch>
-        </p:blipFill>
-        <p:spPr>
-          <a:xfrm>
-            <a:off x="3343821" y="0"/>
-            <a:ext cx="6935545" cy="6840538"/>
-          </a:xfrm>
-          <a:prstGeom prst="rect">
-            <a:avLst/>
-          </a:prstGeom>
-        </p:spPr>
-      </p:pic>
-    </p:spTree>
-    <p:extLst>
-      <p:ext uri="{BB962C8B-B14F-4D97-AF65-F5344CB8AC3E}">
-        <p14:creationId xmlns:p14="http://schemas.microsoft.com/office/powerpoint/2010/main" val="1808523367"/>
-      </p:ext>
-    </p:extLst>
-  </p:cSld>
-  <p:clrMapOvr>
-    <a:masterClrMapping/>
-  </p:clrMapOvr>
-</p:sld>
-</file>
-
-<file path=ppt/slides/slide43.xml><?xml version="1.0" encoding="utf-8"?>
 <p:sld xmlns:a="http://schemas.openxmlformats.org/drawingml/2006/main" xmlns:r="http://schemas.openxmlformats.org/officeDocument/2006/relationships" xmlns:p="http://schemas.openxmlformats.org/presentationml/2006/main">
   <p:cSld>
     <p:spTree>
@@ -10396,6 +8716,150 @@
 </p:sld>
 </file>
 
+<file path=ppt/slides/slide4.xml><?xml version="1.0" encoding="utf-8"?>
+<p:sld xmlns:a="http://schemas.openxmlformats.org/drawingml/2006/main" xmlns:r="http://schemas.openxmlformats.org/officeDocument/2006/relationships" xmlns:p="http://schemas.openxmlformats.org/presentationml/2006/main">
+  <p:cSld>
+    <p:spTree>
+      <p:nvGrpSpPr>
+        <p:cNvPr id="1" name=""/>
+        <p:cNvGrpSpPr/>
+        <p:nvPr/>
+      </p:nvGrpSpPr>
+      <p:grpSpPr>
+        <a:xfrm>
+          <a:off x="0" y="0"/>
+          <a:ext cx="0" cy="0"/>
+          <a:chOff x="0" y="0"/>
+          <a:chExt cx="0" cy="0"/>
+        </a:xfrm>
+      </p:grpSpPr>
+      <p:sp>
+        <p:nvSpPr>
+          <p:cNvPr id="5" name="제목 4"/>
+          <p:cNvSpPr>
+            <a:spLocks noGrp="1"/>
+          </p:cNvSpPr>
+          <p:nvPr>
+            <p:ph type="title"/>
+          </p:nvPr>
+        </p:nvSpPr>
+        <p:spPr>
+          <a:xfrm>
+            <a:off x="608012" y="539949"/>
+            <a:ext cx="10944225" cy="1140090"/>
+          </a:xfrm>
+        </p:spPr>
+        <p:txBody>
+          <a:bodyPr>
+            <a:normAutofit/>
+          </a:bodyPr>
+          <a:lstStyle/>
+          <a:p>
+            <a:pPr algn="l"/>
+            <a:r>
+              <a:rPr lang="en-US" altLang="ko-KR" sz="4400" dirty="0">
+                <a:solidFill>
+                  <a:schemeClr val="tx1">
+                    <a:lumMod val="75000"/>
+                    <a:lumOff val="25000"/>
+                  </a:schemeClr>
+                </a:solidFill>
+                <a:latin typeface="Noto Sans CJK KR Black" pitchFamily="34" charset="-127"/>
+                <a:ea typeface="Noto Sans CJK KR Black" pitchFamily="34" charset="-127"/>
+              </a:rPr>
+              <a:t>4. </a:t>
+            </a:r>
+            <a:r>
+              <a:rPr lang="ko-KR" altLang="en-US" sz="4400" dirty="0">
+                <a:solidFill>
+                  <a:schemeClr val="tx1">
+                    <a:lumMod val="75000"/>
+                    <a:lumOff val="25000"/>
+                  </a:schemeClr>
+                </a:solidFill>
+                <a:latin typeface="Noto Sans CJK KR Black" pitchFamily="34" charset="-127"/>
+                <a:ea typeface="Noto Sans CJK KR Black" pitchFamily="34" charset="-127"/>
+              </a:rPr>
+              <a:t>시계열 분석</a:t>
+            </a:r>
+            <a:endParaRPr lang="ko-KR" altLang="en-US" sz="4400" dirty="0">
+              <a:solidFill>
+                <a:schemeClr val="tx1">
+                  <a:lumMod val="75000"/>
+                  <a:lumOff val="25000"/>
+                </a:schemeClr>
+              </a:solidFill>
+            </a:endParaRPr>
+          </a:p>
+        </p:txBody>
+      </p:sp>
+      <p:sp>
+        <p:nvSpPr>
+          <p:cNvPr id="3" name="슬라이드 번호 개체 틀 2"/>
+          <p:cNvSpPr>
+            <a:spLocks noGrp="1"/>
+          </p:cNvSpPr>
+          <p:nvPr>
+            <p:ph type="sldNum" sz="quarter" idx="12"/>
+          </p:nvPr>
+        </p:nvSpPr>
+        <p:spPr/>
+        <p:txBody>
+          <a:bodyPr/>
+          <a:lstStyle/>
+          <a:p>
+            <a:fld id="{6DDAE2C3-1A0B-474A-8CE8-AE55B8D9D4B1}" type="slidenum">
+              <a:rPr lang="ko-KR" altLang="en-US" smtClean="0"/>
+              <a:pPr/>
+              <a:t>4</a:t>
+            </a:fld>
+            <a:endParaRPr lang="ko-KR" altLang="en-US" dirty="0"/>
+          </a:p>
+        </p:txBody>
+      </p:sp>
+      <p:pic>
+        <p:nvPicPr>
+          <p:cNvPr id="2" name="그림 1">
+            <a:extLst>
+              <a:ext uri="{FF2B5EF4-FFF2-40B4-BE49-F238E27FC236}">
+                <a16:creationId xmlns:a16="http://schemas.microsoft.com/office/drawing/2014/main" id="{E0AE5659-91C0-40FC-BAB3-7D900655732E}"/>
+              </a:ext>
+            </a:extLst>
+          </p:cNvPr>
+          <p:cNvPicPr>
+            <a:picLocks noChangeAspect="1"/>
+          </p:cNvPicPr>
+          <p:nvPr/>
+        </p:nvPicPr>
+        <p:blipFill>
+          <a:blip r:embed="rId2"/>
+          <a:stretch>
+            <a:fillRect/>
+          </a:stretch>
+        </p:blipFill>
+        <p:spPr>
+          <a:xfrm>
+            <a:off x="1851024" y="1921293"/>
+            <a:ext cx="8458200" cy="4210050"/>
+          </a:xfrm>
+          <a:prstGeom prst="rect">
+            <a:avLst/>
+          </a:prstGeom>
+        </p:spPr>
+      </p:pic>
+    </p:spTree>
+    <p:extLst>
+      <p:ext uri="{BB962C8B-B14F-4D97-AF65-F5344CB8AC3E}">
+        <p14:creationId xmlns:p14="http://schemas.microsoft.com/office/powerpoint/2010/main" val="2891482321"/>
+      </p:ext>
+    </p:extLst>
+  </p:cSld>
+  <p:clrMapOvr>
+    <a:masterClrMapping/>
+  </p:clrMapOvr>
+</p:sld>
+</file>
+
 <file path=ppt/slides/slide5.xml><?xml version="1.0" encoding="utf-8"?>
 <p:sld xmlns:a="http://schemas.openxmlformats.org/drawingml/2006/main" xmlns:r="http://schemas.openxmlformats.org/officeDocument/2006/relationships" xmlns:p="http://schemas.openxmlformats.org/presentationml/2006/main">
   <p:cSld>
@@ -10425,13 +8889,13 @@
         </p:nvSpPr>
         <p:spPr>
           <a:xfrm>
-            <a:off x="608016" y="551987"/>
+            <a:off x="319485" y="683965"/>
             <a:ext cx="10944225" cy="1140090"/>
           </a:xfrm>
         </p:spPr>
         <p:txBody>
           <a:bodyPr>
-            <a:normAutofit/>
+            <a:normAutofit fontScale="90000"/>
           </a:bodyPr>
           <a:lstStyle/>
           <a:p>
@@ -10447,7 +8911,7 @@
                 <a:latin typeface="Noto Sans CJK KR Black" pitchFamily="34" charset="-127"/>
                 <a:ea typeface="Noto Sans CJK KR Black" pitchFamily="34" charset="-127"/>
               </a:rPr>
-              <a:t>2. </a:t>
+              <a:t>4. </a:t>
             </a:r>
             <a:r>
               <a:rPr lang="ko-KR" altLang="en-US" sz="4400" dirty="0">
@@ -10460,7 +8924,32 @@
                 <a:latin typeface="Noto Sans CJK KR Black" pitchFamily="34" charset="-127"/>
                 <a:ea typeface="Noto Sans CJK KR Black" pitchFamily="34" charset="-127"/>
               </a:rPr>
-              <a:t>분석 주 사용 패키지</a:t>
+              <a:t>시계열</a:t>
+            </a:r>
+            <a:br>
+              <a:rPr lang="en-US" altLang="ko-KR" sz="4400" dirty="0">
+                <a:solidFill>
+                  <a:schemeClr val="tx1">
+                    <a:lumMod val="75000"/>
+                    <a:lumOff val="25000"/>
+                  </a:schemeClr>
+                </a:solidFill>
+                <a:latin typeface="Noto Sans CJK KR Black" pitchFamily="34" charset="-127"/>
+                <a:ea typeface="Noto Sans CJK KR Black" pitchFamily="34" charset="-127"/>
+              </a:rPr>
+            </a:br>
+            <a:r>
+              <a:rPr lang="ko-KR" altLang="en-US" sz="4400" dirty="0">
+                <a:solidFill>
+                  <a:schemeClr val="tx1">
+                    <a:lumMod val="75000"/>
+                    <a:lumOff val="25000"/>
+                  </a:schemeClr>
+                </a:solidFill>
+                <a:latin typeface="Noto Sans CJK KR Black" pitchFamily="34" charset="-127"/>
+                <a:ea typeface="Noto Sans CJK KR Black" pitchFamily="34" charset="-127"/>
+              </a:rPr>
+              <a:t> 분석</a:t>
             </a:r>
             <a:endParaRPr lang="ko-KR" altLang="en-US" sz="4400" dirty="0">
               <a:solidFill>
@@ -10502,7 +8991,7 @@
           <p:cNvPr id="2" name="그림 1">
             <a:extLst>
               <a:ext uri="{FF2B5EF4-FFF2-40B4-BE49-F238E27FC236}">
-                <a16:creationId xmlns:a16="http://schemas.microsoft.com/office/drawing/2014/main" id="{1487B8EB-AB96-4819-B801-225C39492202}"/>
+                <a16:creationId xmlns:a16="http://schemas.microsoft.com/office/drawing/2014/main" id="{F16BA6CA-9C7E-497A-94E5-0C8F2E773E65}"/>
               </a:ext>
             </a:extLst>
           </p:cNvPr>
@@ -10519,8 +9008,8 @@
         </p:blipFill>
         <p:spPr>
           <a:xfrm>
-            <a:off x="1617662" y="1379625"/>
-            <a:ext cx="8924925" cy="5305425"/>
+            <a:off x="2730500" y="252936"/>
+            <a:ext cx="9429750" cy="6286500"/>
           </a:xfrm>
           <a:prstGeom prst="rect">
             <a:avLst/>
@@ -10530,7 +9019,7 @@
     </p:spTree>
     <p:extLst>
       <p:ext uri="{BB962C8B-B14F-4D97-AF65-F5344CB8AC3E}">
-        <p14:creationId xmlns:p14="http://schemas.microsoft.com/office/powerpoint/2010/main" val="203672146"/>
+        <p14:creationId xmlns:p14="http://schemas.microsoft.com/office/powerpoint/2010/main" val="2520880966"/>
       </p:ext>
     </p:extLst>
   </p:cSld>
@@ -10569,7 +9058,7 @@
         </p:nvSpPr>
         <p:spPr>
           <a:xfrm>
-            <a:off x="608016" y="551987"/>
+            <a:off x="608012" y="539949"/>
             <a:ext cx="10944225" cy="1140090"/>
           </a:xfrm>
         </p:spPr>
@@ -10591,7 +9080,7 @@
                 <a:latin typeface="Noto Sans CJK KR Black" pitchFamily="34" charset="-127"/>
                 <a:ea typeface="Noto Sans CJK KR Black" pitchFamily="34" charset="-127"/>
               </a:rPr>
-              <a:t>2. </a:t>
+              <a:t>4. </a:t>
             </a:r>
             <a:r>
               <a:rPr lang="ko-KR" altLang="en-US" sz="4400" dirty="0">
@@ -10604,7 +9093,7 @@
                 <a:latin typeface="Noto Sans CJK KR Black" pitchFamily="34" charset="-127"/>
                 <a:ea typeface="Noto Sans CJK KR Black" pitchFamily="34" charset="-127"/>
               </a:rPr>
-              <a:t>분석 주 사용 패키지</a:t>
+              <a:t>시계열 분석</a:t>
             </a:r>
             <a:endParaRPr lang="ko-KR" altLang="en-US" sz="4400" dirty="0">
               <a:solidFill>
@@ -10646,7 +9135,7 @@
           <p:cNvPr id="2" name="그림 1">
             <a:extLst>
               <a:ext uri="{FF2B5EF4-FFF2-40B4-BE49-F238E27FC236}">
-                <a16:creationId xmlns:a16="http://schemas.microsoft.com/office/drawing/2014/main" id="{02DD1F47-A962-4528-9EC6-BDAD2FB21CA9}"/>
+                <a16:creationId xmlns:a16="http://schemas.microsoft.com/office/drawing/2014/main" id="{0014DEB9-298D-43C9-849A-3CBA3225AAE1}"/>
               </a:ext>
             </a:extLst>
           </p:cNvPr>
@@ -10663,8 +9152,8 @@
         </p:blipFill>
         <p:spPr>
           <a:xfrm>
-            <a:off x="6512173" y="33251"/>
-            <a:ext cx="4895850" cy="6686550"/>
+            <a:off x="5504061" y="0"/>
+            <a:ext cx="4936388" cy="6840538"/>
           </a:xfrm>
           <a:prstGeom prst="rect">
             <a:avLst/>
@@ -10674,7 +9163,7 @@
     </p:spTree>
     <p:extLst>
       <p:ext uri="{BB962C8B-B14F-4D97-AF65-F5344CB8AC3E}">
-        <p14:creationId xmlns:p14="http://schemas.microsoft.com/office/powerpoint/2010/main" val="1028182765"/>
+        <p14:creationId xmlns:p14="http://schemas.microsoft.com/office/powerpoint/2010/main" val="3164457100"/>
       </p:ext>
     </p:extLst>
   </p:cSld>
@@ -10713,7 +9202,7 @@
         </p:nvSpPr>
         <p:spPr>
           <a:xfrm>
-            <a:off x="608016" y="551987"/>
+            <a:off x="608012" y="539949"/>
             <a:ext cx="10944225" cy="1140090"/>
           </a:xfrm>
         </p:spPr>
@@ -10735,7 +9224,7 @@
                 <a:latin typeface="Noto Sans CJK KR Black" pitchFamily="34" charset="-127"/>
                 <a:ea typeface="Noto Sans CJK KR Black" pitchFamily="34" charset="-127"/>
               </a:rPr>
-              <a:t>3. </a:t>
+              <a:t>4. </a:t>
             </a:r>
             <a:r>
               <a:rPr lang="ko-KR" altLang="en-US" sz="4400" dirty="0">
@@ -10748,7 +9237,7 @@
                 <a:latin typeface="Noto Sans CJK KR Black" pitchFamily="34" charset="-127"/>
                 <a:ea typeface="Noto Sans CJK KR Black" pitchFamily="34" charset="-127"/>
               </a:rPr>
-              <a:t>데이터준비 방향</a:t>
+              <a:t>시계열 분석</a:t>
             </a:r>
             <a:endParaRPr lang="ko-KR" altLang="en-US" sz="4400" dirty="0">
               <a:solidFill>
@@ -10790,7 +9279,7 @@
           <p:cNvPr id="2" name="그림 1">
             <a:extLst>
               <a:ext uri="{FF2B5EF4-FFF2-40B4-BE49-F238E27FC236}">
-                <a16:creationId xmlns:a16="http://schemas.microsoft.com/office/drawing/2014/main" id="{CD56913B-4F4A-4315-8F9E-54DFF027EF3F}"/>
+                <a16:creationId xmlns:a16="http://schemas.microsoft.com/office/drawing/2014/main" id="{2A0D922B-2802-4818-8989-1A73692EE1E5}"/>
               </a:ext>
             </a:extLst>
           </p:cNvPr>
@@ -10807,8 +9296,8 @@
         </p:blipFill>
         <p:spPr>
           <a:xfrm>
-            <a:off x="2147006" y="1776124"/>
-            <a:ext cx="7866238" cy="4596474"/>
+            <a:off x="2151061" y="1665315"/>
+            <a:ext cx="7858125" cy="4667250"/>
           </a:xfrm>
           <a:prstGeom prst="rect">
             <a:avLst/>
@@ -10818,7 +9307,7 @@
     </p:spTree>
     <p:extLst>
       <p:ext uri="{BB962C8B-B14F-4D97-AF65-F5344CB8AC3E}">
-        <p14:creationId xmlns:p14="http://schemas.microsoft.com/office/powerpoint/2010/main" val="2672014530"/>
+        <p14:creationId xmlns:p14="http://schemas.microsoft.com/office/powerpoint/2010/main" val="3447290098"/>
       </p:ext>
     </p:extLst>
   </p:cSld>
@@ -10857,7 +9346,7 @@
         </p:nvSpPr>
         <p:spPr>
           <a:xfrm>
-            <a:off x="608016" y="551987"/>
+            <a:off x="608012" y="539949"/>
             <a:ext cx="10944225" cy="1140090"/>
           </a:xfrm>
         </p:spPr>
@@ -10879,7 +9368,7 @@
                 <a:latin typeface="Noto Sans CJK KR Black" pitchFamily="34" charset="-127"/>
                 <a:ea typeface="Noto Sans CJK KR Black" pitchFamily="34" charset="-127"/>
               </a:rPr>
-              <a:t>3. </a:t>
+              <a:t>4. </a:t>
             </a:r>
             <a:r>
               <a:rPr lang="ko-KR" altLang="en-US" sz="4400" dirty="0">
@@ -10892,7 +9381,7 @@
                 <a:latin typeface="Noto Sans CJK KR Black" pitchFamily="34" charset="-127"/>
                 <a:ea typeface="Noto Sans CJK KR Black" pitchFamily="34" charset="-127"/>
               </a:rPr>
-              <a:t>데이터준비 방향</a:t>
+              <a:t>시계열 분석</a:t>
             </a:r>
             <a:endParaRPr lang="ko-KR" altLang="en-US" sz="4400" dirty="0">
               <a:solidFill>
@@ -10934,7 +9423,7 @@
           <p:cNvPr id="2" name="그림 1">
             <a:extLst>
               <a:ext uri="{FF2B5EF4-FFF2-40B4-BE49-F238E27FC236}">
-                <a16:creationId xmlns:a16="http://schemas.microsoft.com/office/drawing/2014/main" id="{9A5B2AFC-5721-4DE8-A955-195262836D82}"/>
+                <a16:creationId xmlns:a16="http://schemas.microsoft.com/office/drawing/2014/main" id="{0B1CFA12-79FE-4C89-9A90-7E66AC65F245}"/>
               </a:ext>
             </a:extLst>
           </p:cNvPr>
@@ -10951,8 +9440,8 @@
         </p:blipFill>
         <p:spPr>
           <a:xfrm>
-            <a:off x="2636837" y="1382713"/>
-            <a:ext cx="6886575" cy="5457825"/>
+            <a:off x="2055811" y="1490976"/>
+            <a:ext cx="8048625" cy="5324475"/>
           </a:xfrm>
           <a:prstGeom prst="rect">
             <a:avLst/>
@@ -10962,7 +9451,7 @@
     </p:spTree>
     <p:extLst>
       <p:ext uri="{BB962C8B-B14F-4D97-AF65-F5344CB8AC3E}">
-        <p14:creationId xmlns:p14="http://schemas.microsoft.com/office/powerpoint/2010/main" val="3349304281"/>
+        <p14:creationId xmlns:p14="http://schemas.microsoft.com/office/powerpoint/2010/main" val="4258336835"/>
       </p:ext>
     </p:extLst>
   </p:cSld>
@@ -11001,7 +9490,7 @@
         </p:nvSpPr>
         <p:spPr>
           <a:xfrm>
-            <a:off x="608016" y="551987"/>
+            <a:off x="608012" y="539949"/>
             <a:ext cx="10944225" cy="1140090"/>
           </a:xfrm>
         </p:spPr>
@@ -11026,7 +9515,7 @@
               <a:t>4. </a:t>
             </a:r>
             <a:r>
-              <a:rPr lang="ko-KR" altLang="en-US" sz="4400" dirty="0" err="1">
+              <a:rPr lang="ko-KR" altLang="en-US" sz="4400" dirty="0">
                 <a:solidFill>
                   <a:schemeClr val="tx1">
                     <a:lumMod val="75000"/>
@@ -11036,20 +9525,7 @@
                 <a:latin typeface="Noto Sans CJK KR Black" pitchFamily="34" charset="-127"/>
                 <a:ea typeface="Noto Sans CJK KR Black" pitchFamily="34" charset="-127"/>
               </a:rPr>
-              <a:t>전처리</a:t>
-            </a:r>
-            <a:r>
-              <a:rPr lang="ko-KR" altLang="en-US" sz="4400" dirty="0">
-                <a:solidFill>
-                  <a:schemeClr val="tx1">
-                    <a:lumMod val="75000"/>
-                    <a:lumOff val="25000"/>
-                  </a:schemeClr>
-                </a:solidFill>
-                <a:latin typeface="Noto Sans CJK KR Black" pitchFamily="34" charset="-127"/>
-                <a:ea typeface="Noto Sans CJK KR Black" pitchFamily="34" charset="-127"/>
-              </a:rPr>
-              <a:t> 방향</a:t>
+              <a:t>시계열 분석</a:t>
             </a:r>
             <a:endParaRPr lang="ko-KR" altLang="en-US" sz="4400" dirty="0">
               <a:solidFill>
@@ -11091,7 +9567,7 @@
           <p:cNvPr id="2" name="그림 1">
             <a:extLst>
               <a:ext uri="{FF2B5EF4-FFF2-40B4-BE49-F238E27FC236}">
-                <a16:creationId xmlns:a16="http://schemas.microsoft.com/office/drawing/2014/main" id="{C5AE5AFD-E1E9-48CA-880E-6050D0748E8E}"/>
+                <a16:creationId xmlns:a16="http://schemas.microsoft.com/office/drawing/2014/main" id="{763FD5DE-0E65-41B2-A2E1-B6F049DFEB69}"/>
               </a:ext>
             </a:extLst>
           </p:cNvPr>
@@ -11108,38 +9584,8 @@
         </p:blipFill>
         <p:spPr>
           <a:xfrm>
-            <a:off x="1456810" y="1689984"/>
-            <a:ext cx="9246629" cy="3229521"/>
-          </a:xfrm>
-          <a:prstGeom prst="rect">
-            <a:avLst/>
-          </a:prstGeom>
-        </p:spPr>
-      </p:pic>
-      <p:pic>
-        <p:nvPicPr>
-          <p:cNvPr id="4" name="그림 3">
-            <a:extLst>
-              <a:ext uri="{FF2B5EF4-FFF2-40B4-BE49-F238E27FC236}">
-                <a16:creationId xmlns:a16="http://schemas.microsoft.com/office/drawing/2014/main" id="{DCE5D5A2-155C-4114-B183-2B7BF9DD80E0}"/>
-              </a:ext>
-            </a:extLst>
-          </p:cNvPr>
-          <p:cNvPicPr>
-            <a:picLocks noChangeAspect="1"/>
-          </p:cNvPicPr>
-          <p:nvPr/>
-        </p:nvPicPr>
-        <p:blipFill>
-          <a:blip r:embed="rId3"/>
-          <a:stretch>
-            <a:fillRect/>
-          </a:stretch>
-        </p:blipFill>
-        <p:spPr>
-          <a:xfrm>
-            <a:off x="2120653" y="5023254"/>
-            <a:ext cx="7918941" cy="1522452"/>
+            <a:off x="2084386" y="1631886"/>
+            <a:ext cx="7991475" cy="5191125"/>
           </a:xfrm>
           <a:prstGeom prst="rect">
             <a:avLst/>
@@ -11149,7 +9595,7 @@
     </p:spTree>
     <p:extLst>
       <p:ext uri="{BB962C8B-B14F-4D97-AF65-F5344CB8AC3E}">
-        <p14:creationId xmlns:p14="http://schemas.microsoft.com/office/powerpoint/2010/main" val="1841451083"/>
+        <p14:creationId xmlns:p14="http://schemas.microsoft.com/office/powerpoint/2010/main" val="957076208"/>
       </p:ext>
     </p:extLst>
   </p:cSld>
